--- a/Lecture slides/NYT E01 - Scientific Writing.pptx
+++ b/Lecture slides/NYT E01 - Scientific Writing.pptx
@@ -747,7 +747,7 @@
   <p:cSld>
     <p:spTree>
       <p:nvGrpSpPr>
-        <p:cNvPr id="32" name="Shape 32"/>
+        <p:cNvPr id="33" name="Shape 33"/>
         <p:cNvGrpSpPr/>
         <p:nvPr/>
       </p:nvGrpSpPr>
@@ -761,7 +761,7 @@
       </p:grpSpPr>
       <p:sp>
         <p:nvSpPr>
-          <p:cNvPr id="33" name="Google Shape;33;g1f3ff092ddc_0_32:notes"/>
+          <p:cNvPr id="34" name="Google Shape;34;g1f3ff092ddc_0_32:notes"/>
           <p:cNvSpPr/>
           <p:nvPr>
             <p:ph idx="2" type="sldImg"/>
@@ -796,7 +796,7 @@
       </p:sp>
       <p:sp>
         <p:nvSpPr>
-          <p:cNvPr id="34" name="Google Shape;34;g1f3ff092ddc_0_32:notes"/>
+          <p:cNvPr id="35" name="Google Shape;35;g1f3ff092ddc_0_32:notes"/>
           <p:cNvSpPr txBox="1"/>
           <p:nvPr>
             <p:ph idx="1" type="body"/>
@@ -846,7 +846,7 @@
   <p:cSld>
     <p:spTree>
       <p:nvGrpSpPr>
-        <p:cNvPr id="90" name="Shape 90"/>
+        <p:cNvPr id="91" name="Shape 91"/>
         <p:cNvGrpSpPr/>
         <p:nvPr/>
       </p:nvGrpSpPr>
@@ -860,7 +860,7 @@
       </p:grpSpPr>
       <p:sp>
         <p:nvSpPr>
-          <p:cNvPr id="91" name="Google Shape;91;g136ac22f7bd_0_47:notes"/>
+          <p:cNvPr id="92" name="Google Shape;92;g136ac22f7bd_0_47:notes"/>
           <p:cNvSpPr/>
           <p:nvPr>
             <p:ph idx="2" type="sldImg"/>
@@ -895,7 +895,7 @@
       </p:sp>
       <p:sp>
         <p:nvSpPr>
-          <p:cNvPr id="92" name="Google Shape;92;g136ac22f7bd_0_47:notes"/>
+          <p:cNvPr id="93" name="Google Shape;93;g136ac22f7bd_0_47:notes"/>
           <p:cNvSpPr txBox="1"/>
           <p:nvPr>
             <p:ph idx="1" type="body"/>
@@ -945,7 +945,7 @@
   <p:cSld>
     <p:spTree>
       <p:nvGrpSpPr>
-        <p:cNvPr id="98" name="Shape 98"/>
+        <p:cNvPr id="99" name="Shape 99"/>
         <p:cNvGrpSpPr/>
         <p:nvPr/>
       </p:nvGrpSpPr>
@@ -959,7 +959,7 @@
       </p:grpSpPr>
       <p:sp>
         <p:nvSpPr>
-          <p:cNvPr id="99" name="Google Shape;99;g13d1cde2ff3_0_28:notes"/>
+          <p:cNvPr id="100" name="Google Shape;100;g13d1cde2ff3_0_28:notes"/>
           <p:cNvSpPr/>
           <p:nvPr>
             <p:ph idx="2" type="sldImg"/>
@@ -994,7 +994,7 @@
       </p:sp>
       <p:sp>
         <p:nvSpPr>
-          <p:cNvPr id="100" name="Google Shape;100;g13d1cde2ff3_0_28:notes"/>
+          <p:cNvPr id="101" name="Google Shape;101;g13d1cde2ff3_0_28:notes"/>
           <p:cNvSpPr txBox="1"/>
           <p:nvPr>
             <p:ph idx="1" type="body"/>
@@ -1044,7 +1044,7 @@
   <p:cSld>
     <p:spTree>
       <p:nvGrpSpPr>
-        <p:cNvPr id="105" name="Shape 105"/>
+        <p:cNvPr id="106" name="Shape 106"/>
         <p:cNvGrpSpPr/>
         <p:nvPr/>
       </p:nvGrpSpPr>
@@ -1058,7 +1058,7 @@
       </p:grpSpPr>
       <p:sp>
         <p:nvSpPr>
-          <p:cNvPr id="106" name="Google Shape;106;g136ac22f7bd_0_59:notes"/>
+          <p:cNvPr id="107" name="Google Shape;107;g136ac22f7bd_0_59:notes"/>
           <p:cNvSpPr/>
           <p:nvPr>
             <p:ph idx="2" type="sldImg"/>
@@ -1093,7 +1093,7 @@
       </p:sp>
       <p:sp>
         <p:nvSpPr>
-          <p:cNvPr id="107" name="Google Shape;107;g136ac22f7bd_0_59:notes"/>
+          <p:cNvPr id="108" name="Google Shape;108;g136ac22f7bd_0_59:notes"/>
           <p:cNvSpPr txBox="1"/>
           <p:nvPr>
             <p:ph idx="1" type="body"/>
@@ -1143,7 +1143,7 @@
   <p:cSld>
     <p:spTree>
       <p:nvGrpSpPr>
-        <p:cNvPr id="112" name="Shape 112"/>
+        <p:cNvPr id="113" name="Shape 113"/>
         <p:cNvGrpSpPr/>
         <p:nvPr/>
       </p:nvGrpSpPr>
@@ -1157,7 +1157,7 @@
       </p:grpSpPr>
       <p:sp>
         <p:nvSpPr>
-          <p:cNvPr id="113" name="Google Shape;113;g257e89dbbb7_0_1:notes"/>
+          <p:cNvPr id="114" name="Google Shape;114;g257e89dbbb7_0_1:notes"/>
           <p:cNvSpPr/>
           <p:nvPr>
             <p:ph idx="2" type="sldImg"/>
@@ -1192,7 +1192,7 @@
       </p:sp>
       <p:sp>
         <p:nvSpPr>
-          <p:cNvPr id="114" name="Google Shape;114;g257e89dbbb7_0_1:notes"/>
+          <p:cNvPr id="115" name="Google Shape;115;g257e89dbbb7_0_1:notes"/>
           <p:cNvSpPr txBox="1"/>
           <p:nvPr>
             <p:ph idx="1" type="body"/>
@@ -1242,7 +1242,7 @@
   <p:cSld>
     <p:spTree>
       <p:nvGrpSpPr>
-        <p:cNvPr id="119" name="Shape 119"/>
+        <p:cNvPr id="120" name="Shape 120"/>
         <p:cNvGrpSpPr/>
         <p:nvPr/>
       </p:nvGrpSpPr>
@@ -1256,7 +1256,7 @@
       </p:grpSpPr>
       <p:sp>
         <p:nvSpPr>
-          <p:cNvPr id="120" name="Google Shape;120;g136ac22f7bd_0_65:notes"/>
+          <p:cNvPr id="121" name="Google Shape;121;g136ac22f7bd_0_65:notes"/>
           <p:cNvSpPr/>
           <p:nvPr>
             <p:ph idx="2" type="sldImg"/>
@@ -1291,7 +1291,7 @@
       </p:sp>
       <p:sp>
         <p:nvSpPr>
-          <p:cNvPr id="121" name="Google Shape;121;g136ac22f7bd_0_65:notes"/>
+          <p:cNvPr id="122" name="Google Shape;122;g136ac22f7bd_0_65:notes"/>
           <p:cNvSpPr txBox="1"/>
           <p:nvPr>
             <p:ph idx="1" type="body"/>
@@ -1341,7 +1341,7 @@
   <p:cSld>
     <p:spTree>
       <p:nvGrpSpPr>
-        <p:cNvPr id="127" name="Shape 127"/>
+        <p:cNvPr id="129" name="Shape 129"/>
         <p:cNvGrpSpPr/>
         <p:nvPr/>
       </p:nvGrpSpPr>
@@ -1355,7 +1355,7 @@
       </p:grpSpPr>
       <p:sp>
         <p:nvSpPr>
-          <p:cNvPr id="128" name="Google Shape;128;g13d1cde2ff3_0_34:notes"/>
+          <p:cNvPr id="130" name="Google Shape;130;g13d1cde2ff3_0_34:notes"/>
           <p:cNvSpPr/>
           <p:nvPr>
             <p:ph idx="2" type="sldImg"/>
@@ -1390,7 +1390,7 @@
       </p:sp>
       <p:sp>
         <p:nvSpPr>
-          <p:cNvPr id="129" name="Google Shape;129;g13d1cde2ff3_0_34:notes"/>
+          <p:cNvPr id="131" name="Google Shape;131;g13d1cde2ff3_0_34:notes"/>
           <p:cNvSpPr txBox="1"/>
           <p:nvPr>
             <p:ph idx="1" type="body"/>
@@ -1440,7 +1440,7 @@
   <p:cSld>
     <p:spTree>
       <p:nvGrpSpPr>
-        <p:cNvPr id="134" name="Shape 134"/>
+        <p:cNvPr id="136" name="Shape 136"/>
         <p:cNvGrpSpPr/>
         <p:nvPr/>
       </p:nvGrpSpPr>
@@ -1454,7 +1454,7 @@
       </p:grpSpPr>
       <p:sp>
         <p:nvSpPr>
-          <p:cNvPr id="135" name="Google Shape;135;g136ac22f7bd_0_72:notes"/>
+          <p:cNvPr id="137" name="Google Shape;137;g136ac22f7bd_0_72:notes"/>
           <p:cNvSpPr/>
           <p:nvPr>
             <p:ph idx="2" type="sldImg"/>
@@ -1489,7 +1489,7 @@
       </p:sp>
       <p:sp>
         <p:nvSpPr>
-          <p:cNvPr id="136" name="Google Shape;136;g136ac22f7bd_0_72:notes"/>
+          <p:cNvPr id="138" name="Google Shape;138;g136ac22f7bd_0_72:notes"/>
           <p:cNvSpPr txBox="1"/>
           <p:nvPr>
             <p:ph idx="1" type="body"/>
@@ -1539,7 +1539,7 @@
   <p:cSld>
     <p:spTree>
       <p:nvGrpSpPr>
-        <p:cNvPr id="142" name="Shape 142"/>
+        <p:cNvPr id="144" name="Shape 144"/>
         <p:cNvGrpSpPr/>
         <p:nvPr/>
       </p:nvGrpSpPr>
@@ -1553,7 +1553,7 @@
       </p:grpSpPr>
       <p:sp>
         <p:nvSpPr>
-          <p:cNvPr id="143" name="Google Shape;143;g257e89dbbb7_0_25:notes"/>
+          <p:cNvPr id="145" name="Google Shape;145;g257e89dbbb7_0_25:notes"/>
           <p:cNvSpPr/>
           <p:nvPr>
             <p:ph idx="2" type="sldImg"/>
@@ -1588,7 +1588,7 @@
       </p:sp>
       <p:sp>
         <p:nvSpPr>
-          <p:cNvPr id="144" name="Google Shape;144;g257e89dbbb7_0_25:notes"/>
+          <p:cNvPr id="146" name="Google Shape;146;g257e89dbbb7_0_25:notes"/>
           <p:cNvSpPr txBox="1"/>
           <p:nvPr>
             <p:ph idx="1" type="body"/>
@@ -1638,7 +1638,7 @@
   <p:cSld>
     <p:spTree>
       <p:nvGrpSpPr>
-        <p:cNvPr id="150" name="Shape 150"/>
+        <p:cNvPr id="153" name="Shape 153"/>
         <p:cNvGrpSpPr/>
         <p:nvPr/>
       </p:nvGrpSpPr>
@@ -1652,7 +1652,7 @@
       </p:grpSpPr>
       <p:sp>
         <p:nvSpPr>
-          <p:cNvPr id="151" name="Google Shape;151;g13d1cde2ff3_0_40:notes"/>
+          <p:cNvPr id="154" name="Google Shape;154;g13d1cde2ff3_0_40:notes"/>
           <p:cNvSpPr/>
           <p:nvPr>
             <p:ph idx="2" type="sldImg"/>
@@ -1687,7 +1687,7 @@
       </p:sp>
       <p:sp>
         <p:nvSpPr>
-          <p:cNvPr id="152" name="Google Shape;152;g13d1cde2ff3_0_40:notes"/>
+          <p:cNvPr id="155" name="Google Shape;155;g13d1cde2ff3_0_40:notes"/>
           <p:cNvSpPr txBox="1"/>
           <p:nvPr>
             <p:ph idx="1" type="body"/>
@@ -1737,7 +1737,7 @@
   <p:cSld>
     <p:spTree>
       <p:nvGrpSpPr>
-        <p:cNvPr id="157" name="Shape 157"/>
+        <p:cNvPr id="160" name="Shape 160"/>
         <p:cNvGrpSpPr/>
         <p:nvPr/>
       </p:nvGrpSpPr>
@@ -1751,7 +1751,7 @@
       </p:grpSpPr>
       <p:sp>
         <p:nvSpPr>
-          <p:cNvPr id="158" name="Google Shape;158;g136ac22f7bd_0_83:notes"/>
+          <p:cNvPr id="161" name="Google Shape;161;g136ac22f7bd_0_83:notes"/>
           <p:cNvSpPr/>
           <p:nvPr>
             <p:ph idx="2" type="sldImg"/>
@@ -1786,7 +1786,7 @@
       </p:sp>
       <p:sp>
         <p:nvSpPr>
-          <p:cNvPr id="159" name="Google Shape;159;g136ac22f7bd_0_83:notes"/>
+          <p:cNvPr id="162" name="Google Shape;162;g136ac22f7bd_0_83:notes"/>
           <p:cNvSpPr txBox="1"/>
           <p:nvPr>
             <p:ph idx="1" type="body"/>
@@ -1836,7 +1836,7 @@
   <p:cSld>
     <p:spTree>
       <p:nvGrpSpPr>
-        <p:cNvPr id="38" name="Shape 38"/>
+        <p:cNvPr id="39" name="Shape 39"/>
         <p:cNvGrpSpPr/>
         <p:nvPr/>
       </p:nvGrpSpPr>
@@ -1850,7 +1850,7 @@
       </p:grpSpPr>
       <p:sp>
         <p:nvSpPr>
-          <p:cNvPr id="39" name="Google Shape;39;g13d1cde2ff3_0_0:notes"/>
+          <p:cNvPr id="40" name="Google Shape;40;g13d1cde2ff3_0_0:notes"/>
           <p:cNvSpPr/>
           <p:nvPr>
             <p:ph idx="2" type="sldImg"/>
@@ -1885,7 +1885,7 @@
       </p:sp>
       <p:sp>
         <p:nvSpPr>
-          <p:cNvPr id="40" name="Google Shape;40;g13d1cde2ff3_0_0:notes"/>
+          <p:cNvPr id="41" name="Google Shape;41;g13d1cde2ff3_0_0:notes"/>
           <p:cNvSpPr txBox="1"/>
           <p:nvPr>
             <p:ph idx="1" type="body"/>
@@ -1935,7 +1935,7 @@
   <p:cSld>
     <p:spTree>
       <p:nvGrpSpPr>
-        <p:cNvPr id="164" name="Shape 164"/>
+        <p:cNvPr id="167" name="Shape 167"/>
         <p:cNvGrpSpPr/>
         <p:nvPr/>
       </p:nvGrpSpPr>
@@ -1949,7 +1949,7 @@
       </p:grpSpPr>
       <p:sp>
         <p:nvSpPr>
-          <p:cNvPr id="165" name="Google Shape;165;g136ac22f7bd_0_90:notes"/>
+          <p:cNvPr id="168" name="Google Shape;168;g136ac22f7bd_0_90:notes"/>
           <p:cNvSpPr/>
           <p:nvPr>
             <p:ph idx="2" type="sldImg"/>
@@ -1984,7 +1984,7 @@
       </p:sp>
       <p:sp>
         <p:nvSpPr>
-          <p:cNvPr id="166" name="Google Shape;166;g136ac22f7bd_0_90:notes"/>
+          <p:cNvPr id="169" name="Google Shape;169;g136ac22f7bd_0_90:notes"/>
           <p:cNvSpPr txBox="1"/>
           <p:nvPr>
             <p:ph idx="1" type="body"/>
@@ -2034,7 +2034,7 @@
   <p:cSld>
     <p:spTree>
       <p:nvGrpSpPr>
-        <p:cNvPr id="172" name="Shape 172"/>
+        <p:cNvPr id="175" name="Shape 175"/>
         <p:cNvGrpSpPr/>
         <p:nvPr/>
       </p:nvGrpSpPr>
@@ -2048,7 +2048,7 @@
       </p:grpSpPr>
       <p:sp>
         <p:nvSpPr>
-          <p:cNvPr id="173" name="Google Shape;173;g13d1cde2ff3_0_46:notes"/>
+          <p:cNvPr id="176" name="Google Shape;176;g13d1cde2ff3_0_46:notes"/>
           <p:cNvSpPr/>
           <p:nvPr>
             <p:ph idx="2" type="sldImg"/>
@@ -2083,7 +2083,7 @@
       </p:sp>
       <p:sp>
         <p:nvSpPr>
-          <p:cNvPr id="174" name="Google Shape;174;g13d1cde2ff3_0_46:notes"/>
+          <p:cNvPr id="177" name="Google Shape;177;g13d1cde2ff3_0_46:notes"/>
           <p:cNvSpPr txBox="1"/>
           <p:nvPr>
             <p:ph idx="1" type="body"/>
@@ -2133,7 +2133,7 @@
   <p:cSld>
     <p:spTree>
       <p:nvGrpSpPr>
-        <p:cNvPr id="179" name="Shape 179"/>
+        <p:cNvPr id="182" name="Shape 182"/>
         <p:cNvGrpSpPr/>
         <p:nvPr/>
       </p:nvGrpSpPr>
@@ -2147,7 +2147,7 @@
       </p:grpSpPr>
       <p:sp>
         <p:nvSpPr>
-          <p:cNvPr id="180" name="Google Shape;180;g136ab2b6419_0_6:notes"/>
+          <p:cNvPr id="183" name="Google Shape;183;g136ab2b6419_0_6:notes"/>
           <p:cNvSpPr/>
           <p:nvPr>
             <p:ph idx="2" type="sldImg"/>
@@ -2182,7 +2182,7 @@
       </p:sp>
       <p:sp>
         <p:nvSpPr>
-          <p:cNvPr id="181" name="Google Shape;181;g136ab2b6419_0_6:notes"/>
+          <p:cNvPr id="184" name="Google Shape;184;g136ab2b6419_0_6:notes"/>
           <p:cNvSpPr txBox="1"/>
           <p:nvPr>
             <p:ph idx="1" type="body"/>
@@ -2232,7 +2232,7 @@
   <p:cSld>
     <p:spTree>
       <p:nvGrpSpPr>
-        <p:cNvPr id="186" name="Shape 186"/>
+        <p:cNvPr id="189" name="Shape 189"/>
         <p:cNvGrpSpPr/>
         <p:nvPr/>
       </p:nvGrpSpPr>
@@ -2246,7 +2246,7 @@
       </p:grpSpPr>
       <p:sp>
         <p:nvSpPr>
-          <p:cNvPr id="187" name="Google Shape;187;g136ab2b6419_0_0:notes"/>
+          <p:cNvPr id="190" name="Google Shape;190;g136ab2b6419_0_0:notes"/>
           <p:cNvSpPr/>
           <p:nvPr>
             <p:ph idx="2" type="sldImg"/>
@@ -2281,7 +2281,7 @@
       </p:sp>
       <p:sp>
         <p:nvSpPr>
-          <p:cNvPr id="188" name="Google Shape;188;g136ab2b6419_0_0:notes"/>
+          <p:cNvPr id="191" name="Google Shape;191;g136ab2b6419_0_0:notes"/>
           <p:cNvSpPr txBox="1"/>
           <p:nvPr>
             <p:ph idx="1" type="body"/>
@@ -2331,7 +2331,7 @@
   <p:cSld>
     <p:spTree>
       <p:nvGrpSpPr>
-        <p:cNvPr id="193" name="Shape 193"/>
+        <p:cNvPr id="196" name="Shape 196"/>
         <p:cNvGrpSpPr/>
         <p:nvPr/>
       </p:nvGrpSpPr>
@@ -2345,7 +2345,7 @@
       </p:grpSpPr>
       <p:sp>
         <p:nvSpPr>
-          <p:cNvPr id="194" name="Google Shape;194;g13d2397785c_0_0:notes"/>
+          <p:cNvPr id="197" name="Google Shape;197;g13d2397785c_0_0:notes"/>
           <p:cNvSpPr/>
           <p:nvPr>
             <p:ph idx="2" type="sldImg"/>
@@ -2380,7 +2380,7 @@
       </p:sp>
       <p:sp>
         <p:nvSpPr>
-          <p:cNvPr id="195" name="Google Shape;195;g13d2397785c_0_0:notes"/>
+          <p:cNvPr id="198" name="Google Shape;198;g13d2397785c_0_0:notes"/>
           <p:cNvSpPr txBox="1"/>
           <p:nvPr>
             <p:ph idx="1" type="body"/>
@@ -2430,7 +2430,7 @@
   <p:cSld>
     <p:spTree>
       <p:nvGrpSpPr>
-        <p:cNvPr id="200" name="Shape 200"/>
+        <p:cNvPr id="203" name="Shape 203"/>
         <p:cNvGrpSpPr/>
         <p:nvPr/>
       </p:nvGrpSpPr>
@@ -2444,7 +2444,7 @@
       </p:grpSpPr>
       <p:sp>
         <p:nvSpPr>
-          <p:cNvPr id="201" name="Google Shape;201;g13d1cde2ff3_0_52:notes"/>
+          <p:cNvPr id="204" name="Google Shape;204;g13d1cde2ff3_0_52:notes"/>
           <p:cNvSpPr/>
           <p:nvPr>
             <p:ph idx="2" type="sldImg"/>
@@ -2479,7 +2479,7 @@
       </p:sp>
       <p:sp>
         <p:nvSpPr>
-          <p:cNvPr id="202" name="Google Shape;202;g13d1cde2ff3_0_52:notes"/>
+          <p:cNvPr id="205" name="Google Shape;205;g13d1cde2ff3_0_52:notes"/>
           <p:cNvSpPr txBox="1"/>
           <p:nvPr>
             <p:ph idx="1" type="body"/>
@@ -2529,7 +2529,7 @@
   <p:cSld>
     <p:spTree>
       <p:nvGrpSpPr>
-        <p:cNvPr id="207" name="Shape 207"/>
+        <p:cNvPr id="210" name="Shape 210"/>
         <p:cNvGrpSpPr/>
         <p:nvPr/>
       </p:nvGrpSpPr>
@@ -2543,7 +2543,7 @@
       </p:grpSpPr>
       <p:sp>
         <p:nvSpPr>
-          <p:cNvPr id="208" name="Google Shape;208;g257e89dbbb7_0_42:notes"/>
+          <p:cNvPr id="211" name="Google Shape;211;g257e89dbbb7_0_42:notes"/>
           <p:cNvSpPr/>
           <p:nvPr>
             <p:ph idx="2" type="sldImg"/>
@@ -2578,7 +2578,7 @@
       </p:sp>
       <p:sp>
         <p:nvSpPr>
-          <p:cNvPr id="209" name="Google Shape;209;g257e89dbbb7_0_42:notes"/>
+          <p:cNvPr id="212" name="Google Shape;212;g257e89dbbb7_0_42:notes"/>
           <p:cNvSpPr txBox="1"/>
           <p:nvPr>
             <p:ph idx="1" type="body"/>
@@ -2628,7 +2628,7 @@
   <p:cSld>
     <p:spTree>
       <p:nvGrpSpPr>
-        <p:cNvPr id="214" name="Shape 214"/>
+        <p:cNvPr id="217" name="Shape 217"/>
         <p:cNvGrpSpPr/>
         <p:nvPr/>
       </p:nvGrpSpPr>
@@ -2642,7 +2642,7 @@
       </p:grpSpPr>
       <p:sp>
         <p:nvSpPr>
-          <p:cNvPr id="215" name="Google Shape;215;g2581d1345f8_0_1:notes"/>
+          <p:cNvPr id="218" name="Google Shape;218;g2581d1345f8_0_1:notes"/>
           <p:cNvSpPr/>
           <p:nvPr>
             <p:ph idx="2" type="sldImg"/>
@@ -2677,7 +2677,7 @@
       </p:sp>
       <p:sp>
         <p:nvSpPr>
-          <p:cNvPr id="216" name="Google Shape;216;g2581d1345f8_0_1:notes"/>
+          <p:cNvPr id="219" name="Google Shape;219;g2581d1345f8_0_1:notes"/>
           <p:cNvSpPr txBox="1"/>
           <p:nvPr>
             <p:ph idx="1" type="body"/>
@@ -2727,7 +2727,7 @@
   <p:cSld>
     <p:spTree>
       <p:nvGrpSpPr>
-        <p:cNvPr id="221" name="Shape 221"/>
+        <p:cNvPr id="224" name="Shape 224"/>
         <p:cNvGrpSpPr/>
         <p:nvPr/>
       </p:nvGrpSpPr>
@@ -2741,7 +2741,7 @@
       </p:grpSpPr>
       <p:sp>
         <p:nvSpPr>
-          <p:cNvPr id="222" name="Google Shape;222;g13d1cde2ff3_0_58:notes"/>
+          <p:cNvPr id="225" name="Google Shape;225;g13d1cde2ff3_0_58:notes"/>
           <p:cNvSpPr/>
           <p:nvPr>
             <p:ph idx="2" type="sldImg"/>
@@ -2776,7 +2776,7 @@
       </p:sp>
       <p:sp>
         <p:nvSpPr>
-          <p:cNvPr id="223" name="Google Shape;223;g13d1cde2ff3_0_58:notes"/>
+          <p:cNvPr id="226" name="Google Shape;226;g13d1cde2ff3_0_58:notes"/>
           <p:cNvSpPr txBox="1"/>
           <p:nvPr>
             <p:ph idx="1" type="body"/>
@@ -2826,7 +2826,7 @@
   <p:cSld>
     <p:spTree>
       <p:nvGrpSpPr>
-        <p:cNvPr id="228" name="Shape 228"/>
+        <p:cNvPr id="231" name="Shape 231"/>
         <p:cNvGrpSpPr/>
         <p:nvPr/>
       </p:nvGrpSpPr>
@@ -2840,7 +2840,7 @@
       </p:grpSpPr>
       <p:sp>
         <p:nvSpPr>
-          <p:cNvPr id="229" name="Google Shape;229;g257e89dbbb7_0_55:notes"/>
+          <p:cNvPr id="232" name="Google Shape;232;g257e89dbbb7_0_55:notes"/>
           <p:cNvSpPr/>
           <p:nvPr>
             <p:ph idx="2" type="sldImg"/>
@@ -2875,7 +2875,7 @@
       </p:sp>
       <p:sp>
         <p:nvSpPr>
-          <p:cNvPr id="230" name="Google Shape;230;g257e89dbbb7_0_55:notes"/>
+          <p:cNvPr id="233" name="Google Shape;233;g257e89dbbb7_0_55:notes"/>
           <p:cNvSpPr txBox="1"/>
           <p:nvPr>
             <p:ph idx="1" type="body"/>
@@ -2925,7 +2925,7 @@
   <p:cSld>
     <p:spTree>
       <p:nvGrpSpPr>
-        <p:cNvPr id="45" name="Shape 45"/>
+        <p:cNvPr id="46" name="Shape 46"/>
         <p:cNvGrpSpPr/>
         <p:nvPr/>
       </p:nvGrpSpPr>
@@ -2939,7 +2939,7 @@
       </p:grpSpPr>
       <p:sp>
         <p:nvSpPr>
-          <p:cNvPr id="46" name="Google Shape;46;gf9bad1e87a_0_0:notes"/>
+          <p:cNvPr id="47" name="Google Shape;47;gf9bad1e87a_0_0:notes"/>
           <p:cNvSpPr/>
           <p:nvPr>
             <p:ph idx="2" type="sldImg"/>
@@ -2974,7 +2974,7 @@
       </p:sp>
       <p:sp>
         <p:nvSpPr>
-          <p:cNvPr id="47" name="Google Shape;47;gf9bad1e87a_0_0:notes"/>
+          <p:cNvPr id="48" name="Google Shape;48;gf9bad1e87a_0_0:notes"/>
           <p:cNvSpPr txBox="1"/>
           <p:nvPr>
             <p:ph idx="1" type="body"/>
@@ -3024,7 +3024,7 @@
   <p:cSld>
     <p:spTree>
       <p:nvGrpSpPr>
-        <p:cNvPr id="235" name="Shape 235"/>
+        <p:cNvPr id="238" name="Shape 238"/>
         <p:cNvGrpSpPr/>
         <p:nvPr/>
       </p:nvGrpSpPr>
@@ -3038,7 +3038,7 @@
       </p:grpSpPr>
       <p:sp>
         <p:nvSpPr>
-          <p:cNvPr id="236" name="Google Shape;236;g13d1cde2ff3_0_64:notes"/>
+          <p:cNvPr id="239" name="Google Shape;239;g13d1cde2ff3_0_64:notes"/>
           <p:cNvSpPr/>
           <p:nvPr>
             <p:ph idx="2" type="sldImg"/>
@@ -3073,7 +3073,7 @@
       </p:sp>
       <p:sp>
         <p:nvSpPr>
-          <p:cNvPr id="237" name="Google Shape;237;g13d1cde2ff3_0_64:notes"/>
+          <p:cNvPr id="240" name="Google Shape;240;g13d1cde2ff3_0_64:notes"/>
           <p:cNvSpPr txBox="1"/>
           <p:nvPr>
             <p:ph idx="1" type="body"/>
@@ -3123,7 +3123,7 @@
   <p:cSld>
     <p:spTree>
       <p:nvGrpSpPr>
-        <p:cNvPr id="242" name="Shape 242"/>
+        <p:cNvPr id="245" name="Shape 245"/>
         <p:cNvGrpSpPr/>
         <p:nvPr/>
       </p:nvGrpSpPr>
@@ -3137,7 +3137,7 @@
       </p:grpSpPr>
       <p:sp>
         <p:nvSpPr>
-          <p:cNvPr id="243" name="Google Shape;243;g257e89dbbb7_0_49:notes"/>
+          <p:cNvPr id="246" name="Google Shape;246;g257e89dbbb7_0_49:notes"/>
           <p:cNvSpPr/>
           <p:nvPr>
             <p:ph idx="2" type="sldImg"/>
@@ -3172,7 +3172,7 @@
       </p:sp>
       <p:sp>
         <p:nvSpPr>
-          <p:cNvPr id="244" name="Google Shape;244;g257e89dbbb7_0_49:notes"/>
+          <p:cNvPr id="247" name="Google Shape;247;g257e89dbbb7_0_49:notes"/>
           <p:cNvSpPr txBox="1"/>
           <p:nvPr>
             <p:ph idx="1" type="body"/>
@@ -3222,7 +3222,7 @@
   <p:cSld>
     <p:spTree>
       <p:nvGrpSpPr>
-        <p:cNvPr id="249" name="Shape 249"/>
+        <p:cNvPr id="252" name="Shape 252"/>
         <p:cNvGrpSpPr/>
         <p:nvPr/>
       </p:nvGrpSpPr>
@@ -3236,7 +3236,7 @@
       </p:grpSpPr>
       <p:sp>
         <p:nvSpPr>
-          <p:cNvPr id="250" name="Google Shape;250;g13d2397785c_0_6:notes"/>
+          <p:cNvPr id="253" name="Google Shape;253;g13d2397785c_0_6:notes"/>
           <p:cNvSpPr/>
           <p:nvPr>
             <p:ph idx="2" type="sldImg"/>
@@ -3271,7 +3271,7 @@
       </p:sp>
       <p:sp>
         <p:nvSpPr>
-          <p:cNvPr id="251" name="Google Shape;251;g13d2397785c_0_6:notes"/>
+          <p:cNvPr id="254" name="Google Shape;254;g13d2397785c_0_6:notes"/>
           <p:cNvSpPr txBox="1"/>
           <p:nvPr>
             <p:ph idx="1" type="body"/>
@@ -3321,7 +3321,7 @@
   <p:cSld>
     <p:spTree>
       <p:nvGrpSpPr>
-        <p:cNvPr id="256" name="Shape 256"/>
+        <p:cNvPr id="259" name="Shape 259"/>
         <p:cNvGrpSpPr/>
         <p:nvPr/>
       </p:nvGrpSpPr>
@@ -3335,7 +3335,7 @@
       </p:grpSpPr>
       <p:sp>
         <p:nvSpPr>
-          <p:cNvPr id="257" name="Google Shape;257;g13d1cde2ff3_0_70:notes"/>
+          <p:cNvPr id="260" name="Google Shape;260;g13d1cde2ff3_0_70:notes"/>
           <p:cNvSpPr/>
           <p:nvPr>
             <p:ph idx="2" type="sldImg"/>
@@ -3370,7 +3370,7 @@
       </p:sp>
       <p:sp>
         <p:nvSpPr>
-          <p:cNvPr id="258" name="Google Shape;258;g13d1cde2ff3_0_70:notes"/>
+          <p:cNvPr id="261" name="Google Shape;261;g13d1cde2ff3_0_70:notes"/>
           <p:cNvSpPr txBox="1"/>
           <p:nvPr>
             <p:ph idx="1" type="body"/>
@@ -3420,7 +3420,7 @@
   <p:cSld>
     <p:spTree>
       <p:nvGrpSpPr>
-        <p:cNvPr id="263" name="Shape 263"/>
+        <p:cNvPr id="266" name="Shape 266"/>
         <p:cNvGrpSpPr/>
         <p:nvPr/>
       </p:nvGrpSpPr>
@@ -3434,7 +3434,7 @@
       </p:grpSpPr>
       <p:sp>
         <p:nvSpPr>
-          <p:cNvPr id="264" name="Google Shape;264;g13d1cde2ff3_0_76:notes"/>
+          <p:cNvPr id="267" name="Google Shape;267;g13d1cde2ff3_0_76:notes"/>
           <p:cNvSpPr/>
           <p:nvPr>
             <p:ph idx="2" type="sldImg"/>
@@ -3469,7 +3469,7 @@
       </p:sp>
       <p:sp>
         <p:nvSpPr>
-          <p:cNvPr id="265" name="Google Shape;265;g13d1cde2ff3_0_76:notes"/>
+          <p:cNvPr id="268" name="Google Shape;268;g13d1cde2ff3_0_76:notes"/>
           <p:cNvSpPr txBox="1"/>
           <p:nvPr>
             <p:ph idx="1" type="body"/>
@@ -3519,7 +3519,7 @@
   <p:cSld>
     <p:spTree>
       <p:nvGrpSpPr>
-        <p:cNvPr id="270" name="Shape 270"/>
+        <p:cNvPr id="273" name="Shape 273"/>
         <p:cNvGrpSpPr/>
         <p:nvPr/>
       </p:nvGrpSpPr>
@@ -3533,7 +3533,7 @@
       </p:grpSpPr>
       <p:sp>
         <p:nvSpPr>
-          <p:cNvPr id="271" name="Google Shape;271;gdb5ccdfa64_0_0:notes"/>
+          <p:cNvPr id="274" name="Google Shape;274;gdb5ccdfa64_0_0:notes"/>
           <p:cNvSpPr/>
           <p:nvPr>
             <p:ph idx="2" type="sldImg"/>
@@ -3568,7 +3568,7 @@
       </p:sp>
       <p:sp>
         <p:nvSpPr>
-          <p:cNvPr id="272" name="Google Shape;272;gdb5ccdfa64_0_0:notes"/>
+          <p:cNvPr id="275" name="Google Shape;275;gdb5ccdfa64_0_0:notes"/>
           <p:cNvSpPr txBox="1"/>
           <p:nvPr>
             <p:ph idx="1" type="body"/>
@@ -3618,7 +3618,7 @@
   <p:cSld>
     <p:spTree>
       <p:nvGrpSpPr>
-        <p:cNvPr id="277" name="Shape 277"/>
+        <p:cNvPr id="280" name="Shape 280"/>
         <p:cNvGrpSpPr/>
         <p:nvPr/>
       </p:nvGrpSpPr>
@@ -3632,7 +3632,7 @@
       </p:grpSpPr>
       <p:sp>
         <p:nvSpPr>
-          <p:cNvPr id="278" name="Google Shape;278;g257e89dbbb7_0_67:notes"/>
+          <p:cNvPr id="281" name="Google Shape;281;g257e89dbbb7_0_67:notes"/>
           <p:cNvSpPr/>
           <p:nvPr>
             <p:ph idx="2" type="sldImg"/>
@@ -3667,7 +3667,7 @@
       </p:sp>
       <p:sp>
         <p:nvSpPr>
-          <p:cNvPr id="279" name="Google Shape;279;g257e89dbbb7_0_67:notes"/>
+          <p:cNvPr id="282" name="Google Shape;282;g257e89dbbb7_0_67:notes"/>
           <p:cNvSpPr txBox="1"/>
           <p:nvPr>
             <p:ph idx="1" type="body"/>
@@ -3717,7 +3717,7 @@
   <p:cSld>
     <p:spTree>
       <p:nvGrpSpPr>
-        <p:cNvPr id="284" name="Shape 284"/>
+        <p:cNvPr id="287" name="Shape 287"/>
         <p:cNvGrpSpPr/>
         <p:nvPr/>
       </p:nvGrpSpPr>
@@ -3731,7 +3731,7 @@
       </p:grpSpPr>
       <p:sp>
         <p:nvSpPr>
-          <p:cNvPr id="285" name="Google Shape;285;g136ab2b6419_0_12:notes"/>
+          <p:cNvPr id="288" name="Google Shape;288;g136ab2b6419_0_12:notes"/>
           <p:cNvSpPr/>
           <p:nvPr>
             <p:ph idx="2" type="sldImg"/>
@@ -3766,7 +3766,7 @@
       </p:sp>
       <p:sp>
         <p:nvSpPr>
-          <p:cNvPr id="286" name="Google Shape;286;g136ab2b6419_0_12:notes"/>
+          <p:cNvPr id="289" name="Google Shape;289;g136ab2b6419_0_12:notes"/>
           <p:cNvSpPr txBox="1"/>
           <p:nvPr>
             <p:ph idx="1" type="body"/>
@@ -3816,7 +3816,7 @@
   <p:cSld>
     <p:spTree>
       <p:nvGrpSpPr>
-        <p:cNvPr id="291" name="Shape 291"/>
+        <p:cNvPr id="294" name="Shape 294"/>
         <p:cNvGrpSpPr/>
         <p:nvPr/>
       </p:nvGrpSpPr>
@@ -3830,7 +3830,7 @@
       </p:grpSpPr>
       <p:sp>
         <p:nvSpPr>
-          <p:cNvPr id="292" name="Google Shape;292;g1251da7d4ce_0_0:notes"/>
+          <p:cNvPr id="295" name="Google Shape;295;g1251da7d4ce_0_0:notes"/>
           <p:cNvSpPr/>
           <p:nvPr>
             <p:ph idx="2" type="sldImg"/>
@@ -3865,7 +3865,7 @@
       </p:sp>
       <p:sp>
         <p:nvSpPr>
-          <p:cNvPr id="293" name="Google Shape;293;g1251da7d4ce_0_0:notes"/>
+          <p:cNvPr id="296" name="Google Shape;296;g1251da7d4ce_0_0:notes"/>
           <p:cNvSpPr txBox="1"/>
           <p:nvPr>
             <p:ph idx="1" type="body"/>
@@ -3915,7 +3915,7 @@
   <p:cSld>
     <p:spTree>
       <p:nvGrpSpPr>
-        <p:cNvPr id="298" name="Shape 298"/>
+        <p:cNvPr id="301" name="Shape 301"/>
         <p:cNvGrpSpPr/>
         <p:nvPr/>
       </p:nvGrpSpPr>
@@ -3929,7 +3929,7 @@
       </p:grpSpPr>
       <p:sp>
         <p:nvSpPr>
-          <p:cNvPr id="299" name="Google Shape;299;g257e89dbbb7_0_36:notes"/>
+          <p:cNvPr id="302" name="Google Shape;302;g257e89dbbb7_0_36:notes"/>
           <p:cNvSpPr/>
           <p:nvPr>
             <p:ph idx="2" type="sldImg"/>
@@ -3964,7 +3964,7 @@
       </p:sp>
       <p:sp>
         <p:nvSpPr>
-          <p:cNvPr id="300" name="Google Shape;300;g257e89dbbb7_0_36:notes"/>
+          <p:cNvPr id="303" name="Google Shape;303;g257e89dbbb7_0_36:notes"/>
           <p:cNvSpPr txBox="1"/>
           <p:nvPr>
             <p:ph idx="1" type="body"/>
@@ -4014,7 +4014,7 @@
   <p:cSld>
     <p:spTree>
       <p:nvGrpSpPr>
-        <p:cNvPr id="50" name="Shape 50"/>
+        <p:cNvPr id="51" name="Shape 51"/>
         <p:cNvGrpSpPr/>
         <p:nvPr/>
       </p:nvGrpSpPr>
@@ -4028,7 +4028,7 @@
       </p:grpSpPr>
       <p:sp>
         <p:nvSpPr>
-          <p:cNvPr id="51" name="Google Shape;51;g121ddc51813_0_5:notes"/>
+          <p:cNvPr id="52" name="Google Shape;52;g121ddc51813_0_5:notes"/>
           <p:cNvSpPr/>
           <p:nvPr>
             <p:ph idx="2" type="sldImg"/>
@@ -4063,7 +4063,7 @@
       </p:sp>
       <p:sp>
         <p:nvSpPr>
-          <p:cNvPr id="52" name="Google Shape;52;g121ddc51813_0_5:notes"/>
+          <p:cNvPr id="53" name="Google Shape;53;g121ddc51813_0_5:notes"/>
           <p:cNvSpPr txBox="1"/>
           <p:nvPr>
             <p:ph idx="1" type="body"/>
@@ -4113,7 +4113,7 @@
   <p:cSld>
     <p:spTree>
       <p:nvGrpSpPr>
-        <p:cNvPr id="303" name="Shape 303"/>
+        <p:cNvPr id="306" name="Shape 306"/>
         <p:cNvGrpSpPr/>
         <p:nvPr/>
       </p:nvGrpSpPr>
@@ -4127,7 +4127,7 @@
       </p:grpSpPr>
       <p:sp>
         <p:nvSpPr>
-          <p:cNvPr id="304" name="Google Shape;304;g13d2397785c_0_14:notes"/>
+          <p:cNvPr id="307" name="Google Shape;307;g13d2397785c_0_14:notes"/>
           <p:cNvSpPr/>
           <p:nvPr>
             <p:ph idx="2" type="sldImg"/>
@@ -4162,7 +4162,7 @@
       </p:sp>
       <p:sp>
         <p:nvSpPr>
-          <p:cNvPr id="305" name="Google Shape;305;g13d2397785c_0_14:notes"/>
+          <p:cNvPr id="308" name="Google Shape;308;g13d2397785c_0_14:notes"/>
           <p:cNvSpPr txBox="1"/>
           <p:nvPr>
             <p:ph idx="1" type="body"/>
@@ -4212,7 +4212,7 @@
   <p:cSld>
     <p:spTree>
       <p:nvGrpSpPr>
-        <p:cNvPr id="310" name="Shape 310"/>
+        <p:cNvPr id="313" name="Shape 313"/>
         <p:cNvGrpSpPr/>
         <p:nvPr/>
       </p:nvGrpSpPr>
@@ -4226,7 +4226,7 @@
       </p:grpSpPr>
       <p:sp>
         <p:nvSpPr>
-          <p:cNvPr id="311" name="Google Shape;311;g257e89dbbb7_0_73:notes"/>
+          <p:cNvPr id="314" name="Google Shape;314;g257e89dbbb7_0_73:notes"/>
           <p:cNvSpPr/>
           <p:nvPr>
             <p:ph idx="2" type="sldImg"/>
@@ -4261,7 +4261,7 @@
       </p:sp>
       <p:sp>
         <p:nvSpPr>
-          <p:cNvPr id="312" name="Google Shape;312;g257e89dbbb7_0_73:notes"/>
+          <p:cNvPr id="315" name="Google Shape;315;g257e89dbbb7_0_73:notes"/>
           <p:cNvSpPr txBox="1"/>
           <p:nvPr>
             <p:ph idx="1" type="body"/>
@@ -4311,7 +4311,7 @@
   <p:cSld>
     <p:spTree>
       <p:nvGrpSpPr>
-        <p:cNvPr id="317" name="Shape 317"/>
+        <p:cNvPr id="320" name="Shape 320"/>
         <p:cNvGrpSpPr/>
         <p:nvPr/>
       </p:nvGrpSpPr>
@@ -4325,7 +4325,7 @@
       </p:grpSpPr>
       <p:sp>
         <p:nvSpPr>
-          <p:cNvPr id="318" name="Google Shape;318;g257e89dbbb7_0_79:notes"/>
+          <p:cNvPr id="321" name="Google Shape;321;g257e89dbbb7_0_79:notes"/>
           <p:cNvSpPr/>
           <p:nvPr>
             <p:ph idx="2" type="sldImg"/>
@@ -4360,7 +4360,7 @@
       </p:sp>
       <p:sp>
         <p:nvSpPr>
-          <p:cNvPr id="319" name="Google Shape;319;g257e89dbbb7_0_79:notes"/>
+          <p:cNvPr id="322" name="Google Shape;322;g257e89dbbb7_0_79:notes"/>
           <p:cNvSpPr txBox="1"/>
           <p:nvPr>
             <p:ph idx="1" type="body"/>
@@ -4410,7 +4410,7 @@
   <p:cSld>
     <p:spTree>
       <p:nvGrpSpPr>
-        <p:cNvPr id="324" name="Shape 324"/>
+        <p:cNvPr id="327" name="Shape 327"/>
         <p:cNvGrpSpPr/>
         <p:nvPr/>
       </p:nvGrpSpPr>
@@ -4424,7 +4424,7 @@
       </p:grpSpPr>
       <p:sp>
         <p:nvSpPr>
-          <p:cNvPr id="325" name="Google Shape;325;g257e89dbbb7_0_85:notes"/>
+          <p:cNvPr id="328" name="Google Shape;328;g257e89dbbb7_0_85:notes"/>
           <p:cNvSpPr/>
           <p:nvPr>
             <p:ph idx="2" type="sldImg"/>
@@ -4459,7 +4459,7 @@
       </p:sp>
       <p:sp>
         <p:nvSpPr>
-          <p:cNvPr id="326" name="Google Shape;326;g257e89dbbb7_0_85:notes"/>
+          <p:cNvPr id="329" name="Google Shape;329;g257e89dbbb7_0_85:notes"/>
           <p:cNvSpPr txBox="1"/>
           <p:nvPr>
             <p:ph idx="1" type="body"/>
@@ -4509,7 +4509,7 @@
   <p:cSld>
     <p:spTree>
       <p:nvGrpSpPr>
-        <p:cNvPr id="331" name="Shape 331"/>
+        <p:cNvPr id="334" name="Shape 334"/>
         <p:cNvGrpSpPr/>
         <p:nvPr/>
       </p:nvGrpSpPr>
@@ -4523,7 +4523,7 @@
       </p:grpSpPr>
       <p:sp>
         <p:nvSpPr>
-          <p:cNvPr id="332" name="Google Shape;332;g257e89dbbb7_0_91:notes"/>
+          <p:cNvPr id="335" name="Google Shape;335;g257e89dbbb7_0_91:notes"/>
           <p:cNvSpPr/>
           <p:nvPr>
             <p:ph idx="2" type="sldImg"/>
@@ -4558,7 +4558,7 @@
       </p:sp>
       <p:sp>
         <p:nvSpPr>
-          <p:cNvPr id="333" name="Google Shape;333;g257e89dbbb7_0_91:notes"/>
+          <p:cNvPr id="336" name="Google Shape;336;g257e89dbbb7_0_91:notes"/>
           <p:cNvSpPr txBox="1"/>
           <p:nvPr>
             <p:ph idx="1" type="body"/>
@@ -4608,7 +4608,7 @@
   <p:cSld>
     <p:spTree>
       <p:nvGrpSpPr>
-        <p:cNvPr id="338" name="Shape 338"/>
+        <p:cNvPr id="341" name="Shape 341"/>
         <p:cNvGrpSpPr/>
         <p:nvPr/>
       </p:nvGrpSpPr>
@@ -4622,7 +4622,7 @@
       </p:grpSpPr>
       <p:sp>
         <p:nvSpPr>
-          <p:cNvPr id="339" name="Google Shape;339;g136ab2b6419_0_26:notes"/>
+          <p:cNvPr id="342" name="Google Shape;342;g136ab2b6419_0_26:notes"/>
           <p:cNvSpPr/>
           <p:nvPr>
             <p:ph idx="2" type="sldImg"/>
@@ -4657,7 +4657,7 @@
       </p:sp>
       <p:sp>
         <p:nvSpPr>
-          <p:cNvPr id="340" name="Google Shape;340;g136ab2b6419_0_26:notes"/>
+          <p:cNvPr id="343" name="Google Shape;343;g136ab2b6419_0_26:notes"/>
           <p:cNvSpPr txBox="1"/>
           <p:nvPr>
             <p:ph idx="1" type="body"/>
@@ -4707,7 +4707,7 @@
   <p:cSld>
     <p:spTree>
       <p:nvGrpSpPr>
-        <p:cNvPr id="343" name="Shape 343"/>
+        <p:cNvPr id="346" name="Shape 346"/>
         <p:cNvGrpSpPr/>
         <p:nvPr/>
       </p:nvGrpSpPr>
@@ -4721,7 +4721,7 @@
       </p:grpSpPr>
       <p:sp>
         <p:nvSpPr>
-          <p:cNvPr id="344" name="Google Shape;344;g136ab2b6419_0_30:notes"/>
+          <p:cNvPr id="347" name="Google Shape;347;g136ab2b6419_0_30:notes"/>
           <p:cNvSpPr/>
           <p:nvPr>
             <p:ph idx="2" type="sldImg"/>
@@ -4756,7 +4756,7 @@
       </p:sp>
       <p:sp>
         <p:nvSpPr>
-          <p:cNvPr id="345" name="Google Shape;345;g136ab2b6419_0_30:notes"/>
+          <p:cNvPr id="348" name="Google Shape;348;g136ab2b6419_0_30:notes"/>
           <p:cNvSpPr txBox="1"/>
           <p:nvPr>
             <p:ph idx="1" type="body"/>
@@ -4806,7 +4806,7 @@
   <p:cSld>
     <p:spTree>
       <p:nvGrpSpPr>
-        <p:cNvPr id="350" name="Shape 350"/>
+        <p:cNvPr id="353" name="Shape 353"/>
         <p:cNvGrpSpPr/>
         <p:nvPr/>
       </p:nvGrpSpPr>
@@ -4820,7 +4820,7 @@
       </p:grpSpPr>
       <p:sp>
         <p:nvSpPr>
-          <p:cNvPr id="351" name="Google Shape;351;g257e89dbbb7_0_103:notes"/>
+          <p:cNvPr id="354" name="Google Shape;354;g257e89dbbb7_0_103:notes"/>
           <p:cNvSpPr/>
           <p:nvPr>
             <p:ph idx="2" type="sldImg"/>
@@ -4855,7 +4855,7 @@
       </p:sp>
       <p:sp>
         <p:nvSpPr>
-          <p:cNvPr id="352" name="Google Shape;352;g257e89dbbb7_0_103:notes"/>
+          <p:cNvPr id="355" name="Google Shape;355;g257e89dbbb7_0_103:notes"/>
           <p:cNvSpPr txBox="1"/>
           <p:nvPr>
             <p:ph idx="1" type="body"/>
@@ -4905,7 +4905,7 @@
   <p:cSld>
     <p:spTree>
       <p:nvGrpSpPr>
-        <p:cNvPr id="358" name="Shape 358"/>
+        <p:cNvPr id="361" name="Shape 361"/>
         <p:cNvGrpSpPr/>
         <p:nvPr/>
       </p:nvGrpSpPr>
@@ -4919,7 +4919,7 @@
       </p:grpSpPr>
       <p:sp>
         <p:nvSpPr>
-          <p:cNvPr id="359" name="Google Shape;359;g257e89dbbb7_0_97:notes"/>
+          <p:cNvPr id="362" name="Google Shape;362;g257e89dbbb7_0_97:notes"/>
           <p:cNvSpPr/>
           <p:nvPr>
             <p:ph idx="2" type="sldImg"/>
@@ -4954,7 +4954,7 @@
       </p:sp>
       <p:sp>
         <p:nvSpPr>
-          <p:cNvPr id="360" name="Google Shape;360;g257e89dbbb7_0_97:notes"/>
+          <p:cNvPr id="363" name="Google Shape;363;g257e89dbbb7_0_97:notes"/>
           <p:cNvSpPr txBox="1"/>
           <p:nvPr>
             <p:ph idx="1" type="body"/>
@@ -5004,7 +5004,7 @@
   <p:cSld>
     <p:spTree>
       <p:nvGrpSpPr>
-        <p:cNvPr id="365" name="Shape 365"/>
+        <p:cNvPr id="368" name="Shape 368"/>
         <p:cNvGrpSpPr/>
         <p:nvPr/>
       </p:nvGrpSpPr>
@@ -5018,7 +5018,7 @@
       </p:grpSpPr>
       <p:sp>
         <p:nvSpPr>
-          <p:cNvPr id="366" name="Google Shape;366;g136ac22f7bd_0_17:notes"/>
+          <p:cNvPr id="369" name="Google Shape;369;g136ac22f7bd_0_17:notes"/>
           <p:cNvSpPr/>
           <p:nvPr>
             <p:ph idx="2" type="sldImg"/>
@@ -5053,7 +5053,7 @@
       </p:sp>
       <p:sp>
         <p:nvSpPr>
-          <p:cNvPr id="367" name="Google Shape;367;g136ac22f7bd_0_17:notes"/>
+          <p:cNvPr id="370" name="Google Shape;370;g136ac22f7bd_0_17:notes"/>
           <p:cNvSpPr txBox="1"/>
           <p:nvPr>
             <p:ph idx="1" type="body"/>
@@ -5103,7 +5103,7 @@
   <p:cSld>
     <p:spTree>
       <p:nvGrpSpPr>
-        <p:cNvPr id="57" name="Shape 57"/>
+        <p:cNvPr id="58" name="Shape 58"/>
         <p:cNvGrpSpPr/>
         <p:nvPr/>
       </p:nvGrpSpPr>
@@ -5117,7 +5117,7 @@
       </p:grpSpPr>
       <p:sp>
         <p:nvSpPr>
-          <p:cNvPr id="58" name="Google Shape;58;g13d1cde2ff3_0_6:notes"/>
+          <p:cNvPr id="59" name="Google Shape;59;g13d1cde2ff3_0_6:notes"/>
           <p:cNvSpPr/>
           <p:nvPr>
             <p:ph idx="2" type="sldImg"/>
@@ -5152,7 +5152,7 @@
       </p:sp>
       <p:sp>
         <p:nvSpPr>
-          <p:cNvPr id="59" name="Google Shape;59;g13d1cde2ff3_0_6:notes"/>
+          <p:cNvPr id="60" name="Google Shape;60;g13d1cde2ff3_0_6:notes"/>
           <p:cNvSpPr txBox="1"/>
           <p:nvPr>
             <p:ph idx="1" type="body"/>
@@ -5202,7 +5202,7 @@
   <p:cSld>
     <p:spTree>
       <p:nvGrpSpPr>
-        <p:cNvPr id="372" name="Shape 372"/>
+        <p:cNvPr id="375" name="Shape 375"/>
         <p:cNvGrpSpPr/>
         <p:nvPr/>
       </p:nvGrpSpPr>
@@ -5216,7 +5216,7 @@
       </p:grpSpPr>
       <p:sp>
         <p:nvSpPr>
-          <p:cNvPr id="373" name="Google Shape;373;g136ac22f7bd_0_23:notes"/>
+          <p:cNvPr id="376" name="Google Shape;376;g136ac22f7bd_0_23:notes"/>
           <p:cNvSpPr/>
           <p:nvPr>
             <p:ph idx="2" type="sldImg"/>
@@ -5251,7 +5251,7 @@
       </p:sp>
       <p:sp>
         <p:nvSpPr>
-          <p:cNvPr id="374" name="Google Shape;374;g136ac22f7bd_0_23:notes"/>
+          <p:cNvPr id="377" name="Google Shape;377;g136ac22f7bd_0_23:notes"/>
           <p:cNvSpPr txBox="1"/>
           <p:nvPr>
             <p:ph idx="1" type="body"/>
@@ -5301,7 +5301,7 @@
   <p:cSld>
     <p:spTree>
       <p:nvGrpSpPr>
-        <p:cNvPr id="379" name="Shape 379"/>
+        <p:cNvPr id="382" name="Shape 382"/>
         <p:cNvGrpSpPr/>
         <p:nvPr/>
       </p:nvGrpSpPr>
@@ -5315,7 +5315,7 @@
       </p:grpSpPr>
       <p:sp>
         <p:nvSpPr>
-          <p:cNvPr id="380" name="Google Shape;380;g136ac22f7bd_0_29:notes"/>
+          <p:cNvPr id="383" name="Google Shape;383;g136ac22f7bd_0_29:notes"/>
           <p:cNvSpPr/>
           <p:nvPr>
             <p:ph idx="2" type="sldImg"/>
@@ -5350,7 +5350,7 @@
       </p:sp>
       <p:sp>
         <p:nvSpPr>
-          <p:cNvPr id="381" name="Google Shape;381;g136ac22f7bd_0_29:notes"/>
+          <p:cNvPr id="384" name="Google Shape;384;g136ac22f7bd_0_29:notes"/>
           <p:cNvSpPr txBox="1"/>
           <p:nvPr>
             <p:ph idx="1" type="body"/>
@@ -5400,7 +5400,7 @@
   <p:cSld>
     <p:spTree>
       <p:nvGrpSpPr>
-        <p:cNvPr id="386" name="Shape 386"/>
+        <p:cNvPr id="389" name="Shape 389"/>
         <p:cNvGrpSpPr/>
         <p:nvPr/>
       </p:nvGrpSpPr>
@@ -5414,7 +5414,7 @@
       </p:grpSpPr>
       <p:sp>
         <p:nvSpPr>
-          <p:cNvPr id="387" name="Google Shape;387;g136ac22f7bd_0_35:notes"/>
+          <p:cNvPr id="390" name="Google Shape;390;g136ac22f7bd_0_35:notes"/>
           <p:cNvSpPr/>
           <p:nvPr>
             <p:ph idx="2" type="sldImg"/>
@@ -5449,7 +5449,7 @@
       </p:sp>
       <p:sp>
         <p:nvSpPr>
-          <p:cNvPr id="388" name="Google Shape;388;g136ac22f7bd_0_35:notes"/>
+          <p:cNvPr id="391" name="Google Shape;391;g136ac22f7bd_0_35:notes"/>
           <p:cNvSpPr txBox="1"/>
           <p:nvPr>
             <p:ph idx="1" type="body"/>
@@ -5499,7 +5499,7 @@
   <p:cSld>
     <p:spTree>
       <p:nvGrpSpPr>
-        <p:cNvPr id="393" name="Shape 393"/>
+        <p:cNvPr id="396" name="Shape 396"/>
         <p:cNvGrpSpPr/>
         <p:nvPr/>
       </p:nvGrpSpPr>
@@ -5513,7 +5513,7 @@
       </p:grpSpPr>
       <p:sp>
         <p:nvSpPr>
-          <p:cNvPr id="394" name="Google Shape;394;g136ac22f7bd_0_41:notes"/>
+          <p:cNvPr id="397" name="Google Shape;397;g136ac22f7bd_0_41:notes"/>
           <p:cNvSpPr/>
           <p:nvPr>
             <p:ph idx="2" type="sldImg"/>
@@ -5548,7 +5548,7 @@
       </p:sp>
       <p:sp>
         <p:nvSpPr>
-          <p:cNvPr id="395" name="Google Shape;395;g136ac22f7bd_0_41:notes"/>
+          <p:cNvPr id="398" name="Google Shape;398;g136ac22f7bd_0_41:notes"/>
           <p:cNvSpPr txBox="1"/>
           <p:nvPr>
             <p:ph idx="1" type="body"/>
@@ -5598,7 +5598,7 @@
   <p:cSld>
     <p:spTree>
       <p:nvGrpSpPr>
-        <p:cNvPr id="400" name="Shape 400"/>
+        <p:cNvPr id="403" name="Shape 403"/>
         <p:cNvGrpSpPr/>
         <p:nvPr/>
       </p:nvGrpSpPr>
@@ -5612,7 +5612,7 @@
       </p:grpSpPr>
       <p:sp>
         <p:nvSpPr>
-          <p:cNvPr id="401" name="Google Shape;401;g121ddc51813_0_12:notes"/>
+          <p:cNvPr id="404" name="Google Shape;404;g121ddc51813_0_12:notes"/>
           <p:cNvSpPr/>
           <p:nvPr>
             <p:ph idx="2" type="sldImg"/>
@@ -5647,7 +5647,7 @@
       </p:sp>
       <p:sp>
         <p:nvSpPr>
-          <p:cNvPr id="402" name="Google Shape;402;g121ddc51813_0_12:notes"/>
+          <p:cNvPr id="405" name="Google Shape;405;g121ddc51813_0_12:notes"/>
           <p:cNvSpPr txBox="1"/>
           <p:nvPr>
             <p:ph idx="1" type="body"/>
@@ -5697,7 +5697,7 @@
   <p:cSld>
     <p:spTree>
       <p:nvGrpSpPr>
-        <p:cNvPr id="408" name="Shape 408"/>
+        <p:cNvPr id="411" name="Shape 411"/>
         <p:cNvGrpSpPr/>
         <p:nvPr/>
       </p:nvGrpSpPr>
@@ -5711,7 +5711,7 @@
       </p:grpSpPr>
       <p:sp>
         <p:nvSpPr>
-          <p:cNvPr id="409" name="Google Shape;409;g13d2397785c_0_20:notes"/>
+          <p:cNvPr id="412" name="Google Shape;412;g13d2397785c_0_20:notes"/>
           <p:cNvSpPr/>
           <p:nvPr>
             <p:ph idx="2" type="sldImg"/>
@@ -5746,7 +5746,7 @@
       </p:sp>
       <p:sp>
         <p:nvSpPr>
-          <p:cNvPr id="410" name="Google Shape;410;g13d2397785c_0_20:notes"/>
+          <p:cNvPr id="413" name="Google Shape;413;g13d2397785c_0_20:notes"/>
           <p:cNvSpPr txBox="1"/>
           <p:nvPr>
             <p:ph idx="1" type="body"/>
@@ -5796,7 +5796,7 @@
   <p:cSld>
     <p:spTree>
       <p:nvGrpSpPr>
-        <p:cNvPr id="415" name="Shape 415"/>
+        <p:cNvPr id="418" name="Shape 418"/>
         <p:cNvGrpSpPr/>
         <p:nvPr/>
       </p:nvGrpSpPr>
@@ -5810,7 +5810,7 @@
       </p:grpSpPr>
       <p:sp>
         <p:nvSpPr>
-          <p:cNvPr id="416" name="Google Shape;416;g239615a810d_0_38:notes"/>
+          <p:cNvPr id="419" name="Google Shape;419;g239615a810d_0_38:notes"/>
           <p:cNvSpPr/>
           <p:nvPr>
             <p:ph idx="2" type="sldImg"/>
@@ -5845,7 +5845,7 @@
       </p:sp>
       <p:sp>
         <p:nvSpPr>
-          <p:cNvPr id="417" name="Google Shape;417;g239615a810d_0_38:notes"/>
+          <p:cNvPr id="420" name="Google Shape;420;g239615a810d_0_38:notes"/>
           <p:cNvSpPr txBox="1"/>
           <p:nvPr>
             <p:ph idx="1" type="body"/>
@@ -5895,7 +5895,7 @@
   <p:cSld>
     <p:spTree>
       <p:nvGrpSpPr>
-        <p:cNvPr id="421" name="Shape 421"/>
+        <p:cNvPr id="424" name="Shape 424"/>
         <p:cNvGrpSpPr/>
         <p:nvPr/>
       </p:nvGrpSpPr>
@@ -5909,7 +5909,7 @@
       </p:grpSpPr>
       <p:sp>
         <p:nvSpPr>
-          <p:cNvPr id="422" name="Google Shape;422;g239615a810d_0_43:notes"/>
+          <p:cNvPr id="425" name="Google Shape;425;g239615a810d_0_43:notes"/>
           <p:cNvSpPr/>
           <p:nvPr>
             <p:ph idx="2" type="sldImg"/>
@@ -5944,7 +5944,7 @@
       </p:sp>
       <p:sp>
         <p:nvSpPr>
-          <p:cNvPr id="423" name="Google Shape;423;g239615a810d_0_43:notes"/>
+          <p:cNvPr id="426" name="Google Shape;426;g239615a810d_0_43:notes"/>
           <p:cNvSpPr txBox="1"/>
           <p:nvPr>
             <p:ph idx="1" type="body"/>
@@ -5994,7 +5994,7 @@
   <p:cSld>
     <p:spTree>
       <p:nvGrpSpPr>
-        <p:cNvPr id="64" name="Shape 64"/>
+        <p:cNvPr id="65" name="Shape 65"/>
         <p:cNvGrpSpPr/>
         <p:nvPr/>
       </p:nvGrpSpPr>
@@ -6008,7 +6008,7 @@
       </p:grpSpPr>
       <p:sp>
         <p:nvSpPr>
-          <p:cNvPr id="65" name="Google Shape;65;g13d1cde2ff3_0_14:notes"/>
+          <p:cNvPr id="66" name="Google Shape;66;g13d1cde2ff3_0_14:notes"/>
           <p:cNvSpPr/>
           <p:nvPr>
             <p:ph idx="2" type="sldImg"/>
@@ -6043,7 +6043,7 @@
       </p:sp>
       <p:sp>
         <p:nvSpPr>
-          <p:cNvPr id="66" name="Google Shape;66;g13d1cde2ff3_0_14:notes"/>
+          <p:cNvPr id="67" name="Google Shape;67;g13d1cde2ff3_0_14:notes"/>
           <p:cNvSpPr txBox="1"/>
           <p:nvPr>
             <p:ph idx="1" type="body"/>
@@ -6093,7 +6093,7 @@
   <p:cSld>
     <p:spTree>
       <p:nvGrpSpPr>
-        <p:cNvPr id="69" name="Shape 69"/>
+        <p:cNvPr id="70" name="Shape 70"/>
         <p:cNvGrpSpPr/>
         <p:nvPr/>
       </p:nvGrpSpPr>
@@ -6107,7 +6107,7 @@
       </p:grpSpPr>
       <p:sp>
         <p:nvSpPr>
-          <p:cNvPr id="70" name="Google Shape;70;g121ddc51813_0_0:notes"/>
+          <p:cNvPr id="71" name="Google Shape;71;g121ddc51813_0_0:notes"/>
           <p:cNvSpPr/>
           <p:nvPr>
             <p:ph idx="2" type="sldImg"/>
@@ -6142,7 +6142,7 @@
       </p:sp>
       <p:sp>
         <p:nvSpPr>
-          <p:cNvPr id="71" name="Google Shape;71;g121ddc51813_0_0:notes"/>
+          <p:cNvPr id="72" name="Google Shape;72;g121ddc51813_0_0:notes"/>
           <p:cNvSpPr txBox="1"/>
           <p:nvPr>
             <p:ph idx="1" type="body"/>
@@ -6192,7 +6192,7 @@
   <p:cSld>
     <p:spTree>
       <p:nvGrpSpPr>
-        <p:cNvPr id="76" name="Shape 76"/>
+        <p:cNvPr id="77" name="Shape 77"/>
         <p:cNvGrpSpPr/>
         <p:nvPr/>
       </p:nvGrpSpPr>
@@ -6206,7 +6206,7 @@
       </p:grpSpPr>
       <p:sp>
         <p:nvSpPr>
-          <p:cNvPr id="77" name="Google Shape;77;g13d1cde2ff3_0_22:notes"/>
+          <p:cNvPr id="78" name="Google Shape;78;g13d1cde2ff3_0_22:notes"/>
           <p:cNvSpPr/>
           <p:nvPr>
             <p:ph idx="2" type="sldImg"/>
@@ -6241,7 +6241,7 @@
       </p:sp>
       <p:sp>
         <p:nvSpPr>
-          <p:cNvPr id="78" name="Google Shape;78;g13d1cde2ff3_0_22:notes"/>
+          <p:cNvPr id="79" name="Google Shape;79;g13d1cde2ff3_0_22:notes"/>
           <p:cNvSpPr txBox="1"/>
           <p:nvPr>
             <p:ph idx="1" type="body"/>
@@ -6291,7 +6291,7 @@
   <p:cSld>
     <p:spTree>
       <p:nvGrpSpPr>
-        <p:cNvPr id="83" name="Shape 83"/>
+        <p:cNvPr id="84" name="Shape 84"/>
         <p:cNvGrpSpPr/>
         <p:nvPr/>
       </p:nvGrpSpPr>
@@ -6305,7 +6305,7 @@
       </p:grpSpPr>
       <p:sp>
         <p:nvSpPr>
-          <p:cNvPr id="84" name="Google Shape;84;g136ac22f7bd_0_53:notes"/>
+          <p:cNvPr id="85" name="Google Shape;85;g136ac22f7bd_0_53:notes"/>
           <p:cNvSpPr/>
           <p:nvPr>
             <p:ph idx="2" type="sldImg"/>
@@ -6340,7 +6340,7 @@
       </p:sp>
       <p:sp>
         <p:nvSpPr>
-          <p:cNvPr id="85" name="Google Shape;85;g136ac22f7bd_0_53:notes"/>
+          <p:cNvPr id="86" name="Google Shape;86;g136ac22f7bd_0_53:notes"/>
           <p:cNvSpPr txBox="1"/>
           <p:nvPr>
             <p:ph idx="1" type="body"/>
@@ -6923,6 +6923,144 @@
           </a:p>
         </p:txBody>
       </p:sp>
+      <p:sp>
+        <p:nvSpPr>
+          <p:cNvPr id="16" name="Google Shape;16;p3"/>
+          <p:cNvSpPr txBox="1"/>
+          <p:nvPr>
+            <p:ph idx="12" type="sldNum"/>
+          </p:nvPr>
+        </p:nvSpPr>
+        <p:spPr>
+          <a:xfrm>
+            <a:off x="7315209" y="4229101"/>
+            <a:ext cx="1828800" cy="914400"/>
+          </a:xfrm>
+          <a:prstGeom prst="rect">
+            <a:avLst/>
+          </a:prstGeom>
+        </p:spPr>
+        <p:txBody>
+          <a:bodyPr anchorCtr="0" anchor="b" bIns="91425" lIns="91425" spcFirstLastPara="1" rIns="91425" wrap="square" tIns="91425">
+            <a:noAutofit/>
+          </a:bodyPr>
+          <a:lstStyle>
+            <a:lvl1pPr lvl="0" rtl="0" algn="r">
+              <a:buNone/>
+              <a:defRPr b="1" sz="2400">
+                <a:solidFill>
+                  <a:schemeClr val="dk1"/>
+                </a:solidFill>
+              </a:defRPr>
+            </a:lvl1pPr>
+            <a:lvl2pPr lvl="1" rtl="0" algn="r">
+              <a:buNone/>
+              <a:defRPr b="1" sz="2400">
+                <a:solidFill>
+                  <a:schemeClr val="dk1"/>
+                </a:solidFill>
+              </a:defRPr>
+            </a:lvl2pPr>
+            <a:lvl3pPr lvl="2" rtl="0" algn="r">
+              <a:buNone/>
+              <a:defRPr b="1" sz="2400">
+                <a:solidFill>
+                  <a:schemeClr val="dk1"/>
+                </a:solidFill>
+              </a:defRPr>
+            </a:lvl3pPr>
+            <a:lvl4pPr lvl="3" rtl="0" algn="r">
+              <a:buNone/>
+              <a:defRPr b="1" sz="2400">
+                <a:solidFill>
+                  <a:schemeClr val="dk1"/>
+                </a:solidFill>
+              </a:defRPr>
+            </a:lvl4pPr>
+            <a:lvl5pPr lvl="4" rtl="0" algn="r">
+              <a:buNone/>
+              <a:defRPr b="1" sz="2400">
+                <a:solidFill>
+                  <a:schemeClr val="dk1"/>
+                </a:solidFill>
+              </a:defRPr>
+            </a:lvl5pPr>
+            <a:lvl6pPr lvl="5" rtl="0" algn="r">
+              <a:buNone/>
+              <a:defRPr b="1" sz="2400">
+                <a:solidFill>
+                  <a:schemeClr val="dk1"/>
+                </a:solidFill>
+              </a:defRPr>
+            </a:lvl6pPr>
+            <a:lvl7pPr lvl="6" rtl="0" algn="r">
+              <a:buNone/>
+              <a:defRPr b="1" sz="2400">
+                <a:solidFill>
+                  <a:schemeClr val="dk1"/>
+                </a:solidFill>
+              </a:defRPr>
+            </a:lvl7pPr>
+            <a:lvl8pPr lvl="7" rtl="0" algn="r">
+              <a:buNone/>
+              <a:defRPr b="1" sz="2400">
+                <a:solidFill>
+                  <a:schemeClr val="dk1"/>
+                </a:solidFill>
+              </a:defRPr>
+            </a:lvl8pPr>
+            <a:lvl9pPr lvl="8" rtl="0" algn="r">
+              <a:buNone/>
+              <a:defRPr b="1" sz="2400">
+                <a:solidFill>
+                  <a:schemeClr val="dk1"/>
+                </a:solidFill>
+              </a:defRPr>
+            </a:lvl9pPr>
+          </a:lstStyle>
+          <a:p>
+            <a:pPr indent="0" lvl="0" marL="0" rtl="0" algn="r">
+              <a:spcBef>
+                <a:spcPts val="0"/>
+              </a:spcBef>
+              <a:spcAft>
+                <a:spcPts val="0"/>
+              </a:spcAft>
+              <a:buNone/>
+            </a:pPr>
+            <a:fld id="{00000000-1234-1234-1234-123412341234}" type="slidenum">
+              <a:rPr lang="en"/>
+              <a:t>‹#›</a:t>
+            </a:fld>
+            <a:endParaRPr/>
+          </a:p>
+          <a:p>
+            <a:pPr indent="0" lvl="0" marL="0" rtl="0" algn="r">
+              <a:spcBef>
+                <a:spcPts val="0"/>
+              </a:spcBef>
+              <a:spcAft>
+                <a:spcPts val="0"/>
+              </a:spcAft>
+              <a:buNone/>
+            </a:pPr>
+            <a:r>
+              <a:rPr b="0" lang="en" sz="1000" u="sng">
+                <a:solidFill>
+                  <a:schemeClr val="hlink"/>
+                </a:solidFill>
+                <a:hlinkClick r:id="rId2"/>
+              </a:rPr>
+              <a:t>uni1.de/nyt</a:t>
+            </a:r>
+            <a:r>
+              <a:rPr b="0" lang="en" sz="1000"/>
+              <a:t> </a:t>
+            </a:r>
+            <a:endParaRPr b="0" sz="1000"/>
+          </a:p>
+        </p:txBody>
+      </p:sp>
     </p:spTree>
   </p:cSld>
   <p:clrMapOvr>
@@ -6936,7 +7074,7 @@
   <p:cSld name="TITLE_AND_BODY">
     <p:spTree>
       <p:nvGrpSpPr>
-        <p:cNvPr id="16" name="Shape 16"/>
+        <p:cNvPr id="17" name="Shape 17"/>
         <p:cNvGrpSpPr/>
         <p:nvPr/>
       </p:nvGrpSpPr>
@@ -6950,7 +7088,7 @@
       </p:grpSpPr>
       <p:sp>
         <p:nvSpPr>
-          <p:cNvPr id="17" name="Google Shape;17;p4"/>
+          <p:cNvPr id="18" name="Google Shape;18;p4"/>
           <p:cNvSpPr txBox="1"/>
           <p:nvPr>
             <p:ph type="title"/>
@@ -7075,7 +7213,7 @@
       </p:sp>
       <p:sp>
         <p:nvSpPr>
-          <p:cNvPr id="18" name="Google Shape;18;p4"/>
+          <p:cNvPr id="19" name="Google Shape;19;p4"/>
           <p:cNvSpPr txBox="1"/>
           <p:nvPr>
             <p:ph idx="1" type="body"/>
@@ -7196,152 +7334,6 @@
             </a:lvl9pPr>
           </a:lstStyle>
           <a:p/>
-        </p:txBody>
-      </p:sp>
-      <p:sp>
-        <p:nvSpPr>
-          <p:cNvPr id="19" name="Google Shape;19;p4"/>
-          <p:cNvSpPr txBox="1"/>
-          <p:nvPr>
-            <p:ph idx="12" type="sldNum"/>
-          </p:nvPr>
-        </p:nvSpPr>
-        <p:spPr>
-          <a:xfrm>
-            <a:off x="7315202" y="4416550"/>
-            <a:ext cx="1828800" cy="731400"/>
-          </a:xfrm>
-          <a:prstGeom prst="rect">
-            <a:avLst/>
-          </a:prstGeom>
-        </p:spPr>
-        <p:txBody>
-          <a:bodyPr anchorCtr="0" anchor="b" bIns="91425" lIns="91425" spcFirstLastPara="1" rIns="91425" wrap="square" tIns="91425">
-            <a:noAutofit/>
-          </a:bodyPr>
-          <a:lstStyle>
-            <a:lvl1pPr lvl="0" rtl="0">
-              <a:buNone/>
-              <a:defRPr>
-                <a:solidFill>
-                  <a:schemeClr val="dk1"/>
-                </a:solidFill>
-              </a:defRPr>
-            </a:lvl1pPr>
-            <a:lvl2pPr lvl="1" rtl="0">
-              <a:buNone/>
-              <a:defRPr>
-                <a:solidFill>
-                  <a:schemeClr val="dk1"/>
-                </a:solidFill>
-              </a:defRPr>
-            </a:lvl2pPr>
-            <a:lvl3pPr lvl="2" rtl="0">
-              <a:buNone/>
-              <a:defRPr>
-                <a:solidFill>
-                  <a:schemeClr val="dk1"/>
-                </a:solidFill>
-              </a:defRPr>
-            </a:lvl3pPr>
-            <a:lvl4pPr lvl="3" rtl="0">
-              <a:buNone/>
-              <a:defRPr>
-                <a:solidFill>
-                  <a:schemeClr val="dk1"/>
-                </a:solidFill>
-              </a:defRPr>
-            </a:lvl4pPr>
-            <a:lvl5pPr lvl="4" rtl="0">
-              <a:buNone/>
-              <a:defRPr>
-                <a:solidFill>
-                  <a:schemeClr val="dk1"/>
-                </a:solidFill>
-              </a:defRPr>
-            </a:lvl5pPr>
-            <a:lvl6pPr lvl="5" rtl="0">
-              <a:buNone/>
-              <a:defRPr>
-                <a:solidFill>
-                  <a:schemeClr val="dk1"/>
-                </a:solidFill>
-              </a:defRPr>
-            </a:lvl6pPr>
-            <a:lvl7pPr lvl="6" rtl="0">
-              <a:buNone/>
-              <a:defRPr>
-                <a:solidFill>
-                  <a:schemeClr val="dk1"/>
-                </a:solidFill>
-              </a:defRPr>
-            </a:lvl7pPr>
-            <a:lvl8pPr lvl="7" rtl="0">
-              <a:buNone/>
-              <a:defRPr>
-                <a:solidFill>
-                  <a:schemeClr val="dk1"/>
-                </a:solidFill>
-              </a:defRPr>
-            </a:lvl8pPr>
-            <a:lvl9pPr lvl="8" rtl="0">
-              <a:buNone/>
-              <a:defRPr>
-                <a:solidFill>
-                  <a:schemeClr val="dk1"/>
-                </a:solidFill>
-              </a:defRPr>
-            </a:lvl9pPr>
-          </a:lstStyle>
-          <a:p>
-            <a:pPr indent="0" lvl="0" marL="0" rtl="0" algn="r">
-              <a:spcBef>
-                <a:spcPts val="0"/>
-              </a:spcBef>
-              <a:spcAft>
-                <a:spcPts val="0"/>
-              </a:spcAft>
-              <a:buNone/>
-            </a:pPr>
-            <a:fld id="{00000000-1234-1234-1234-123412341234}" type="slidenum">
-              <a:rPr lang="en"/>
-              <a:t>‹#›</a:t>
-            </a:fld>
-            <a:endParaRPr/>
-          </a:p>
-          <a:p>
-            <a:pPr indent="0" lvl="0" marL="0" rtl="0" algn="r">
-              <a:spcBef>
-                <a:spcPts val="0"/>
-              </a:spcBef>
-              <a:spcAft>
-                <a:spcPts val="0"/>
-              </a:spcAft>
-              <a:buNone/>
-            </a:pPr>
-            <a:r>
-              <a:rPr b="0" lang="en" sz="900" u="sng">
-                <a:solidFill>
-                  <a:schemeClr val="hlink"/>
-                </a:solidFill>
-                <a:hlinkClick r:id="rId2"/>
-              </a:rPr>
-              <a:t>https://profriehle.com</a:t>
-            </a:r>
-            <a:r>
-              <a:rPr b="0" lang="en" sz="900">
-                <a:solidFill>
-                  <a:schemeClr val="dk2"/>
-                </a:solidFill>
-              </a:rPr>
-              <a:t> </a:t>
-            </a:r>
-            <a:endParaRPr b="0" sz="900">
-              <a:solidFill>
-                <a:schemeClr val="dk2"/>
-              </a:solidFill>
-            </a:endParaRPr>
-          </a:p>
         </p:txBody>
       </p:sp>
       <p:sp>
@@ -7384,6 +7376,144 @@
               <a:t/>
             </a:r>
             <a:endParaRPr/>
+          </a:p>
+        </p:txBody>
+      </p:sp>
+      <p:sp>
+        <p:nvSpPr>
+          <p:cNvPr id="21" name="Google Shape;21;p4"/>
+          <p:cNvSpPr txBox="1"/>
+          <p:nvPr>
+            <p:ph idx="12" type="sldNum"/>
+          </p:nvPr>
+        </p:nvSpPr>
+        <p:spPr>
+          <a:xfrm>
+            <a:off x="7315209" y="4229101"/>
+            <a:ext cx="1828800" cy="914400"/>
+          </a:xfrm>
+          <a:prstGeom prst="rect">
+            <a:avLst/>
+          </a:prstGeom>
+        </p:spPr>
+        <p:txBody>
+          <a:bodyPr anchorCtr="0" anchor="b" bIns="91425" lIns="91425" spcFirstLastPara="1" rIns="91425" wrap="square" tIns="91425">
+            <a:noAutofit/>
+          </a:bodyPr>
+          <a:lstStyle>
+            <a:lvl1pPr lvl="0" rtl="0" algn="r">
+              <a:buNone/>
+              <a:defRPr b="1" sz="2400">
+                <a:solidFill>
+                  <a:schemeClr val="dk1"/>
+                </a:solidFill>
+              </a:defRPr>
+            </a:lvl1pPr>
+            <a:lvl2pPr lvl="1" rtl="0" algn="r">
+              <a:buNone/>
+              <a:defRPr b="1" sz="2400">
+                <a:solidFill>
+                  <a:schemeClr val="dk1"/>
+                </a:solidFill>
+              </a:defRPr>
+            </a:lvl2pPr>
+            <a:lvl3pPr lvl="2" rtl="0" algn="r">
+              <a:buNone/>
+              <a:defRPr b="1" sz="2400">
+                <a:solidFill>
+                  <a:schemeClr val="dk1"/>
+                </a:solidFill>
+              </a:defRPr>
+            </a:lvl3pPr>
+            <a:lvl4pPr lvl="3" rtl="0" algn="r">
+              <a:buNone/>
+              <a:defRPr b="1" sz="2400">
+                <a:solidFill>
+                  <a:schemeClr val="dk1"/>
+                </a:solidFill>
+              </a:defRPr>
+            </a:lvl4pPr>
+            <a:lvl5pPr lvl="4" rtl="0" algn="r">
+              <a:buNone/>
+              <a:defRPr b="1" sz="2400">
+                <a:solidFill>
+                  <a:schemeClr val="dk1"/>
+                </a:solidFill>
+              </a:defRPr>
+            </a:lvl5pPr>
+            <a:lvl6pPr lvl="5" rtl="0" algn="r">
+              <a:buNone/>
+              <a:defRPr b="1" sz="2400">
+                <a:solidFill>
+                  <a:schemeClr val="dk1"/>
+                </a:solidFill>
+              </a:defRPr>
+            </a:lvl6pPr>
+            <a:lvl7pPr lvl="6" rtl="0" algn="r">
+              <a:buNone/>
+              <a:defRPr b="1" sz="2400">
+                <a:solidFill>
+                  <a:schemeClr val="dk1"/>
+                </a:solidFill>
+              </a:defRPr>
+            </a:lvl7pPr>
+            <a:lvl8pPr lvl="7" rtl="0" algn="r">
+              <a:buNone/>
+              <a:defRPr b="1" sz="2400">
+                <a:solidFill>
+                  <a:schemeClr val="dk1"/>
+                </a:solidFill>
+              </a:defRPr>
+            </a:lvl8pPr>
+            <a:lvl9pPr lvl="8" rtl="0" algn="r">
+              <a:buNone/>
+              <a:defRPr b="1" sz="2400">
+                <a:solidFill>
+                  <a:schemeClr val="dk1"/>
+                </a:solidFill>
+              </a:defRPr>
+            </a:lvl9pPr>
+          </a:lstStyle>
+          <a:p>
+            <a:pPr indent="0" lvl="0" marL="0" rtl="0" algn="r">
+              <a:spcBef>
+                <a:spcPts val="0"/>
+              </a:spcBef>
+              <a:spcAft>
+                <a:spcPts val="0"/>
+              </a:spcAft>
+              <a:buNone/>
+            </a:pPr>
+            <a:fld id="{00000000-1234-1234-1234-123412341234}" type="slidenum">
+              <a:rPr lang="en"/>
+              <a:t>‹#›</a:t>
+            </a:fld>
+            <a:endParaRPr/>
+          </a:p>
+          <a:p>
+            <a:pPr indent="0" lvl="0" marL="0" rtl="0" algn="r">
+              <a:spcBef>
+                <a:spcPts val="0"/>
+              </a:spcBef>
+              <a:spcAft>
+                <a:spcPts val="0"/>
+              </a:spcAft>
+              <a:buNone/>
+            </a:pPr>
+            <a:r>
+              <a:rPr b="0" lang="en" sz="1000" u="sng">
+                <a:solidFill>
+                  <a:schemeClr val="hlink"/>
+                </a:solidFill>
+                <a:hlinkClick r:id="rId2"/>
+              </a:rPr>
+              <a:t>uni1.de/nyt</a:t>
+            </a:r>
+            <a:r>
+              <a:rPr b="0" lang="en" sz="1000"/>
+              <a:t> </a:t>
+            </a:r>
+            <a:endParaRPr b="0" sz="1000"/>
           </a:p>
         </p:txBody>
       </p:sp>
@@ -7400,7 +7530,7 @@
   <p:cSld name="TITLE_AND_TWO_COLUMNS">
     <p:spTree>
       <p:nvGrpSpPr>
-        <p:cNvPr id="21" name="Shape 21"/>
+        <p:cNvPr id="22" name="Shape 22"/>
         <p:cNvGrpSpPr/>
         <p:nvPr/>
       </p:nvGrpSpPr>
@@ -7414,7 +7544,7 @@
       </p:grpSpPr>
       <p:sp>
         <p:nvSpPr>
-          <p:cNvPr id="22" name="Google Shape;22;p5"/>
+          <p:cNvPr id="23" name="Google Shape;23;p5"/>
           <p:cNvSpPr txBox="1"/>
           <p:nvPr>
             <p:ph type="title"/>
@@ -7542,7 +7672,7 @@
       </p:sp>
       <p:sp>
         <p:nvSpPr>
-          <p:cNvPr id="23" name="Google Shape;23;p5"/>
+          <p:cNvPr id="24" name="Google Shape;24;p5"/>
           <p:cNvSpPr txBox="1"/>
           <p:nvPr>
             <p:ph idx="1" type="body"/>
@@ -7667,7 +7797,7 @@
       </p:sp>
       <p:sp>
         <p:nvSpPr>
-          <p:cNvPr id="24" name="Google Shape;24;p5"/>
+          <p:cNvPr id="25" name="Google Shape;25;p5"/>
           <p:cNvSpPr txBox="1"/>
           <p:nvPr>
             <p:ph idx="2" type="body"/>
@@ -7788,152 +7918,6 @@
             </a:lvl9pPr>
           </a:lstStyle>
           <a:p/>
-        </p:txBody>
-      </p:sp>
-      <p:sp>
-        <p:nvSpPr>
-          <p:cNvPr id="25" name="Google Shape;25;p5"/>
-          <p:cNvSpPr txBox="1"/>
-          <p:nvPr>
-            <p:ph idx="12" type="sldNum"/>
-          </p:nvPr>
-        </p:nvSpPr>
-        <p:spPr>
-          <a:xfrm>
-            <a:off x="7315202" y="4416550"/>
-            <a:ext cx="1828800" cy="731400"/>
-          </a:xfrm>
-          <a:prstGeom prst="rect">
-            <a:avLst/>
-          </a:prstGeom>
-        </p:spPr>
-        <p:txBody>
-          <a:bodyPr anchorCtr="0" anchor="b" bIns="91425" lIns="91425" spcFirstLastPara="1" rIns="91425" wrap="square" tIns="91425">
-            <a:noAutofit/>
-          </a:bodyPr>
-          <a:lstStyle>
-            <a:lvl1pPr lvl="0">
-              <a:buNone/>
-              <a:defRPr>
-                <a:solidFill>
-                  <a:schemeClr val="dk1"/>
-                </a:solidFill>
-              </a:defRPr>
-            </a:lvl1pPr>
-            <a:lvl2pPr lvl="1">
-              <a:buNone/>
-              <a:defRPr>
-                <a:solidFill>
-                  <a:schemeClr val="dk1"/>
-                </a:solidFill>
-              </a:defRPr>
-            </a:lvl2pPr>
-            <a:lvl3pPr lvl="2">
-              <a:buNone/>
-              <a:defRPr>
-                <a:solidFill>
-                  <a:schemeClr val="dk1"/>
-                </a:solidFill>
-              </a:defRPr>
-            </a:lvl3pPr>
-            <a:lvl4pPr lvl="3">
-              <a:buNone/>
-              <a:defRPr>
-                <a:solidFill>
-                  <a:schemeClr val="dk1"/>
-                </a:solidFill>
-              </a:defRPr>
-            </a:lvl4pPr>
-            <a:lvl5pPr lvl="4">
-              <a:buNone/>
-              <a:defRPr>
-                <a:solidFill>
-                  <a:schemeClr val="dk1"/>
-                </a:solidFill>
-              </a:defRPr>
-            </a:lvl5pPr>
-            <a:lvl6pPr lvl="5">
-              <a:buNone/>
-              <a:defRPr>
-                <a:solidFill>
-                  <a:schemeClr val="dk1"/>
-                </a:solidFill>
-              </a:defRPr>
-            </a:lvl6pPr>
-            <a:lvl7pPr lvl="6">
-              <a:buNone/>
-              <a:defRPr>
-                <a:solidFill>
-                  <a:schemeClr val="dk1"/>
-                </a:solidFill>
-              </a:defRPr>
-            </a:lvl7pPr>
-            <a:lvl8pPr lvl="7">
-              <a:buNone/>
-              <a:defRPr>
-                <a:solidFill>
-                  <a:schemeClr val="dk1"/>
-                </a:solidFill>
-              </a:defRPr>
-            </a:lvl8pPr>
-            <a:lvl9pPr lvl="8">
-              <a:buNone/>
-              <a:defRPr>
-                <a:solidFill>
-                  <a:schemeClr val="dk1"/>
-                </a:solidFill>
-              </a:defRPr>
-            </a:lvl9pPr>
-          </a:lstStyle>
-          <a:p>
-            <a:pPr indent="0" lvl="0" marL="0" rtl="0" algn="r">
-              <a:spcBef>
-                <a:spcPts val="0"/>
-              </a:spcBef>
-              <a:spcAft>
-                <a:spcPts val="0"/>
-              </a:spcAft>
-              <a:buNone/>
-            </a:pPr>
-            <a:fld id="{00000000-1234-1234-1234-123412341234}" type="slidenum">
-              <a:rPr lang="en"/>
-              <a:t>‹#›</a:t>
-            </a:fld>
-            <a:endParaRPr/>
-          </a:p>
-          <a:p>
-            <a:pPr indent="0" lvl="0" marL="0" rtl="0" algn="r">
-              <a:spcBef>
-                <a:spcPts val="0"/>
-              </a:spcBef>
-              <a:spcAft>
-                <a:spcPts val="0"/>
-              </a:spcAft>
-              <a:buNone/>
-            </a:pPr>
-            <a:r>
-              <a:rPr b="0" lang="en" sz="900" u="sng">
-                <a:solidFill>
-                  <a:schemeClr val="hlink"/>
-                </a:solidFill>
-                <a:hlinkClick r:id="rId2"/>
-              </a:rPr>
-              <a:t>https://profriehle.com</a:t>
-            </a:r>
-            <a:r>
-              <a:rPr b="0" lang="en" sz="900">
-                <a:solidFill>
-                  <a:schemeClr val="dk2"/>
-                </a:solidFill>
-              </a:rPr>
-              <a:t> </a:t>
-            </a:r>
-            <a:endParaRPr>
-              <a:solidFill>
-                <a:schemeClr val="dk2"/>
-              </a:solidFill>
-            </a:endParaRPr>
-          </a:p>
         </p:txBody>
       </p:sp>
       <p:sp>
@@ -7976,6 +7960,144 @@
               <a:t/>
             </a:r>
             <a:endParaRPr/>
+          </a:p>
+        </p:txBody>
+      </p:sp>
+      <p:sp>
+        <p:nvSpPr>
+          <p:cNvPr id="27" name="Google Shape;27;p5"/>
+          <p:cNvSpPr txBox="1"/>
+          <p:nvPr>
+            <p:ph idx="12" type="sldNum"/>
+          </p:nvPr>
+        </p:nvSpPr>
+        <p:spPr>
+          <a:xfrm>
+            <a:off x="7315209" y="4229101"/>
+            <a:ext cx="1828800" cy="914400"/>
+          </a:xfrm>
+          <a:prstGeom prst="rect">
+            <a:avLst/>
+          </a:prstGeom>
+        </p:spPr>
+        <p:txBody>
+          <a:bodyPr anchorCtr="0" anchor="b" bIns="91425" lIns="91425" spcFirstLastPara="1" rIns="91425" wrap="square" tIns="91425">
+            <a:noAutofit/>
+          </a:bodyPr>
+          <a:lstStyle>
+            <a:lvl1pPr lvl="0" rtl="0" algn="r">
+              <a:buNone/>
+              <a:defRPr b="1" sz="2400">
+                <a:solidFill>
+                  <a:schemeClr val="dk1"/>
+                </a:solidFill>
+              </a:defRPr>
+            </a:lvl1pPr>
+            <a:lvl2pPr lvl="1" rtl="0" algn="r">
+              <a:buNone/>
+              <a:defRPr b="1" sz="2400">
+                <a:solidFill>
+                  <a:schemeClr val="dk1"/>
+                </a:solidFill>
+              </a:defRPr>
+            </a:lvl2pPr>
+            <a:lvl3pPr lvl="2" rtl="0" algn="r">
+              <a:buNone/>
+              <a:defRPr b="1" sz="2400">
+                <a:solidFill>
+                  <a:schemeClr val="dk1"/>
+                </a:solidFill>
+              </a:defRPr>
+            </a:lvl3pPr>
+            <a:lvl4pPr lvl="3" rtl="0" algn="r">
+              <a:buNone/>
+              <a:defRPr b="1" sz="2400">
+                <a:solidFill>
+                  <a:schemeClr val="dk1"/>
+                </a:solidFill>
+              </a:defRPr>
+            </a:lvl4pPr>
+            <a:lvl5pPr lvl="4" rtl="0" algn="r">
+              <a:buNone/>
+              <a:defRPr b="1" sz="2400">
+                <a:solidFill>
+                  <a:schemeClr val="dk1"/>
+                </a:solidFill>
+              </a:defRPr>
+            </a:lvl5pPr>
+            <a:lvl6pPr lvl="5" rtl="0" algn="r">
+              <a:buNone/>
+              <a:defRPr b="1" sz="2400">
+                <a:solidFill>
+                  <a:schemeClr val="dk1"/>
+                </a:solidFill>
+              </a:defRPr>
+            </a:lvl6pPr>
+            <a:lvl7pPr lvl="6" rtl="0" algn="r">
+              <a:buNone/>
+              <a:defRPr b="1" sz="2400">
+                <a:solidFill>
+                  <a:schemeClr val="dk1"/>
+                </a:solidFill>
+              </a:defRPr>
+            </a:lvl7pPr>
+            <a:lvl8pPr lvl="7" rtl="0" algn="r">
+              <a:buNone/>
+              <a:defRPr b="1" sz="2400">
+                <a:solidFill>
+                  <a:schemeClr val="dk1"/>
+                </a:solidFill>
+              </a:defRPr>
+            </a:lvl8pPr>
+            <a:lvl9pPr lvl="8" rtl="0" algn="r">
+              <a:buNone/>
+              <a:defRPr b="1" sz="2400">
+                <a:solidFill>
+                  <a:schemeClr val="dk1"/>
+                </a:solidFill>
+              </a:defRPr>
+            </a:lvl9pPr>
+          </a:lstStyle>
+          <a:p>
+            <a:pPr indent="0" lvl="0" marL="0" rtl="0" algn="r">
+              <a:spcBef>
+                <a:spcPts val="0"/>
+              </a:spcBef>
+              <a:spcAft>
+                <a:spcPts val="0"/>
+              </a:spcAft>
+              <a:buNone/>
+            </a:pPr>
+            <a:fld id="{00000000-1234-1234-1234-123412341234}" type="slidenum">
+              <a:rPr lang="en"/>
+              <a:t>‹#›</a:t>
+            </a:fld>
+            <a:endParaRPr/>
+          </a:p>
+          <a:p>
+            <a:pPr indent="0" lvl="0" marL="0" rtl="0" algn="r">
+              <a:spcBef>
+                <a:spcPts val="0"/>
+              </a:spcBef>
+              <a:spcAft>
+                <a:spcPts val="0"/>
+              </a:spcAft>
+              <a:buNone/>
+            </a:pPr>
+            <a:r>
+              <a:rPr b="0" lang="en" sz="1000" u="sng">
+                <a:solidFill>
+                  <a:schemeClr val="hlink"/>
+                </a:solidFill>
+                <a:hlinkClick r:id="rId2"/>
+              </a:rPr>
+              <a:t>uni1.de/nyt</a:t>
+            </a:r>
+            <a:r>
+              <a:rPr b="0" lang="en" sz="1000"/>
+              <a:t> </a:t>
+            </a:r>
+            <a:endParaRPr b="0" sz="1000"/>
           </a:p>
         </p:txBody>
       </p:sp>
@@ -7992,7 +8114,7 @@
   <p:cSld name="TITLE_ONLY">
     <p:spTree>
       <p:nvGrpSpPr>
-        <p:cNvPr id="27" name="Shape 27"/>
+        <p:cNvPr id="28" name="Shape 28"/>
         <p:cNvGrpSpPr/>
         <p:nvPr/>
       </p:nvGrpSpPr>
@@ -8006,7 +8128,7 @@
       </p:grpSpPr>
       <p:sp>
         <p:nvSpPr>
-          <p:cNvPr id="28" name="Google Shape;28;p6"/>
+          <p:cNvPr id="29" name="Google Shape;29;p6"/>
           <p:cNvSpPr txBox="1"/>
           <p:nvPr>
             <p:ph type="title"/>
@@ -8127,152 +8249,6 @@
             </a:lvl9pPr>
           </a:lstStyle>
           <a:p/>
-        </p:txBody>
-      </p:sp>
-      <p:sp>
-        <p:nvSpPr>
-          <p:cNvPr id="29" name="Google Shape;29;p6"/>
-          <p:cNvSpPr txBox="1"/>
-          <p:nvPr>
-            <p:ph idx="12" type="sldNum"/>
-          </p:nvPr>
-        </p:nvSpPr>
-        <p:spPr>
-          <a:xfrm>
-            <a:off x="7315202" y="4416550"/>
-            <a:ext cx="1828800" cy="731400"/>
-          </a:xfrm>
-          <a:prstGeom prst="rect">
-            <a:avLst/>
-          </a:prstGeom>
-        </p:spPr>
-        <p:txBody>
-          <a:bodyPr anchorCtr="0" anchor="b" bIns="91425" lIns="91425" spcFirstLastPara="1" rIns="91425" wrap="square" tIns="91425">
-            <a:noAutofit/>
-          </a:bodyPr>
-          <a:lstStyle>
-            <a:lvl1pPr lvl="0">
-              <a:buNone/>
-              <a:defRPr>
-                <a:solidFill>
-                  <a:schemeClr val="dk1"/>
-                </a:solidFill>
-              </a:defRPr>
-            </a:lvl1pPr>
-            <a:lvl2pPr lvl="1">
-              <a:buNone/>
-              <a:defRPr>
-                <a:solidFill>
-                  <a:schemeClr val="dk1"/>
-                </a:solidFill>
-              </a:defRPr>
-            </a:lvl2pPr>
-            <a:lvl3pPr lvl="2">
-              <a:buNone/>
-              <a:defRPr>
-                <a:solidFill>
-                  <a:schemeClr val="dk1"/>
-                </a:solidFill>
-              </a:defRPr>
-            </a:lvl3pPr>
-            <a:lvl4pPr lvl="3">
-              <a:buNone/>
-              <a:defRPr>
-                <a:solidFill>
-                  <a:schemeClr val="dk1"/>
-                </a:solidFill>
-              </a:defRPr>
-            </a:lvl4pPr>
-            <a:lvl5pPr lvl="4">
-              <a:buNone/>
-              <a:defRPr>
-                <a:solidFill>
-                  <a:schemeClr val="dk1"/>
-                </a:solidFill>
-              </a:defRPr>
-            </a:lvl5pPr>
-            <a:lvl6pPr lvl="5">
-              <a:buNone/>
-              <a:defRPr>
-                <a:solidFill>
-                  <a:schemeClr val="dk1"/>
-                </a:solidFill>
-              </a:defRPr>
-            </a:lvl6pPr>
-            <a:lvl7pPr lvl="6">
-              <a:buNone/>
-              <a:defRPr>
-                <a:solidFill>
-                  <a:schemeClr val="dk1"/>
-                </a:solidFill>
-              </a:defRPr>
-            </a:lvl7pPr>
-            <a:lvl8pPr lvl="7">
-              <a:buNone/>
-              <a:defRPr>
-                <a:solidFill>
-                  <a:schemeClr val="dk1"/>
-                </a:solidFill>
-              </a:defRPr>
-            </a:lvl8pPr>
-            <a:lvl9pPr lvl="8">
-              <a:buNone/>
-              <a:defRPr>
-                <a:solidFill>
-                  <a:schemeClr val="dk1"/>
-                </a:solidFill>
-              </a:defRPr>
-            </a:lvl9pPr>
-          </a:lstStyle>
-          <a:p>
-            <a:pPr indent="0" lvl="0" marL="0" rtl="0" algn="r">
-              <a:spcBef>
-                <a:spcPts val="0"/>
-              </a:spcBef>
-              <a:spcAft>
-                <a:spcPts val="0"/>
-              </a:spcAft>
-              <a:buNone/>
-            </a:pPr>
-            <a:fld id="{00000000-1234-1234-1234-123412341234}" type="slidenum">
-              <a:rPr lang="en"/>
-              <a:t>‹#›</a:t>
-            </a:fld>
-            <a:endParaRPr/>
-          </a:p>
-          <a:p>
-            <a:pPr indent="0" lvl="0" marL="0" rtl="0" algn="r">
-              <a:spcBef>
-                <a:spcPts val="0"/>
-              </a:spcBef>
-              <a:spcAft>
-                <a:spcPts val="0"/>
-              </a:spcAft>
-              <a:buNone/>
-            </a:pPr>
-            <a:r>
-              <a:rPr b="0" lang="en" sz="900" u="sng">
-                <a:solidFill>
-                  <a:schemeClr val="hlink"/>
-                </a:solidFill>
-                <a:hlinkClick r:id="rId2"/>
-              </a:rPr>
-              <a:t>https://profriehle.com</a:t>
-            </a:r>
-            <a:r>
-              <a:rPr b="0" lang="en" sz="900">
-                <a:solidFill>
-                  <a:schemeClr val="dk2"/>
-                </a:solidFill>
-              </a:rPr>
-              <a:t> </a:t>
-            </a:r>
-            <a:endParaRPr>
-              <a:solidFill>
-                <a:schemeClr val="dk2"/>
-              </a:solidFill>
-            </a:endParaRPr>
-          </a:p>
         </p:txBody>
       </p:sp>
       <p:sp>
@@ -8315,6 +8291,144 @@
               <a:t/>
             </a:r>
             <a:endParaRPr/>
+          </a:p>
+        </p:txBody>
+      </p:sp>
+      <p:sp>
+        <p:nvSpPr>
+          <p:cNvPr id="31" name="Google Shape;31;p6"/>
+          <p:cNvSpPr txBox="1"/>
+          <p:nvPr>
+            <p:ph idx="12" type="sldNum"/>
+          </p:nvPr>
+        </p:nvSpPr>
+        <p:spPr>
+          <a:xfrm>
+            <a:off x="7315209" y="4229101"/>
+            <a:ext cx="1828800" cy="914400"/>
+          </a:xfrm>
+          <a:prstGeom prst="rect">
+            <a:avLst/>
+          </a:prstGeom>
+        </p:spPr>
+        <p:txBody>
+          <a:bodyPr anchorCtr="0" anchor="b" bIns="91425" lIns="91425" spcFirstLastPara="1" rIns="91425" wrap="square" tIns="91425">
+            <a:noAutofit/>
+          </a:bodyPr>
+          <a:lstStyle>
+            <a:lvl1pPr lvl="0" rtl="0" algn="r">
+              <a:buNone/>
+              <a:defRPr b="1" sz="2400">
+                <a:solidFill>
+                  <a:schemeClr val="dk1"/>
+                </a:solidFill>
+              </a:defRPr>
+            </a:lvl1pPr>
+            <a:lvl2pPr lvl="1" rtl="0" algn="r">
+              <a:buNone/>
+              <a:defRPr b="1" sz="2400">
+                <a:solidFill>
+                  <a:schemeClr val="dk1"/>
+                </a:solidFill>
+              </a:defRPr>
+            </a:lvl2pPr>
+            <a:lvl3pPr lvl="2" rtl="0" algn="r">
+              <a:buNone/>
+              <a:defRPr b="1" sz="2400">
+                <a:solidFill>
+                  <a:schemeClr val="dk1"/>
+                </a:solidFill>
+              </a:defRPr>
+            </a:lvl3pPr>
+            <a:lvl4pPr lvl="3" rtl="0" algn="r">
+              <a:buNone/>
+              <a:defRPr b="1" sz="2400">
+                <a:solidFill>
+                  <a:schemeClr val="dk1"/>
+                </a:solidFill>
+              </a:defRPr>
+            </a:lvl4pPr>
+            <a:lvl5pPr lvl="4" rtl="0" algn="r">
+              <a:buNone/>
+              <a:defRPr b="1" sz="2400">
+                <a:solidFill>
+                  <a:schemeClr val="dk1"/>
+                </a:solidFill>
+              </a:defRPr>
+            </a:lvl5pPr>
+            <a:lvl6pPr lvl="5" rtl="0" algn="r">
+              <a:buNone/>
+              <a:defRPr b="1" sz="2400">
+                <a:solidFill>
+                  <a:schemeClr val="dk1"/>
+                </a:solidFill>
+              </a:defRPr>
+            </a:lvl6pPr>
+            <a:lvl7pPr lvl="6" rtl="0" algn="r">
+              <a:buNone/>
+              <a:defRPr b="1" sz="2400">
+                <a:solidFill>
+                  <a:schemeClr val="dk1"/>
+                </a:solidFill>
+              </a:defRPr>
+            </a:lvl7pPr>
+            <a:lvl8pPr lvl="7" rtl="0" algn="r">
+              <a:buNone/>
+              <a:defRPr b="1" sz="2400">
+                <a:solidFill>
+                  <a:schemeClr val="dk1"/>
+                </a:solidFill>
+              </a:defRPr>
+            </a:lvl8pPr>
+            <a:lvl9pPr lvl="8" rtl="0" algn="r">
+              <a:buNone/>
+              <a:defRPr b="1" sz="2400">
+                <a:solidFill>
+                  <a:schemeClr val="dk1"/>
+                </a:solidFill>
+              </a:defRPr>
+            </a:lvl9pPr>
+          </a:lstStyle>
+          <a:p>
+            <a:pPr indent="0" lvl="0" marL="0" rtl="0" algn="r">
+              <a:spcBef>
+                <a:spcPts val="0"/>
+              </a:spcBef>
+              <a:spcAft>
+                <a:spcPts val="0"/>
+              </a:spcAft>
+              <a:buNone/>
+            </a:pPr>
+            <a:fld id="{00000000-1234-1234-1234-123412341234}" type="slidenum">
+              <a:rPr lang="en"/>
+              <a:t>‹#›</a:t>
+            </a:fld>
+            <a:endParaRPr/>
+          </a:p>
+          <a:p>
+            <a:pPr indent="0" lvl="0" marL="0" rtl="0" algn="r">
+              <a:spcBef>
+                <a:spcPts val="0"/>
+              </a:spcBef>
+              <a:spcAft>
+                <a:spcPts val="0"/>
+              </a:spcAft>
+              <a:buNone/>
+            </a:pPr>
+            <a:r>
+              <a:rPr b="0" lang="en" sz="1000" u="sng">
+                <a:solidFill>
+                  <a:schemeClr val="hlink"/>
+                </a:solidFill>
+                <a:hlinkClick r:id="rId2"/>
+              </a:rPr>
+              <a:t>uni1.de/nyt</a:t>
+            </a:r>
+            <a:r>
+              <a:rPr b="0" lang="en" sz="1000"/>
+              <a:t> </a:t>
+            </a:r>
+            <a:endParaRPr b="0" sz="1000"/>
           </a:p>
         </p:txBody>
       </p:sp>
@@ -8331,7 +8445,7 @@
   <p:cSld name="BLANK">
     <p:spTree>
       <p:nvGrpSpPr>
-        <p:cNvPr id="31" name="Shape 31"/>
+        <p:cNvPr id="32" name="Shape 32"/>
         <p:cNvGrpSpPr/>
         <p:nvPr/>
       </p:nvGrpSpPr>
@@ -8796,8 +8910,8 @@
         </p:nvSpPr>
         <p:spPr>
           <a:xfrm>
-            <a:off x="7315202" y="4416550"/>
-            <a:ext cx="1828800" cy="731400"/>
+            <a:off x="7315209" y="4229101"/>
+            <a:ext cx="1828800" cy="914400"/>
           </a:xfrm>
           <a:prstGeom prst="rect">
             <a:avLst/>
@@ -8816,7 +8930,7 @@
               <a:buNone/>
               <a:defRPr b="1" sz="2400">
                 <a:solidFill>
-                  <a:schemeClr val="dk2"/>
+                  <a:schemeClr val="dk1"/>
                 </a:solidFill>
               </a:defRPr>
             </a:lvl1pPr>
@@ -8824,7 +8938,7 @@
               <a:buNone/>
               <a:defRPr b="1" sz="2400">
                 <a:solidFill>
-                  <a:schemeClr val="dk2"/>
+                  <a:schemeClr val="dk1"/>
                 </a:solidFill>
               </a:defRPr>
             </a:lvl2pPr>
@@ -8832,7 +8946,7 @@
               <a:buNone/>
               <a:defRPr b="1" sz="2400">
                 <a:solidFill>
-                  <a:schemeClr val="dk2"/>
+                  <a:schemeClr val="dk1"/>
                 </a:solidFill>
               </a:defRPr>
             </a:lvl3pPr>
@@ -8840,7 +8954,7 @@
               <a:buNone/>
               <a:defRPr b="1" sz="2400">
                 <a:solidFill>
-                  <a:schemeClr val="dk2"/>
+                  <a:schemeClr val="dk1"/>
                 </a:solidFill>
               </a:defRPr>
             </a:lvl4pPr>
@@ -8848,7 +8962,7 @@
               <a:buNone/>
               <a:defRPr b="1" sz="2400">
                 <a:solidFill>
-                  <a:schemeClr val="dk2"/>
+                  <a:schemeClr val="dk1"/>
                 </a:solidFill>
               </a:defRPr>
             </a:lvl5pPr>
@@ -8856,7 +8970,7 @@
               <a:buNone/>
               <a:defRPr b="1" sz="2400">
                 <a:solidFill>
-                  <a:schemeClr val="dk2"/>
+                  <a:schemeClr val="dk1"/>
                 </a:solidFill>
               </a:defRPr>
             </a:lvl6pPr>
@@ -8864,7 +8978,7 @@
               <a:buNone/>
               <a:defRPr b="1" sz="2400">
                 <a:solidFill>
-                  <a:schemeClr val="dk2"/>
+                  <a:schemeClr val="dk1"/>
                 </a:solidFill>
               </a:defRPr>
             </a:lvl7pPr>
@@ -8872,7 +8986,7 @@
               <a:buNone/>
               <a:defRPr b="1" sz="2400">
                 <a:solidFill>
-                  <a:schemeClr val="dk2"/>
+                  <a:schemeClr val="dk1"/>
                 </a:solidFill>
               </a:defRPr>
             </a:lvl8pPr>
@@ -8880,7 +8994,7 @@
               <a:buNone/>
               <a:defRPr b="1" sz="2400">
                 <a:solidFill>
-                  <a:schemeClr val="dk2"/>
+                  <a:schemeClr val="dk1"/>
                 </a:solidFill>
               </a:defRPr>
             </a:lvl9pPr>
@@ -8912,19 +9026,19 @@
               <a:buNone/>
             </a:pPr>
             <a:r>
-              <a:rPr b="0" lang="en" sz="900" u="sng">
+              <a:rPr b="0" lang="en" sz="1000" u="sng">
                 <a:solidFill>
                   <a:schemeClr val="hlink"/>
                 </a:solidFill>
                 <a:hlinkClick r:id="rId1"/>
               </a:rPr>
-              <a:t>https://profriehle.com</a:t>
-            </a:r>
-            <a:r>
-              <a:rPr b="0" lang="en" sz="900"/>
+              <a:t>uni1.de/nyt</a:t>
+            </a:r>
+            <a:r>
+              <a:rPr b="0" lang="en" sz="1000"/>
               <a:t> </a:t>
             </a:r>
-            <a:endParaRPr b="0" sz="900"/>
+            <a:endParaRPr b="0" sz="1000"/>
           </a:p>
         </p:txBody>
       </p:sp>
@@ -9637,7 +9751,7 @@
   <p:cSld>
     <p:spTree>
       <p:nvGrpSpPr>
-        <p:cNvPr id="35" name="Shape 35"/>
+        <p:cNvPr id="36" name="Shape 36"/>
         <p:cNvGrpSpPr/>
         <p:nvPr/>
       </p:nvGrpSpPr>
@@ -9651,7 +9765,7 @@
       </p:grpSpPr>
       <p:sp>
         <p:nvSpPr>
-          <p:cNvPr id="36" name="Google Shape;36;p8"/>
+          <p:cNvPr id="37" name="Google Shape;37;p8"/>
           <p:cNvSpPr txBox="1"/>
           <p:nvPr>
             <p:ph type="ctrTitle"/>
@@ -9691,7 +9805,7 @@
       </p:sp>
       <p:sp>
         <p:nvSpPr>
-          <p:cNvPr id="37" name="Google Shape;37;p8"/>
+          <p:cNvPr id="38" name="Google Shape;38;p8"/>
           <p:cNvSpPr txBox="1"/>
           <p:nvPr>
             <p:ph idx="1" type="subTitle"/>
@@ -9798,7 +9912,7 @@
   <p:cSld>
     <p:spTree>
       <p:nvGrpSpPr>
-        <p:cNvPr id="93" name="Shape 93"/>
+        <p:cNvPr id="94" name="Shape 94"/>
         <p:cNvGrpSpPr/>
         <p:nvPr/>
       </p:nvGrpSpPr>
@@ -9812,7 +9926,7 @@
       </p:grpSpPr>
       <p:sp>
         <p:nvSpPr>
-          <p:cNvPr id="94" name="Google Shape;94;p17"/>
+          <p:cNvPr id="95" name="Google Shape;95;p17"/>
           <p:cNvSpPr txBox="1"/>
           <p:nvPr>
             <p:ph type="title"/>
@@ -9852,7 +9966,7 @@
       </p:sp>
       <p:sp>
         <p:nvSpPr>
-          <p:cNvPr id="95" name="Google Shape;95;p17"/>
+          <p:cNvPr id="96" name="Google Shape;96;p17"/>
           <p:cNvSpPr txBox="1"/>
           <p:nvPr>
             <p:ph idx="1" type="body"/>
@@ -9975,7 +10089,7 @@
       </p:sp>
       <p:sp>
         <p:nvSpPr>
-          <p:cNvPr id="96" name="Google Shape;96;p17"/>
+          <p:cNvPr id="97" name="Google Shape;97;p17"/>
           <p:cNvSpPr txBox="1"/>
           <p:nvPr>
             <p:ph idx="12" type="sldNum"/>
@@ -9983,8 +10097,8 @@
         </p:nvSpPr>
         <p:spPr>
           <a:xfrm>
-            <a:off x="7315202" y="4416550"/>
-            <a:ext cx="1828800" cy="731400"/>
+            <a:off x="7315209" y="4229101"/>
+            <a:ext cx="1828800" cy="914400"/>
           </a:xfrm>
           <a:prstGeom prst="rect">
             <a:avLst/>
@@ -10022,33 +10136,25 @@
               <a:buNone/>
             </a:pPr>
             <a:r>
-              <a:rPr b="0" lang="en" sz="900" u="sng">
+              <a:rPr b="0" lang="en" sz="1000" u="sng">
                 <a:solidFill>
                   <a:schemeClr val="hlink"/>
                 </a:solidFill>
                 <a:hlinkClick r:id="rId3"/>
               </a:rPr>
-              <a:t>https://profriehle.com</a:t>
-            </a:r>
-            <a:r>
-              <a:rPr b="0" lang="en" sz="900">
-                <a:solidFill>
-                  <a:schemeClr val="dk2"/>
-                </a:solidFill>
-              </a:rPr>
+              <a:t>uni1.de/nyt</a:t>
+            </a:r>
+            <a:r>
+              <a:rPr b="0" lang="en" sz="1000"/>
               <a:t> </a:t>
             </a:r>
-            <a:endParaRPr>
-              <a:solidFill>
-                <a:schemeClr val="dk2"/>
-              </a:solidFill>
-            </a:endParaRPr>
+            <a:endParaRPr b="0" sz="1000"/>
           </a:p>
         </p:txBody>
       </p:sp>
       <p:sp>
         <p:nvSpPr>
-          <p:cNvPr id="97" name="Google Shape;97;p17"/>
+          <p:cNvPr id="98" name="Google Shape;98;p17"/>
           <p:cNvSpPr txBox="1"/>
           <p:nvPr>
             <p:ph idx="2" type="body"/>
@@ -10170,7 +10276,7 @@
   <p:cSld>
     <p:spTree>
       <p:nvGrpSpPr>
-        <p:cNvPr id="101" name="Shape 101"/>
+        <p:cNvPr id="102" name="Shape 102"/>
         <p:cNvGrpSpPr/>
         <p:nvPr/>
       </p:nvGrpSpPr>
@@ -10184,7 +10290,7 @@
       </p:grpSpPr>
       <p:sp>
         <p:nvSpPr>
-          <p:cNvPr id="102" name="Google Shape;102;p18"/>
+          <p:cNvPr id="103" name="Google Shape;103;p18"/>
           <p:cNvSpPr txBox="1"/>
           <p:nvPr>
             <p:ph type="title"/>
@@ -10224,7 +10330,7 @@
       </p:sp>
       <p:sp>
         <p:nvSpPr>
-          <p:cNvPr id="103" name="Google Shape;103;p18"/>
+          <p:cNvPr id="104" name="Google Shape;104;p18"/>
           <p:cNvSpPr txBox="1"/>
           <p:nvPr>
             <p:ph idx="1" type="body"/>
@@ -10314,7 +10420,7 @@
       </p:sp>
       <p:sp>
         <p:nvSpPr>
-          <p:cNvPr id="104" name="Google Shape;104;p18"/>
+          <p:cNvPr id="105" name="Google Shape;105;p18"/>
           <p:cNvSpPr txBox="1"/>
           <p:nvPr>
             <p:ph idx="12" type="sldNum"/>
@@ -10322,8 +10428,8 @@
         </p:nvSpPr>
         <p:spPr>
           <a:xfrm>
-            <a:off x="7315202" y="4416550"/>
-            <a:ext cx="1828800" cy="731400"/>
+            <a:off x="7315209" y="4229101"/>
+            <a:ext cx="1828800" cy="914400"/>
           </a:xfrm>
           <a:prstGeom prst="rect">
             <a:avLst/>
@@ -10361,27 +10467,19 @@
               <a:buNone/>
             </a:pPr>
             <a:r>
-              <a:rPr b="0" lang="en" sz="900" u="sng">
+              <a:rPr b="0" lang="en" sz="1000" u="sng">
                 <a:solidFill>
                   <a:schemeClr val="hlink"/>
                 </a:solidFill>
                 <a:hlinkClick r:id="rId3"/>
               </a:rPr>
-              <a:t>https://profriehle.com</a:t>
-            </a:r>
-            <a:r>
-              <a:rPr b="0" lang="en" sz="900">
-                <a:solidFill>
-                  <a:schemeClr val="dk2"/>
-                </a:solidFill>
-              </a:rPr>
+              <a:t>uni1.de/nyt</a:t>
+            </a:r>
+            <a:r>
+              <a:rPr b="0" lang="en" sz="1000"/>
               <a:t> </a:t>
             </a:r>
-            <a:endParaRPr b="0" sz="900">
-              <a:solidFill>
-                <a:schemeClr val="dk2"/>
-              </a:solidFill>
-            </a:endParaRPr>
+            <a:endParaRPr b="0" sz="1000"/>
           </a:p>
         </p:txBody>
       </p:sp>
@@ -10398,7 +10496,7 @@
   <p:cSld>
     <p:spTree>
       <p:nvGrpSpPr>
-        <p:cNvPr id="108" name="Shape 108"/>
+        <p:cNvPr id="109" name="Shape 109"/>
         <p:cNvGrpSpPr/>
         <p:nvPr/>
       </p:nvGrpSpPr>
@@ -10412,7 +10510,7 @@
       </p:grpSpPr>
       <p:sp>
         <p:nvSpPr>
-          <p:cNvPr id="109" name="Google Shape;109;p19"/>
+          <p:cNvPr id="110" name="Google Shape;110;p19"/>
           <p:cNvSpPr txBox="1"/>
           <p:nvPr>
             <p:ph type="title"/>
@@ -10452,7 +10550,7 @@
       </p:sp>
       <p:sp>
         <p:nvSpPr>
-          <p:cNvPr id="110" name="Google Shape;110;p19"/>
+          <p:cNvPr id="111" name="Google Shape;111;p19"/>
           <p:cNvSpPr txBox="1"/>
           <p:nvPr>
             <p:ph idx="1" type="body"/>
@@ -10549,7 +10647,7 @@
       </p:sp>
       <p:sp>
         <p:nvSpPr>
-          <p:cNvPr id="111" name="Google Shape;111;p19"/>
+          <p:cNvPr id="112" name="Google Shape;112;p19"/>
           <p:cNvSpPr txBox="1"/>
           <p:nvPr>
             <p:ph idx="12" type="sldNum"/>
@@ -10557,8 +10655,8 @@
         </p:nvSpPr>
         <p:spPr>
           <a:xfrm>
-            <a:off x="7315202" y="4416550"/>
-            <a:ext cx="1828800" cy="731400"/>
+            <a:off x="7315209" y="4229101"/>
+            <a:ext cx="1828800" cy="914400"/>
           </a:xfrm>
           <a:prstGeom prst="rect">
             <a:avLst/>
@@ -10596,27 +10694,19 @@
               <a:buNone/>
             </a:pPr>
             <a:r>
-              <a:rPr b="0" lang="en" sz="900" u="sng">
+              <a:rPr b="0" lang="en" sz="1000" u="sng">
                 <a:solidFill>
                   <a:schemeClr val="hlink"/>
                 </a:solidFill>
                 <a:hlinkClick r:id="rId3"/>
               </a:rPr>
-              <a:t>https://profriehle.com</a:t>
-            </a:r>
-            <a:r>
-              <a:rPr b="0" lang="en" sz="900">
-                <a:solidFill>
-                  <a:schemeClr val="dk2"/>
-                </a:solidFill>
-              </a:rPr>
+              <a:t>uni1.de/nyt</a:t>
+            </a:r>
+            <a:r>
+              <a:rPr b="0" lang="en" sz="1000"/>
               <a:t> </a:t>
             </a:r>
-            <a:endParaRPr b="0" sz="900">
-              <a:solidFill>
-                <a:schemeClr val="dk2"/>
-              </a:solidFill>
-            </a:endParaRPr>
+            <a:endParaRPr b="0" sz="1000"/>
           </a:p>
         </p:txBody>
       </p:sp>
@@ -10633,7 +10723,7 @@
   <p:cSld>
     <p:spTree>
       <p:nvGrpSpPr>
-        <p:cNvPr id="115" name="Shape 115"/>
+        <p:cNvPr id="116" name="Shape 116"/>
         <p:cNvGrpSpPr/>
         <p:nvPr/>
       </p:nvGrpSpPr>
@@ -10647,7 +10737,7 @@
       </p:grpSpPr>
       <p:sp>
         <p:nvSpPr>
-          <p:cNvPr id="116" name="Google Shape;116;p20"/>
+          <p:cNvPr id="117" name="Google Shape;117;p20"/>
           <p:cNvSpPr txBox="1"/>
           <p:nvPr>
             <p:ph type="title"/>
@@ -10679,7 +10769,7 @@
             </a:pPr>
             <a:r>
               <a:rPr lang="en"/>
-              <a:t>How to Rank Order Author Lists</a:t>
+              <a:t>How to Rank Order Authors on Author Lists</a:t>
             </a:r>
             <a:endParaRPr/>
           </a:p>
@@ -10687,7 +10777,7 @@
       </p:sp>
       <p:sp>
         <p:nvSpPr>
-          <p:cNvPr id="117" name="Google Shape;117;p20"/>
+          <p:cNvPr id="118" name="Google Shape;118;p20"/>
           <p:cNvSpPr txBox="1"/>
           <p:nvPr>
             <p:ph idx="1" type="body"/>
@@ -10732,7 +10822,7 @@
                 <a:spcPts val="0"/>
               </a:spcAft>
               <a:buSzPts val="1800"/>
-              <a:buChar char="●"/>
+              <a:buAutoNum type="arabicPeriod"/>
             </a:pPr>
             <a:r>
               <a:rPr lang="en"/>
@@ -10744,6 +10834,56 @@
             <a:pPr indent="-342900" lvl="0" marL="457200" rtl="0" algn="l">
               <a:spcBef>
                 <a:spcPts val="0"/>
+              </a:spcBef>
+              <a:spcAft>
+                <a:spcPts val="0"/>
+              </a:spcAft>
+              <a:buSzPts val="1800"/>
+              <a:buAutoNum type="arabicPeriod"/>
+            </a:pPr>
+            <a:r>
+              <a:rPr lang="en"/>
+              <a:t>Ranking of contribution moves you up</a:t>
+            </a:r>
+            <a:endParaRPr/>
+          </a:p>
+          <a:p>
+            <a:pPr indent="-342900" lvl="0" marL="457200" rtl="0" algn="l">
+              <a:spcBef>
+                <a:spcPts val="0"/>
+              </a:spcBef>
+              <a:spcAft>
+                <a:spcPts val="0"/>
+              </a:spcAft>
+              <a:buSzPts val="1800"/>
+              <a:buAutoNum type="arabicPeriod"/>
+            </a:pPr>
+            <a:r>
+              <a:rPr lang="en"/>
+              <a:t>Alphabetical ordering after that</a:t>
+            </a:r>
+            <a:endParaRPr/>
+          </a:p>
+          <a:p>
+            <a:pPr indent="0" lvl="0" marL="0" rtl="0" algn="l">
+              <a:spcBef>
+                <a:spcPts val="1200"/>
+              </a:spcBef>
+              <a:spcAft>
+                <a:spcPts val="0"/>
+              </a:spcAft>
+              <a:buNone/>
+            </a:pPr>
+            <a:r>
+              <a:rPr lang="en"/>
+              <a:t>Common patterns</a:t>
+            </a:r>
+            <a:endParaRPr/>
+          </a:p>
+          <a:p>
+            <a:pPr indent="-342900" lvl="0" marL="457200" rtl="0" algn="l">
+              <a:spcBef>
+                <a:spcPts val="1200"/>
               </a:spcBef>
               <a:spcAft>
                 <a:spcPts val="0"/>
@@ -10753,7 +10893,7 @@
             </a:pPr>
             <a:r>
               <a:rPr lang="en"/>
-              <a:t>Ranking of contribution moves you up</a:t>
+              <a:t>Ph.D. student followed by supervising professor</a:t>
             </a:r>
             <a:endParaRPr/>
           </a:p>
@@ -10770,30 +10910,14 @@
             </a:pPr>
             <a:r>
               <a:rPr lang="en"/>
-              <a:t>Alphabetical ordering after that</a:t>
-            </a:r>
-            <a:endParaRPr/>
-          </a:p>
-          <a:p>
-            <a:pPr indent="0" lvl="0" marL="0" rtl="0" algn="l">
-              <a:spcBef>
-                <a:spcPts val="1200"/>
-              </a:spcBef>
-              <a:spcAft>
-                <a:spcPts val="0"/>
-              </a:spcAft>
-              <a:buNone/>
-            </a:pPr>
-            <a:r>
-              <a:rPr lang="en"/>
-              <a:t>Common patterns</a:t>
+              <a:t>First author followed by alphabetical list of other contributors</a:t>
             </a:r>
             <a:endParaRPr/>
           </a:p>
           <a:p>
             <a:pPr indent="-342900" lvl="0" marL="457200" rtl="0" algn="l">
               <a:spcBef>
-                <a:spcPts val="1200"/>
+                <a:spcPts val="0"/>
               </a:spcBef>
               <a:spcAft>
                 <a:spcPts val="0"/>
@@ -10803,40 +10927,6 @@
             </a:pPr>
             <a:r>
               <a:rPr lang="en"/>
-              <a:t>Ph.D. student followed by supervising professor</a:t>
-            </a:r>
-            <a:endParaRPr/>
-          </a:p>
-          <a:p>
-            <a:pPr indent="-342900" lvl="0" marL="457200" rtl="0" algn="l">
-              <a:spcBef>
-                <a:spcPts val="0"/>
-              </a:spcBef>
-              <a:spcAft>
-                <a:spcPts val="0"/>
-              </a:spcAft>
-              <a:buSzPts val="1800"/>
-              <a:buChar char="●"/>
-            </a:pPr>
-            <a:r>
-              <a:rPr lang="en"/>
-              <a:t>First author followed by alphabetical list of other contributors</a:t>
-            </a:r>
-            <a:endParaRPr/>
-          </a:p>
-          <a:p>
-            <a:pPr indent="-342900" lvl="0" marL="457200" rtl="0" algn="l">
-              <a:spcBef>
-                <a:spcPts val="0"/>
-              </a:spcBef>
-              <a:spcAft>
-                <a:spcPts val="0"/>
-              </a:spcAft>
-              <a:buSzPts val="1800"/>
-              <a:buChar char="●"/>
-            </a:pPr>
-            <a:r>
-              <a:rPr lang="en"/>
               <a:t>Principal investigator followed by alphabetical list of all project members</a:t>
             </a:r>
             <a:endParaRPr/>
@@ -10875,7 +10965,7 @@
       </p:sp>
       <p:sp>
         <p:nvSpPr>
-          <p:cNvPr id="118" name="Google Shape;118;p20"/>
+          <p:cNvPr id="119" name="Google Shape;119;p20"/>
           <p:cNvSpPr txBox="1"/>
           <p:nvPr>
             <p:ph idx="12" type="sldNum"/>
@@ -10883,8 +10973,8 @@
         </p:nvSpPr>
         <p:spPr>
           <a:xfrm>
-            <a:off x="7315202" y="4416550"/>
-            <a:ext cx="1828800" cy="731400"/>
+            <a:off x="7315209" y="4229101"/>
+            <a:ext cx="1828800" cy="914400"/>
           </a:xfrm>
           <a:prstGeom prst="rect">
             <a:avLst/>
@@ -10922,27 +11012,19 @@
               <a:buNone/>
             </a:pPr>
             <a:r>
-              <a:rPr b="0" lang="en" sz="900" u="sng">
+              <a:rPr b="0" lang="en" sz="1000" u="sng">
                 <a:solidFill>
                   <a:schemeClr val="hlink"/>
                 </a:solidFill>
                 <a:hlinkClick r:id="rId3"/>
               </a:rPr>
-              <a:t>https://profriehle.com</a:t>
-            </a:r>
-            <a:r>
-              <a:rPr b="0" lang="en" sz="900">
-                <a:solidFill>
-                  <a:schemeClr val="dk2"/>
-                </a:solidFill>
-              </a:rPr>
+              <a:t>uni1.de/nyt</a:t>
+            </a:r>
+            <a:r>
+              <a:rPr b="0" lang="en" sz="1000"/>
               <a:t> </a:t>
             </a:r>
-            <a:endParaRPr b="0" sz="900">
-              <a:solidFill>
-                <a:schemeClr val="dk2"/>
-              </a:solidFill>
-            </a:endParaRPr>
+            <a:endParaRPr b="0" sz="1000"/>
           </a:p>
         </p:txBody>
       </p:sp>
@@ -10959,7 +11041,7 @@
   <p:cSld>
     <p:spTree>
       <p:nvGrpSpPr>
-        <p:cNvPr id="122" name="Shape 122"/>
+        <p:cNvPr id="123" name="Shape 123"/>
         <p:cNvGrpSpPr/>
         <p:nvPr/>
       </p:nvGrpSpPr>
@@ -10973,7 +11055,7 @@
       </p:grpSpPr>
       <p:sp>
         <p:nvSpPr>
-          <p:cNvPr id="123" name="Google Shape;123;p21"/>
+          <p:cNvPr id="124" name="Google Shape;124;p21"/>
           <p:cNvSpPr txBox="1"/>
           <p:nvPr>
             <p:ph type="title"/>
@@ -11013,7 +11095,7 @@
       </p:sp>
       <p:sp>
         <p:nvSpPr>
-          <p:cNvPr id="124" name="Google Shape;124;p21"/>
+          <p:cNvPr id="125" name="Google Shape;125;p21"/>
           <p:cNvSpPr txBox="1"/>
           <p:nvPr>
             <p:ph idx="12" type="sldNum"/>
@@ -11021,8 +11103,8 @@
         </p:nvSpPr>
         <p:spPr>
           <a:xfrm>
-            <a:off x="7315202" y="4416550"/>
-            <a:ext cx="1828800" cy="731400"/>
+            <a:off x="7315209" y="4229101"/>
+            <a:ext cx="1828800" cy="914400"/>
           </a:xfrm>
           <a:prstGeom prst="rect">
             <a:avLst/>
@@ -11060,33 +11142,25 @@
               <a:buNone/>
             </a:pPr>
             <a:r>
-              <a:rPr b="0" lang="en" sz="900" u="sng">
+              <a:rPr b="0" lang="en" sz="1000" u="sng">
                 <a:solidFill>
                   <a:schemeClr val="hlink"/>
                 </a:solidFill>
                 <a:hlinkClick r:id="rId3"/>
               </a:rPr>
-              <a:t>https://profriehle.com</a:t>
-            </a:r>
-            <a:r>
-              <a:rPr b="0" lang="en" sz="900">
-                <a:solidFill>
-                  <a:schemeClr val="dk2"/>
-                </a:solidFill>
-              </a:rPr>
+              <a:t>uni1.de/nyt</a:t>
+            </a:r>
+            <a:r>
+              <a:rPr b="0" lang="en" sz="1000"/>
               <a:t> </a:t>
             </a:r>
-            <a:endParaRPr b="0" sz="900">
-              <a:solidFill>
-                <a:schemeClr val="dk2"/>
-              </a:solidFill>
-            </a:endParaRPr>
+            <a:endParaRPr b="0" sz="1000"/>
           </a:p>
         </p:txBody>
       </p:sp>
       <p:sp>
         <p:nvSpPr>
-          <p:cNvPr id="125" name="Google Shape;125;p21"/>
+          <p:cNvPr id="126" name="Google Shape;126;p21"/>
           <p:cNvSpPr txBox="1"/>
           <p:nvPr>
             <p:ph idx="1" type="body"/>
@@ -11118,64 +11192,53 @@
             </a:pPr>
             <a:r>
               <a:rPr lang="en"/>
-              <a:t>Use a contribution model</a:t>
-            </a:r>
-            <a:endParaRPr/>
-          </a:p>
-          <a:p>
-            <a:pPr indent="-342900" lvl="0" marL="457200" rtl="0" algn="l">
+              <a:t>Use a contribution model like CRediT [1] to document and rank-order contributions</a:t>
+            </a:r>
+            <a:endParaRPr/>
+          </a:p>
+          <a:p>
+            <a:pPr indent="0" lvl="0" marL="0" rtl="0" algn="l">
               <a:spcBef>
                 <a:spcPts val="1200"/>
               </a:spcBef>
               <a:spcAft>
                 <a:spcPts val="0"/>
               </a:spcAft>
-              <a:buSzPts val="1800"/>
-              <a:buChar char="●"/>
-            </a:pPr>
-            <a:r>
-              <a:rPr lang="en"/>
-              <a:t>To first document contributions</a:t>
-            </a:r>
-            <a:endParaRPr/>
-          </a:p>
-          <a:p>
-            <a:pPr indent="-342900" lvl="0" marL="457200" rtl="0" algn="l">
-              <a:spcBef>
-                <a:spcPts val="0"/>
-              </a:spcBef>
-              <a:spcAft>
-                <a:spcPts val="0"/>
-              </a:spcAft>
-              <a:buSzPts val="1800"/>
-              <a:buChar char="●"/>
-            </a:pPr>
-            <a:r>
-              <a:rPr lang="en"/>
-              <a:t>Then to rank-order them</a:t>
+              <a:buNone/>
+            </a:pPr>
+            <a:r>
+              <a:rPr lang="en"/>
+              <a:t>CRediT defines 14 different types of contributions</a:t>
+            </a:r>
+            <a:endParaRPr/>
+          </a:p>
+          <a:p>
+            <a:pPr indent="0" lvl="0" marL="0" rtl="0" algn="l">
+              <a:spcBef>
+                <a:spcPts val="1200"/>
+              </a:spcBef>
+              <a:spcAft>
+                <a:spcPts val="1200"/>
+              </a:spcAft>
+              <a:buNone/>
+            </a:pPr>
+            <a:r>
+              <a:t/>
             </a:r>
             <a:endParaRPr/>
           </a:p>
         </p:txBody>
       </p:sp>
-      <p:pic>
-        <p:nvPicPr>
-          <p:cNvPr id="126" name="Google Shape;126;p21"/>
-          <p:cNvPicPr preferRelativeResize="0"/>
+      <p:sp>
+        <p:nvSpPr>
+          <p:cNvPr id="127" name="Google Shape;127;p21"/>
+          <p:cNvSpPr txBox="1"/>
           <p:nvPr/>
-        </p:nvPicPr>
-        <p:blipFill>
-          <a:blip r:embed="rId4">
-            <a:alphaModFix/>
-          </a:blip>
-          <a:stretch>
-            <a:fillRect/>
-          </a:stretch>
-        </p:blipFill>
-        <p:spPr>
-          <a:xfrm>
-            <a:off x="4466525" y="822960"/>
-            <a:ext cx="4186810" cy="4114801"/>
+        </p:nvSpPr>
+        <p:spPr>
+          <a:xfrm>
+            <a:off x="0" y="4233672"/>
+            <a:ext cx="7315200" cy="914400"/>
           </a:xfrm>
           <a:prstGeom prst="rect">
             <a:avLst/>
@@ -11185,7 +11248,1022 @@
             <a:noFill/>
           </a:ln>
         </p:spPr>
-      </p:pic>
+        <p:txBody>
+          <a:bodyPr anchorCtr="0" anchor="b" bIns="91425" lIns="91425" spcFirstLastPara="1" rIns="91425" wrap="square" tIns="91425">
+            <a:noAutofit/>
+          </a:bodyPr>
+          <a:lstStyle/>
+          <a:p>
+            <a:pPr indent="0" lvl="0" marL="0" rtl="0" algn="l">
+              <a:spcBef>
+                <a:spcPts val="0"/>
+              </a:spcBef>
+              <a:spcAft>
+                <a:spcPts val="0"/>
+              </a:spcAft>
+              <a:buNone/>
+            </a:pPr>
+            <a:r>
+              <a:rPr lang="en"/>
+              <a:t>[1] See </a:t>
+            </a:r>
+            <a:r>
+              <a:rPr lang="en" u="sng">
+                <a:solidFill>
+                  <a:schemeClr val="hlink"/>
+                </a:solidFill>
+                <a:hlinkClick r:id="rId4"/>
+              </a:rPr>
+              <a:t>https://credit.niso.org/</a:t>
+            </a:r>
+            <a:r>
+              <a:rPr lang="en"/>
+              <a:t> </a:t>
+            </a:r>
+            <a:endParaRPr/>
+          </a:p>
+        </p:txBody>
+      </p:sp>
+      <p:graphicFrame>
+        <p:nvGraphicFramePr>
+          <p:cNvPr id="128" name="Google Shape;128;p21"/>
+          <p:cNvGraphicFramePr/>
+          <p:nvPr/>
+        </p:nvGraphicFramePr>
+        <p:xfrm>
+          <a:off x="274320" y="1828800"/>
+          <a:ext cx="3000000" cy="3000000"/>
+        </p:xfrm>
+        <a:graphic>
+          <a:graphicData uri="http://schemas.openxmlformats.org/drawingml/2006/table">
+            <a:tbl>
+              <a:tblPr>
+                <a:noFill/>
+                <a:tableStyleId>{F65FECC6-762F-422A-9A9B-3D2458720008}</a:tableStyleId>
+              </a:tblPr>
+              <a:tblGrid>
+                <a:gridCol w="2865125"/>
+                <a:gridCol w="2865125"/>
+                <a:gridCol w="2865125"/>
+              </a:tblGrid>
+              <a:tr h="457200">
+                <a:tc>
+                  <a:txBody>
+                    <a:bodyPr/>
+                    <a:lstStyle/>
+                    <a:p>
+                      <a:pPr indent="0" lvl="0" marL="0" rtl="0" algn="l">
+                        <a:spcBef>
+                          <a:spcPts val="0"/>
+                        </a:spcBef>
+                        <a:spcAft>
+                          <a:spcPts val="0"/>
+                        </a:spcAft>
+                        <a:buNone/>
+                      </a:pPr>
+                      <a:r>
+                        <a:rPr lang="en"/>
+                        <a:t>Conceptualization</a:t>
+                      </a:r>
+                      <a:endParaRPr/>
+                    </a:p>
+                  </a:txBody>
+                  <a:tcPr marT="91425" marB="91425" marR="91425" marL="91425" anchor="ctr">
+                    <a:lnL cap="flat" cmpd="sng" w="38100">
+                      <a:solidFill>
+                        <a:schemeClr val="lt1"/>
+                      </a:solidFill>
+                      <a:prstDash val="solid"/>
+                      <a:round/>
+                      <a:headEnd len="sm" w="sm" type="none"/>
+                      <a:tailEnd len="sm" w="sm" type="none"/>
+                    </a:lnL>
+                    <a:lnR cap="flat" cmpd="sng" w="38100">
+                      <a:solidFill>
+                        <a:schemeClr val="lt1"/>
+                      </a:solidFill>
+                      <a:prstDash val="solid"/>
+                      <a:round/>
+                      <a:headEnd len="sm" w="sm" type="none"/>
+                      <a:tailEnd len="sm" w="sm" type="none"/>
+                    </a:lnR>
+                    <a:lnT cap="flat" cmpd="sng" w="38100">
+                      <a:solidFill>
+                        <a:schemeClr val="lt1"/>
+                      </a:solidFill>
+                      <a:prstDash val="solid"/>
+                      <a:round/>
+                      <a:headEnd len="sm" w="sm" type="none"/>
+                      <a:tailEnd len="sm" w="sm" type="none"/>
+                    </a:lnT>
+                    <a:lnB cap="flat" cmpd="sng" w="38100">
+                      <a:solidFill>
+                        <a:schemeClr val="lt1"/>
+                      </a:solidFill>
+                      <a:prstDash val="solid"/>
+                      <a:round/>
+                      <a:headEnd len="sm" w="sm" type="none"/>
+                      <a:tailEnd len="sm" w="sm" type="none"/>
+                    </a:lnB>
+                    <a:solidFill>
+                      <a:schemeClr val="accent1"/>
+                    </a:solidFill>
+                  </a:tcPr>
+                </a:tc>
+                <a:tc>
+                  <a:txBody>
+                    <a:bodyPr/>
+                    <a:lstStyle/>
+                    <a:p>
+                      <a:pPr indent="0" lvl="0" marL="0" rtl="0" algn="l">
+                        <a:spcBef>
+                          <a:spcPts val="0"/>
+                        </a:spcBef>
+                        <a:spcAft>
+                          <a:spcPts val="0"/>
+                        </a:spcAft>
+                        <a:buNone/>
+                      </a:pPr>
+                      <a:r>
+                        <a:rPr lang="en"/>
+                        <a:t>Methodology</a:t>
+                      </a:r>
+                      <a:endParaRPr/>
+                    </a:p>
+                  </a:txBody>
+                  <a:tcPr marT="91425" marB="91425" marR="91425" marL="91425" anchor="ctr">
+                    <a:lnL cap="flat" cmpd="sng" w="38100">
+                      <a:solidFill>
+                        <a:schemeClr val="lt1"/>
+                      </a:solidFill>
+                      <a:prstDash val="solid"/>
+                      <a:round/>
+                      <a:headEnd len="sm" w="sm" type="none"/>
+                      <a:tailEnd len="sm" w="sm" type="none"/>
+                    </a:lnL>
+                    <a:lnR cap="flat" cmpd="sng" w="38100">
+                      <a:solidFill>
+                        <a:schemeClr val="lt1"/>
+                      </a:solidFill>
+                      <a:prstDash val="solid"/>
+                      <a:round/>
+                      <a:headEnd len="sm" w="sm" type="none"/>
+                      <a:tailEnd len="sm" w="sm" type="none"/>
+                    </a:lnR>
+                    <a:lnT cap="flat" cmpd="sng" w="38100">
+                      <a:solidFill>
+                        <a:schemeClr val="lt1"/>
+                      </a:solidFill>
+                      <a:prstDash val="solid"/>
+                      <a:round/>
+                      <a:headEnd len="sm" w="sm" type="none"/>
+                      <a:tailEnd len="sm" w="sm" type="none"/>
+                    </a:lnT>
+                    <a:lnB cap="flat" cmpd="sng" w="38100">
+                      <a:solidFill>
+                        <a:schemeClr val="lt1"/>
+                      </a:solidFill>
+                      <a:prstDash val="solid"/>
+                      <a:round/>
+                      <a:headEnd len="sm" w="sm" type="none"/>
+                      <a:tailEnd len="sm" w="sm" type="none"/>
+                    </a:lnB>
+                    <a:solidFill>
+                      <a:schemeClr val="accent1"/>
+                    </a:solidFill>
+                  </a:tcPr>
+                </a:tc>
+                <a:tc>
+                  <a:txBody>
+                    <a:bodyPr/>
+                    <a:lstStyle/>
+                    <a:p>
+                      <a:pPr indent="0" lvl="0" marL="0" rtl="0" algn="l">
+                        <a:spcBef>
+                          <a:spcPts val="0"/>
+                        </a:spcBef>
+                        <a:spcAft>
+                          <a:spcPts val="0"/>
+                        </a:spcAft>
+                        <a:buNone/>
+                      </a:pPr>
+                      <a:r>
+                        <a:rPr lang="en"/>
+                        <a:t>Validation</a:t>
+                      </a:r>
+                      <a:endParaRPr/>
+                    </a:p>
+                  </a:txBody>
+                  <a:tcPr marT="91425" marB="91425" marR="91425" marL="91425" anchor="ctr">
+                    <a:lnL cap="flat" cmpd="sng" w="38100">
+                      <a:solidFill>
+                        <a:schemeClr val="lt1"/>
+                      </a:solidFill>
+                      <a:prstDash val="solid"/>
+                      <a:round/>
+                      <a:headEnd len="sm" w="sm" type="none"/>
+                      <a:tailEnd len="sm" w="sm" type="none"/>
+                    </a:lnL>
+                    <a:lnR cap="flat" cmpd="sng" w="38100">
+                      <a:solidFill>
+                        <a:schemeClr val="lt1"/>
+                      </a:solidFill>
+                      <a:prstDash val="solid"/>
+                      <a:round/>
+                      <a:headEnd len="sm" w="sm" type="none"/>
+                      <a:tailEnd len="sm" w="sm" type="none"/>
+                    </a:lnR>
+                    <a:lnT cap="flat" cmpd="sng" w="38100">
+                      <a:solidFill>
+                        <a:schemeClr val="lt1"/>
+                      </a:solidFill>
+                      <a:prstDash val="solid"/>
+                      <a:round/>
+                      <a:headEnd len="sm" w="sm" type="none"/>
+                      <a:tailEnd len="sm" w="sm" type="none"/>
+                    </a:lnT>
+                    <a:lnB cap="flat" cmpd="sng" w="38100">
+                      <a:solidFill>
+                        <a:schemeClr val="lt1"/>
+                      </a:solidFill>
+                      <a:prstDash val="solid"/>
+                      <a:round/>
+                      <a:headEnd len="sm" w="sm" type="none"/>
+                      <a:tailEnd len="sm" w="sm" type="none"/>
+                    </a:lnB>
+                    <a:solidFill>
+                      <a:schemeClr val="accent1"/>
+                    </a:solidFill>
+                  </a:tcPr>
+                </a:tc>
+              </a:tr>
+              <a:tr h="457200">
+                <a:tc>
+                  <a:txBody>
+                    <a:bodyPr/>
+                    <a:lstStyle/>
+                    <a:p>
+                      <a:pPr indent="0" lvl="0" marL="0" rtl="0" algn="l">
+                        <a:spcBef>
+                          <a:spcPts val="0"/>
+                        </a:spcBef>
+                        <a:spcAft>
+                          <a:spcPts val="0"/>
+                        </a:spcAft>
+                        <a:buNone/>
+                      </a:pPr>
+                      <a:r>
+                        <a:rPr lang="en"/>
+                        <a:t>Data curation</a:t>
+                      </a:r>
+                      <a:endParaRPr/>
+                    </a:p>
+                  </a:txBody>
+                  <a:tcPr marT="91425" marB="91425" marR="91425" marL="91425" anchor="ctr">
+                    <a:lnL cap="flat" cmpd="sng" w="38100">
+                      <a:solidFill>
+                        <a:schemeClr val="lt1"/>
+                      </a:solidFill>
+                      <a:prstDash val="solid"/>
+                      <a:round/>
+                      <a:headEnd len="sm" w="sm" type="none"/>
+                      <a:tailEnd len="sm" w="sm" type="none"/>
+                    </a:lnL>
+                    <a:lnR cap="flat" cmpd="sng" w="38100">
+                      <a:solidFill>
+                        <a:schemeClr val="lt1"/>
+                      </a:solidFill>
+                      <a:prstDash val="solid"/>
+                      <a:round/>
+                      <a:headEnd len="sm" w="sm" type="none"/>
+                      <a:tailEnd len="sm" w="sm" type="none"/>
+                    </a:lnR>
+                    <a:lnT cap="flat" cmpd="sng" w="38100">
+                      <a:solidFill>
+                        <a:schemeClr val="lt1"/>
+                      </a:solidFill>
+                      <a:prstDash val="solid"/>
+                      <a:round/>
+                      <a:headEnd len="sm" w="sm" type="none"/>
+                      <a:tailEnd len="sm" w="sm" type="none"/>
+                    </a:lnT>
+                    <a:lnB cap="flat" cmpd="sng" w="38100">
+                      <a:solidFill>
+                        <a:schemeClr val="lt1"/>
+                      </a:solidFill>
+                      <a:prstDash val="solid"/>
+                      <a:round/>
+                      <a:headEnd len="sm" w="sm" type="none"/>
+                      <a:tailEnd len="sm" w="sm" type="none"/>
+                    </a:lnB>
+                    <a:solidFill>
+                      <a:schemeClr val="lt1"/>
+                    </a:solidFill>
+                  </a:tcPr>
+                </a:tc>
+                <a:tc>
+                  <a:txBody>
+                    <a:bodyPr/>
+                    <a:lstStyle/>
+                    <a:p>
+                      <a:pPr indent="0" lvl="0" marL="0" rtl="0" algn="l">
+                        <a:spcBef>
+                          <a:spcPts val="0"/>
+                        </a:spcBef>
+                        <a:spcAft>
+                          <a:spcPts val="0"/>
+                        </a:spcAft>
+                        <a:buNone/>
+                      </a:pPr>
+                      <a:r>
+                        <a:rPr lang="en"/>
+                        <a:t>Project administration</a:t>
+                      </a:r>
+                      <a:endParaRPr/>
+                    </a:p>
+                  </a:txBody>
+                  <a:tcPr marT="91425" marB="91425" marR="91425" marL="91425" anchor="ctr">
+                    <a:lnL cap="flat" cmpd="sng" w="38100">
+                      <a:solidFill>
+                        <a:schemeClr val="lt1"/>
+                      </a:solidFill>
+                      <a:prstDash val="solid"/>
+                      <a:round/>
+                      <a:headEnd len="sm" w="sm" type="none"/>
+                      <a:tailEnd len="sm" w="sm" type="none"/>
+                    </a:lnL>
+                    <a:lnR cap="flat" cmpd="sng" w="38100">
+                      <a:solidFill>
+                        <a:schemeClr val="lt1"/>
+                      </a:solidFill>
+                      <a:prstDash val="solid"/>
+                      <a:round/>
+                      <a:headEnd len="sm" w="sm" type="none"/>
+                      <a:tailEnd len="sm" w="sm" type="none"/>
+                    </a:lnR>
+                    <a:lnT cap="flat" cmpd="sng" w="38100">
+                      <a:solidFill>
+                        <a:schemeClr val="lt1"/>
+                      </a:solidFill>
+                      <a:prstDash val="solid"/>
+                      <a:round/>
+                      <a:headEnd len="sm" w="sm" type="none"/>
+                      <a:tailEnd len="sm" w="sm" type="none"/>
+                    </a:lnT>
+                    <a:lnB cap="flat" cmpd="sng" w="38100">
+                      <a:solidFill>
+                        <a:schemeClr val="lt1"/>
+                      </a:solidFill>
+                      <a:prstDash val="solid"/>
+                      <a:round/>
+                      <a:headEnd len="sm" w="sm" type="none"/>
+                      <a:tailEnd len="sm" w="sm" type="none"/>
+                    </a:lnB>
+                    <a:solidFill>
+                      <a:schemeClr val="lt1"/>
+                    </a:solidFill>
+                  </a:tcPr>
+                </a:tc>
+                <a:tc>
+                  <a:txBody>
+                    <a:bodyPr/>
+                    <a:lstStyle/>
+                    <a:p>
+                      <a:pPr indent="0" lvl="0" marL="0" rtl="0" algn="l">
+                        <a:spcBef>
+                          <a:spcPts val="0"/>
+                        </a:spcBef>
+                        <a:spcAft>
+                          <a:spcPts val="0"/>
+                        </a:spcAft>
+                        <a:buNone/>
+                      </a:pPr>
+                      <a:r>
+                        <a:rPr lang="en"/>
+                        <a:t>Visualization</a:t>
+                      </a:r>
+                      <a:endParaRPr/>
+                    </a:p>
+                  </a:txBody>
+                  <a:tcPr marT="91425" marB="91425" marR="91425" marL="91425" anchor="ctr">
+                    <a:lnL cap="flat" cmpd="sng" w="38100">
+                      <a:solidFill>
+                        <a:schemeClr val="lt1"/>
+                      </a:solidFill>
+                      <a:prstDash val="solid"/>
+                      <a:round/>
+                      <a:headEnd len="sm" w="sm" type="none"/>
+                      <a:tailEnd len="sm" w="sm" type="none"/>
+                    </a:lnL>
+                    <a:lnR cap="flat" cmpd="sng" w="38100">
+                      <a:solidFill>
+                        <a:schemeClr val="lt1"/>
+                      </a:solidFill>
+                      <a:prstDash val="solid"/>
+                      <a:round/>
+                      <a:headEnd len="sm" w="sm" type="none"/>
+                      <a:tailEnd len="sm" w="sm" type="none"/>
+                    </a:lnR>
+                    <a:lnT cap="flat" cmpd="sng" w="38100">
+                      <a:solidFill>
+                        <a:schemeClr val="lt1"/>
+                      </a:solidFill>
+                      <a:prstDash val="solid"/>
+                      <a:round/>
+                      <a:headEnd len="sm" w="sm" type="none"/>
+                      <a:tailEnd len="sm" w="sm" type="none"/>
+                    </a:lnT>
+                    <a:lnB cap="flat" cmpd="sng" w="38100">
+                      <a:solidFill>
+                        <a:schemeClr val="lt1"/>
+                      </a:solidFill>
+                      <a:prstDash val="solid"/>
+                      <a:round/>
+                      <a:headEnd len="sm" w="sm" type="none"/>
+                      <a:tailEnd len="sm" w="sm" type="none"/>
+                    </a:lnB>
+                    <a:solidFill>
+                      <a:schemeClr val="lt1"/>
+                    </a:solidFill>
+                  </a:tcPr>
+                </a:tc>
+              </a:tr>
+              <a:tr h="457200">
+                <a:tc>
+                  <a:txBody>
+                    <a:bodyPr/>
+                    <a:lstStyle/>
+                    <a:p>
+                      <a:pPr indent="0" lvl="0" marL="0" rtl="0" algn="l">
+                        <a:spcBef>
+                          <a:spcPts val="0"/>
+                        </a:spcBef>
+                        <a:spcAft>
+                          <a:spcPts val="0"/>
+                        </a:spcAft>
+                        <a:buNone/>
+                      </a:pPr>
+                      <a:r>
+                        <a:rPr lang="en"/>
+                        <a:t>Formal analysis</a:t>
+                      </a:r>
+                      <a:endParaRPr/>
+                    </a:p>
+                  </a:txBody>
+                  <a:tcPr marT="91425" marB="91425" marR="91425" marL="91425" anchor="ctr">
+                    <a:lnL cap="flat" cmpd="sng" w="38100">
+                      <a:solidFill>
+                        <a:schemeClr val="lt1"/>
+                      </a:solidFill>
+                      <a:prstDash val="solid"/>
+                      <a:round/>
+                      <a:headEnd len="sm" w="sm" type="none"/>
+                      <a:tailEnd len="sm" w="sm" type="none"/>
+                    </a:lnL>
+                    <a:lnR cap="flat" cmpd="sng" w="38100">
+                      <a:solidFill>
+                        <a:schemeClr val="lt1"/>
+                      </a:solidFill>
+                      <a:prstDash val="solid"/>
+                      <a:round/>
+                      <a:headEnd len="sm" w="sm" type="none"/>
+                      <a:tailEnd len="sm" w="sm" type="none"/>
+                    </a:lnR>
+                    <a:lnT cap="flat" cmpd="sng" w="38100">
+                      <a:solidFill>
+                        <a:schemeClr val="lt1"/>
+                      </a:solidFill>
+                      <a:prstDash val="solid"/>
+                      <a:round/>
+                      <a:headEnd len="sm" w="sm" type="none"/>
+                      <a:tailEnd len="sm" w="sm" type="none"/>
+                    </a:lnT>
+                    <a:lnB cap="flat" cmpd="sng" w="38100">
+                      <a:solidFill>
+                        <a:schemeClr val="lt1"/>
+                      </a:solidFill>
+                      <a:prstDash val="solid"/>
+                      <a:round/>
+                      <a:headEnd len="sm" w="sm" type="none"/>
+                      <a:tailEnd len="sm" w="sm" type="none"/>
+                    </a:lnB>
+                    <a:solidFill>
+                      <a:schemeClr val="accent1"/>
+                    </a:solidFill>
+                  </a:tcPr>
+                </a:tc>
+                <a:tc>
+                  <a:txBody>
+                    <a:bodyPr/>
+                    <a:lstStyle/>
+                    <a:p>
+                      <a:pPr indent="0" lvl="0" marL="0" rtl="0" algn="l">
+                        <a:spcBef>
+                          <a:spcPts val="0"/>
+                        </a:spcBef>
+                        <a:spcAft>
+                          <a:spcPts val="0"/>
+                        </a:spcAft>
+                        <a:buNone/>
+                      </a:pPr>
+                      <a:r>
+                        <a:rPr lang="en"/>
+                        <a:t>Resources</a:t>
+                      </a:r>
+                      <a:endParaRPr/>
+                    </a:p>
+                  </a:txBody>
+                  <a:tcPr marT="91425" marB="91425" marR="91425" marL="91425" anchor="ctr">
+                    <a:lnL cap="flat" cmpd="sng" w="38100">
+                      <a:solidFill>
+                        <a:schemeClr val="lt1"/>
+                      </a:solidFill>
+                      <a:prstDash val="solid"/>
+                      <a:round/>
+                      <a:headEnd len="sm" w="sm" type="none"/>
+                      <a:tailEnd len="sm" w="sm" type="none"/>
+                    </a:lnL>
+                    <a:lnR cap="flat" cmpd="sng" w="38100">
+                      <a:solidFill>
+                        <a:schemeClr val="lt1"/>
+                      </a:solidFill>
+                      <a:prstDash val="solid"/>
+                      <a:round/>
+                      <a:headEnd len="sm" w="sm" type="none"/>
+                      <a:tailEnd len="sm" w="sm" type="none"/>
+                    </a:lnR>
+                    <a:lnT cap="flat" cmpd="sng" w="38100">
+                      <a:solidFill>
+                        <a:schemeClr val="lt1"/>
+                      </a:solidFill>
+                      <a:prstDash val="solid"/>
+                      <a:round/>
+                      <a:headEnd len="sm" w="sm" type="none"/>
+                      <a:tailEnd len="sm" w="sm" type="none"/>
+                    </a:lnT>
+                    <a:lnB cap="flat" cmpd="sng" w="38100">
+                      <a:solidFill>
+                        <a:schemeClr val="lt1"/>
+                      </a:solidFill>
+                      <a:prstDash val="solid"/>
+                      <a:round/>
+                      <a:headEnd len="sm" w="sm" type="none"/>
+                      <a:tailEnd len="sm" w="sm" type="none"/>
+                    </a:lnB>
+                    <a:solidFill>
+                      <a:schemeClr val="accent1"/>
+                    </a:solidFill>
+                  </a:tcPr>
+                </a:tc>
+                <a:tc>
+                  <a:txBody>
+                    <a:bodyPr/>
+                    <a:lstStyle/>
+                    <a:p>
+                      <a:pPr indent="0" lvl="0" marL="0" rtl="0" algn="l">
+                        <a:spcBef>
+                          <a:spcPts val="0"/>
+                        </a:spcBef>
+                        <a:spcAft>
+                          <a:spcPts val="0"/>
+                        </a:spcAft>
+                        <a:buNone/>
+                      </a:pPr>
+                      <a:r>
+                        <a:rPr lang="en"/>
+                        <a:t>Writing (original draft)</a:t>
+                      </a:r>
+                      <a:endParaRPr/>
+                    </a:p>
+                  </a:txBody>
+                  <a:tcPr marT="91425" marB="91425" marR="91425" marL="91425" anchor="ctr">
+                    <a:lnL cap="flat" cmpd="sng" w="38100">
+                      <a:solidFill>
+                        <a:schemeClr val="lt1"/>
+                      </a:solidFill>
+                      <a:prstDash val="solid"/>
+                      <a:round/>
+                      <a:headEnd len="sm" w="sm" type="none"/>
+                      <a:tailEnd len="sm" w="sm" type="none"/>
+                    </a:lnL>
+                    <a:lnR cap="flat" cmpd="sng" w="38100">
+                      <a:solidFill>
+                        <a:schemeClr val="lt1"/>
+                      </a:solidFill>
+                      <a:prstDash val="solid"/>
+                      <a:round/>
+                      <a:headEnd len="sm" w="sm" type="none"/>
+                      <a:tailEnd len="sm" w="sm" type="none"/>
+                    </a:lnR>
+                    <a:lnT cap="flat" cmpd="sng" w="38100">
+                      <a:solidFill>
+                        <a:schemeClr val="lt1"/>
+                      </a:solidFill>
+                      <a:prstDash val="solid"/>
+                      <a:round/>
+                      <a:headEnd len="sm" w="sm" type="none"/>
+                      <a:tailEnd len="sm" w="sm" type="none"/>
+                    </a:lnT>
+                    <a:lnB cap="flat" cmpd="sng" w="38100">
+                      <a:solidFill>
+                        <a:schemeClr val="lt1"/>
+                      </a:solidFill>
+                      <a:prstDash val="solid"/>
+                      <a:round/>
+                      <a:headEnd len="sm" w="sm" type="none"/>
+                      <a:tailEnd len="sm" w="sm" type="none"/>
+                    </a:lnB>
+                    <a:solidFill>
+                      <a:schemeClr val="accent1"/>
+                    </a:solidFill>
+                  </a:tcPr>
+                </a:tc>
+              </a:tr>
+              <a:tr h="457200">
+                <a:tc>
+                  <a:txBody>
+                    <a:bodyPr/>
+                    <a:lstStyle/>
+                    <a:p>
+                      <a:pPr indent="0" lvl="0" marL="0" rtl="0" algn="l">
+                        <a:spcBef>
+                          <a:spcPts val="0"/>
+                        </a:spcBef>
+                        <a:spcAft>
+                          <a:spcPts val="0"/>
+                        </a:spcAft>
+                        <a:buNone/>
+                      </a:pPr>
+                      <a:r>
+                        <a:rPr lang="en"/>
+                        <a:t>Funding acquisition</a:t>
+                      </a:r>
+                      <a:endParaRPr/>
+                    </a:p>
+                  </a:txBody>
+                  <a:tcPr marT="91425" marB="91425" marR="91425" marL="91425" anchor="ctr">
+                    <a:lnL cap="flat" cmpd="sng" w="38100">
+                      <a:solidFill>
+                        <a:schemeClr val="lt1"/>
+                      </a:solidFill>
+                      <a:prstDash val="solid"/>
+                      <a:round/>
+                      <a:headEnd len="sm" w="sm" type="none"/>
+                      <a:tailEnd len="sm" w="sm" type="none"/>
+                    </a:lnL>
+                    <a:lnR cap="flat" cmpd="sng" w="38100">
+                      <a:solidFill>
+                        <a:schemeClr val="lt1"/>
+                      </a:solidFill>
+                      <a:prstDash val="solid"/>
+                      <a:round/>
+                      <a:headEnd len="sm" w="sm" type="none"/>
+                      <a:tailEnd len="sm" w="sm" type="none"/>
+                    </a:lnR>
+                    <a:lnT cap="flat" cmpd="sng" w="38100">
+                      <a:solidFill>
+                        <a:schemeClr val="lt1"/>
+                      </a:solidFill>
+                      <a:prstDash val="solid"/>
+                      <a:round/>
+                      <a:headEnd len="sm" w="sm" type="none"/>
+                      <a:tailEnd len="sm" w="sm" type="none"/>
+                    </a:lnT>
+                    <a:lnB cap="flat" cmpd="sng" w="38100">
+                      <a:solidFill>
+                        <a:schemeClr val="lt1"/>
+                      </a:solidFill>
+                      <a:prstDash val="solid"/>
+                      <a:round/>
+                      <a:headEnd len="sm" w="sm" type="none"/>
+                      <a:tailEnd len="sm" w="sm" type="none"/>
+                    </a:lnB>
+                    <a:solidFill>
+                      <a:schemeClr val="lt1"/>
+                    </a:solidFill>
+                  </a:tcPr>
+                </a:tc>
+                <a:tc>
+                  <a:txBody>
+                    <a:bodyPr/>
+                    <a:lstStyle/>
+                    <a:p>
+                      <a:pPr indent="0" lvl="0" marL="0" rtl="0" algn="l">
+                        <a:spcBef>
+                          <a:spcPts val="0"/>
+                        </a:spcBef>
+                        <a:spcAft>
+                          <a:spcPts val="0"/>
+                        </a:spcAft>
+                        <a:buNone/>
+                      </a:pPr>
+                      <a:r>
+                        <a:rPr lang="en"/>
+                        <a:t>Software</a:t>
+                      </a:r>
+                      <a:endParaRPr/>
+                    </a:p>
+                  </a:txBody>
+                  <a:tcPr marT="91425" marB="91425" marR="91425" marL="91425" anchor="ctr">
+                    <a:lnL cap="flat" cmpd="sng" w="38100">
+                      <a:solidFill>
+                        <a:schemeClr val="lt1"/>
+                      </a:solidFill>
+                      <a:prstDash val="solid"/>
+                      <a:round/>
+                      <a:headEnd len="sm" w="sm" type="none"/>
+                      <a:tailEnd len="sm" w="sm" type="none"/>
+                    </a:lnL>
+                    <a:lnR cap="flat" cmpd="sng" w="38100">
+                      <a:solidFill>
+                        <a:schemeClr val="lt1"/>
+                      </a:solidFill>
+                      <a:prstDash val="solid"/>
+                      <a:round/>
+                      <a:headEnd len="sm" w="sm" type="none"/>
+                      <a:tailEnd len="sm" w="sm" type="none"/>
+                    </a:lnR>
+                    <a:lnT cap="flat" cmpd="sng" w="38100">
+                      <a:solidFill>
+                        <a:schemeClr val="lt1"/>
+                      </a:solidFill>
+                      <a:prstDash val="solid"/>
+                      <a:round/>
+                      <a:headEnd len="sm" w="sm" type="none"/>
+                      <a:tailEnd len="sm" w="sm" type="none"/>
+                    </a:lnT>
+                    <a:lnB cap="flat" cmpd="sng" w="38100">
+                      <a:solidFill>
+                        <a:schemeClr val="lt1"/>
+                      </a:solidFill>
+                      <a:prstDash val="solid"/>
+                      <a:round/>
+                      <a:headEnd len="sm" w="sm" type="none"/>
+                      <a:tailEnd len="sm" w="sm" type="none"/>
+                    </a:lnB>
+                    <a:solidFill>
+                      <a:schemeClr val="lt1"/>
+                    </a:solidFill>
+                  </a:tcPr>
+                </a:tc>
+                <a:tc>
+                  <a:txBody>
+                    <a:bodyPr/>
+                    <a:lstStyle/>
+                    <a:p>
+                      <a:pPr indent="0" lvl="0" marL="0" rtl="0" algn="l">
+                        <a:spcBef>
+                          <a:spcPts val="0"/>
+                        </a:spcBef>
+                        <a:spcAft>
+                          <a:spcPts val="0"/>
+                        </a:spcAft>
+                        <a:buNone/>
+                      </a:pPr>
+                      <a:r>
+                        <a:rPr lang="en"/>
+                        <a:t>Writing (review and editing)</a:t>
+                      </a:r>
+                      <a:endParaRPr/>
+                    </a:p>
+                  </a:txBody>
+                  <a:tcPr marT="91425" marB="91425" marR="91425" marL="91425" anchor="ctr">
+                    <a:lnL cap="flat" cmpd="sng" w="38100">
+                      <a:solidFill>
+                        <a:schemeClr val="lt1"/>
+                      </a:solidFill>
+                      <a:prstDash val="solid"/>
+                      <a:round/>
+                      <a:headEnd len="sm" w="sm" type="none"/>
+                      <a:tailEnd len="sm" w="sm" type="none"/>
+                    </a:lnL>
+                    <a:lnR cap="flat" cmpd="sng" w="38100">
+                      <a:solidFill>
+                        <a:schemeClr val="lt1"/>
+                      </a:solidFill>
+                      <a:prstDash val="solid"/>
+                      <a:round/>
+                      <a:headEnd len="sm" w="sm" type="none"/>
+                      <a:tailEnd len="sm" w="sm" type="none"/>
+                    </a:lnR>
+                    <a:lnT cap="flat" cmpd="sng" w="38100">
+                      <a:solidFill>
+                        <a:schemeClr val="lt1"/>
+                      </a:solidFill>
+                      <a:prstDash val="solid"/>
+                      <a:round/>
+                      <a:headEnd len="sm" w="sm" type="none"/>
+                      <a:tailEnd len="sm" w="sm" type="none"/>
+                    </a:lnT>
+                    <a:lnB cap="flat" cmpd="sng" w="38100">
+                      <a:solidFill>
+                        <a:schemeClr val="lt1"/>
+                      </a:solidFill>
+                      <a:prstDash val="solid"/>
+                      <a:round/>
+                      <a:headEnd len="sm" w="sm" type="none"/>
+                      <a:tailEnd len="sm" w="sm" type="none"/>
+                    </a:lnB>
+                    <a:solidFill>
+                      <a:schemeClr val="lt1"/>
+                    </a:solidFill>
+                  </a:tcPr>
+                </a:tc>
+              </a:tr>
+              <a:tr h="457200">
+                <a:tc>
+                  <a:txBody>
+                    <a:bodyPr/>
+                    <a:lstStyle/>
+                    <a:p>
+                      <a:pPr indent="0" lvl="0" marL="0" rtl="0" algn="l">
+                        <a:spcBef>
+                          <a:spcPts val="0"/>
+                        </a:spcBef>
+                        <a:spcAft>
+                          <a:spcPts val="0"/>
+                        </a:spcAft>
+                        <a:buNone/>
+                      </a:pPr>
+                      <a:r>
+                        <a:rPr lang="en"/>
+                        <a:t>Investigation</a:t>
+                      </a:r>
+                      <a:endParaRPr/>
+                    </a:p>
+                  </a:txBody>
+                  <a:tcPr marT="91425" marB="91425" marR="91425" marL="91425" anchor="ctr">
+                    <a:lnL cap="flat" cmpd="sng" w="38100">
+                      <a:solidFill>
+                        <a:schemeClr val="lt1"/>
+                      </a:solidFill>
+                      <a:prstDash val="solid"/>
+                      <a:round/>
+                      <a:headEnd len="sm" w="sm" type="none"/>
+                      <a:tailEnd len="sm" w="sm" type="none"/>
+                    </a:lnL>
+                    <a:lnR cap="flat" cmpd="sng" w="38100">
+                      <a:solidFill>
+                        <a:schemeClr val="lt1"/>
+                      </a:solidFill>
+                      <a:prstDash val="solid"/>
+                      <a:round/>
+                      <a:headEnd len="sm" w="sm" type="none"/>
+                      <a:tailEnd len="sm" w="sm" type="none"/>
+                    </a:lnR>
+                    <a:lnT cap="flat" cmpd="sng" w="38100">
+                      <a:solidFill>
+                        <a:schemeClr val="lt1"/>
+                      </a:solidFill>
+                      <a:prstDash val="solid"/>
+                      <a:round/>
+                      <a:headEnd len="sm" w="sm" type="none"/>
+                      <a:tailEnd len="sm" w="sm" type="none"/>
+                    </a:lnT>
+                    <a:lnB cap="flat" cmpd="sng" w="38100">
+                      <a:solidFill>
+                        <a:schemeClr val="lt1"/>
+                      </a:solidFill>
+                      <a:prstDash val="solid"/>
+                      <a:round/>
+                      <a:headEnd len="sm" w="sm" type="none"/>
+                      <a:tailEnd len="sm" w="sm" type="none"/>
+                    </a:lnB>
+                    <a:solidFill>
+                      <a:schemeClr val="accent1"/>
+                    </a:solidFill>
+                  </a:tcPr>
+                </a:tc>
+                <a:tc>
+                  <a:txBody>
+                    <a:bodyPr/>
+                    <a:lstStyle/>
+                    <a:p>
+                      <a:pPr indent="0" lvl="0" marL="0" rtl="0" algn="l">
+                        <a:spcBef>
+                          <a:spcPts val="0"/>
+                        </a:spcBef>
+                        <a:spcAft>
+                          <a:spcPts val="0"/>
+                        </a:spcAft>
+                        <a:buNone/>
+                      </a:pPr>
+                      <a:r>
+                        <a:rPr lang="en"/>
+                        <a:t>Supervision</a:t>
+                      </a:r>
+                      <a:endParaRPr/>
+                    </a:p>
+                  </a:txBody>
+                  <a:tcPr marT="91425" marB="91425" marR="91425" marL="91425" anchor="ctr">
+                    <a:lnL cap="flat" cmpd="sng" w="38100">
+                      <a:solidFill>
+                        <a:schemeClr val="lt1"/>
+                      </a:solidFill>
+                      <a:prstDash val="solid"/>
+                      <a:round/>
+                      <a:headEnd len="sm" w="sm" type="none"/>
+                      <a:tailEnd len="sm" w="sm" type="none"/>
+                    </a:lnL>
+                    <a:lnR cap="flat" cmpd="sng" w="38100">
+                      <a:solidFill>
+                        <a:schemeClr val="lt1"/>
+                      </a:solidFill>
+                      <a:prstDash val="solid"/>
+                      <a:round/>
+                      <a:headEnd len="sm" w="sm" type="none"/>
+                      <a:tailEnd len="sm" w="sm" type="none"/>
+                    </a:lnR>
+                    <a:lnT cap="flat" cmpd="sng" w="38100">
+                      <a:solidFill>
+                        <a:schemeClr val="lt1"/>
+                      </a:solidFill>
+                      <a:prstDash val="solid"/>
+                      <a:round/>
+                      <a:headEnd len="sm" w="sm" type="none"/>
+                      <a:tailEnd len="sm" w="sm" type="none"/>
+                    </a:lnT>
+                    <a:lnB cap="flat" cmpd="sng" w="38100">
+                      <a:solidFill>
+                        <a:schemeClr val="lt1"/>
+                      </a:solidFill>
+                      <a:prstDash val="solid"/>
+                      <a:round/>
+                      <a:headEnd len="sm" w="sm" type="none"/>
+                      <a:tailEnd len="sm" w="sm" type="none"/>
+                    </a:lnB>
+                    <a:solidFill>
+                      <a:schemeClr val="accent1"/>
+                    </a:solidFill>
+                  </a:tcPr>
+                </a:tc>
+                <a:tc>
+                  <a:txBody>
+                    <a:bodyPr/>
+                    <a:lstStyle/>
+                    <a:p>
+                      <a:pPr indent="0" lvl="0" marL="0" rtl="0" algn="l">
+                        <a:spcBef>
+                          <a:spcPts val="0"/>
+                        </a:spcBef>
+                        <a:spcAft>
+                          <a:spcPts val="0"/>
+                        </a:spcAft>
+                        <a:buNone/>
+                      </a:pPr>
+                      <a:r>
+                        <a:t/>
+                      </a:r>
+                      <a:endParaRPr/>
+                    </a:p>
+                  </a:txBody>
+                  <a:tcPr marT="91425" marB="91425" marR="91425" marL="91425" anchor="ctr">
+                    <a:lnL cap="flat" cmpd="sng" w="38100">
+                      <a:solidFill>
+                        <a:schemeClr val="lt1"/>
+                      </a:solidFill>
+                      <a:prstDash val="solid"/>
+                      <a:round/>
+                      <a:headEnd len="sm" w="sm" type="none"/>
+                      <a:tailEnd len="sm" w="sm" type="none"/>
+                    </a:lnL>
+                    <a:lnR cap="flat" cmpd="sng" w="38100">
+                      <a:solidFill>
+                        <a:schemeClr val="lt1"/>
+                      </a:solidFill>
+                      <a:prstDash val="solid"/>
+                      <a:round/>
+                      <a:headEnd len="sm" w="sm" type="none"/>
+                      <a:tailEnd len="sm" w="sm" type="none"/>
+                    </a:lnR>
+                    <a:lnT cap="flat" cmpd="sng" w="38100">
+                      <a:solidFill>
+                        <a:schemeClr val="lt1"/>
+                      </a:solidFill>
+                      <a:prstDash val="solid"/>
+                      <a:round/>
+                      <a:headEnd len="sm" w="sm" type="none"/>
+                      <a:tailEnd len="sm" w="sm" type="none"/>
+                    </a:lnT>
+                    <a:lnB cap="flat" cmpd="sng" w="38100">
+                      <a:solidFill>
+                        <a:schemeClr val="lt1"/>
+                      </a:solidFill>
+                      <a:prstDash val="solid"/>
+                      <a:round/>
+                      <a:headEnd len="sm" w="sm" type="none"/>
+                      <a:tailEnd len="sm" w="sm" type="none"/>
+                    </a:lnB>
+                    <a:solidFill>
+                      <a:schemeClr val="accent1"/>
+                    </a:solidFill>
+                  </a:tcPr>
+                </a:tc>
+              </a:tr>
+            </a:tbl>
+          </a:graphicData>
+        </a:graphic>
+      </p:graphicFrame>
     </p:spTree>
   </p:cSld>
   <p:clrMapOvr>
@@ -11199,7 +12277,7 @@
   <p:cSld>
     <p:spTree>
       <p:nvGrpSpPr>
-        <p:cNvPr id="130" name="Shape 130"/>
+        <p:cNvPr id="132" name="Shape 132"/>
         <p:cNvGrpSpPr/>
         <p:nvPr/>
       </p:nvGrpSpPr>
@@ -11213,7 +12291,7 @@
       </p:grpSpPr>
       <p:sp>
         <p:nvSpPr>
-          <p:cNvPr id="131" name="Google Shape;131;p22"/>
+          <p:cNvPr id="133" name="Google Shape;133;p22"/>
           <p:cNvSpPr txBox="1"/>
           <p:nvPr>
             <p:ph type="title"/>
@@ -11253,7 +12331,7 @@
       </p:sp>
       <p:sp>
         <p:nvSpPr>
-          <p:cNvPr id="132" name="Google Shape;132;p22"/>
+          <p:cNvPr id="134" name="Google Shape;134;p22"/>
           <p:cNvSpPr txBox="1"/>
           <p:nvPr>
             <p:ph idx="1" type="body"/>
@@ -11343,7 +12421,7 @@
       </p:sp>
       <p:sp>
         <p:nvSpPr>
-          <p:cNvPr id="133" name="Google Shape;133;p22"/>
+          <p:cNvPr id="135" name="Google Shape;135;p22"/>
           <p:cNvSpPr txBox="1"/>
           <p:nvPr>
             <p:ph idx="12" type="sldNum"/>
@@ -11351,8 +12429,8 @@
         </p:nvSpPr>
         <p:spPr>
           <a:xfrm>
-            <a:off x="7315202" y="4416550"/>
-            <a:ext cx="1828800" cy="731400"/>
+            <a:off x="7315209" y="4229101"/>
+            <a:ext cx="1828800" cy="914400"/>
           </a:xfrm>
           <a:prstGeom prst="rect">
             <a:avLst/>
@@ -11390,27 +12468,19 @@
               <a:buNone/>
             </a:pPr>
             <a:r>
-              <a:rPr b="0" lang="en" sz="900" u="sng">
+              <a:rPr b="0" lang="en" sz="1000" u="sng">
                 <a:solidFill>
                   <a:schemeClr val="hlink"/>
                 </a:solidFill>
                 <a:hlinkClick r:id="rId3"/>
               </a:rPr>
-              <a:t>https://profriehle.com</a:t>
-            </a:r>
-            <a:r>
-              <a:rPr b="0" lang="en" sz="900">
-                <a:solidFill>
-                  <a:schemeClr val="dk2"/>
-                </a:solidFill>
-              </a:rPr>
+              <a:t>uni1.de/nyt</a:t>
+            </a:r>
+            <a:r>
+              <a:rPr b="0" lang="en" sz="1000"/>
               <a:t> </a:t>
             </a:r>
-            <a:endParaRPr b="0" sz="900">
-              <a:solidFill>
-                <a:schemeClr val="dk2"/>
-              </a:solidFill>
-            </a:endParaRPr>
+            <a:endParaRPr b="0" sz="1000"/>
           </a:p>
         </p:txBody>
       </p:sp>
@@ -11427,7 +12497,7 @@
   <p:cSld>
     <p:spTree>
       <p:nvGrpSpPr>
-        <p:cNvPr id="137" name="Shape 137"/>
+        <p:cNvPr id="139" name="Shape 139"/>
         <p:cNvGrpSpPr/>
         <p:nvPr/>
       </p:nvGrpSpPr>
@@ -11441,7 +12511,7 @@
       </p:grpSpPr>
       <p:sp>
         <p:nvSpPr>
-          <p:cNvPr id="138" name="Google Shape;138;p23"/>
+          <p:cNvPr id="140" name="Google Shape;140;p23"/>
           <p:cNvSpPr txBox="1"/>
           <p:nvPr>
             <p:ph type="title"/>
@@ -11481,7 +12551,7 @@
       </p:sp>
       <p:sp>
         <p:nvSpPr>
-          <p:cNvPr id="139" name="Google Shape;139;p23"/>
+          <p:cNvPr id="141" name="Google Shape;141;p23"/>
           <p:cNvSpPr txBox="1"/>
           <p:nvPr>
             <p:ph idx="1" type="body"/>
@@ -11606,7 +12676,7 @@
       </p:sp>
       <p:sp>
         <p:nvSpPr>
-          <p:cNvPr id="140" name="Google Shape;140;p23"/>
+          <p:cNvPr id="142" name="Google Shape;142;p23"/>
           <p:cNvSpPr txBox="1"/>
           <p:nvPr>
             <p:ph idx="12" type="sldNum"/>
@@ -11614,8 +12684,8 @@
         </p:nvSpPr>
         <p:spPr>
           <a:xfrm>
-            <a:off x="7315202" y="4416550"/>
-            <a:ext cx="1828800" cy="731400"/>
+            <a:off x="7315209" y="4229101"/>
+            <a:ext cx="1828800" cy="914400"/>
           </a:xfrm>
           <a:prstGeom prst="rect">
             <a:avLst/>
@@ -11653,33 +12723,25 @@
               <a:buNone/>
             </a:pPr>
             <a:r>
-              <a:rPr b="0" lang="en" sz="900" u="sng">
+              <a:rPr b="0" lang="en" sz="1000" u="sng">
                 <a:solidFill>
                   <a:schemeClr val="hlink"/>
                 </a:solidFill>
                 <a:hlinkClick r:id="rId3"/>
               </a:rPr>
-              <a:t>https://profriehle.com</a:t>
-            </a:r>
-            <a:r>
-              <a:rPr b="0" lang="en" sz="900">
-                <a:solidFill>
-                  <a:schemeClr val="dk2"/>
-                </a:solidFill>
-              </a:rPr>
+              <a:t>uni1.de/nyt</a:t>
+            </a:r>
+            <a:r>
+              <a:rPr b="0" lang="en" sz="1000"/>
               <a:t> </a:t>
             </a:r>
-            <a:endParaRPr>
-              <a:solidFill>
-                <a:schemeClr val="dk2"/>
-              </a:solidFill>
-            </a:endParaRPr>
+            <a:endParaRPr b="0" sz="1000"/>
           </a:p>
         </p:txBody>
       </p:sp>
       <p:sp>
         <p:nvSpPr>
-          <p:cNvPr id="141" name="Google Shape;141;p23"/>
+          <p:cNvPr id="143" name="Google Shape;143;p23"/>
           <p:cNvSpPr txBox="1"/>
           <p:nvPr>
             <p:ph idx="2" type="body"/>
@@ -11727,7 +12789,7 @@
                 <a:cs typeface="Courier New"/>
                 <a:sym typeface="Courier New"/>
               </a:rPr>
-              <a:t>(1) Open-source software is available for free and many companies use it in their software.</a:t>
+              <a:t>(1) Open-source software is available for free and many companies use it in their products.</a:t>
             </a:r>
             <a:endParaRPr sz="1200">
               <a:latin typeface="Courier New"/>
@@ -11761,7 +12823,7 @@
                 <a:cs typeface="Courier New"/>
                 <a:sym typeface="Courier New"/>
               </a:rPr>
-              <a:t>(2) However, managers worry that open source is only a temporary phenomenon and will go away, leaving them with abandoned software components that nobody is maintaining.</a:t>
+              <a:t>(2) However, many managers worry that open source is only a temporary phenomenon and will go away, leaving them with abandoned software components that nobody is maintaining.</a:t>
             </a:r>
             <a:endParaRPr sz="1200">
               <a:latin typeface="Courier New"/>
@@ -11907,7 +12969,7 @@
   <p:cSld>
     <p:spTree>
       <p:nvGrpSpPr>
-        <p:cNvPr id="145" name="Shape 145"/>
+        <p:cNvPr id="147" name="Shape 147"/>
         <p:cNvGrpSpPr/>
         <p:nvPr/>
       </p:nvGrpSpPr>
@@ -11921,7 +12983,7 @@
       </p:grpSpPr>
       <p:sp>
         <p:nvSpPr>
-          <p:cNvPr id="146" name="Google Shape;146;p24"/>
+          <p:cNvPr id="148" name="Google Shape;148;p24"/>
           <p:cNvSpPr txBox="1"/>
           <p:nvPr>
             <p:ph type="title"/>
@@ -11953,7 +13015,7 @@
             </a:pPr>
             <a:r>
               <a:rPr lang="en"/>
-              <a:t>Beck’s Four-Sentence Abstract</a:t>
+              <a:t>Beck’s Four-Sentence Abstract [1]</a:t>
             </a:r>
             <a:endParaRPr/>
           </a:p>
@@ -11961,7 +13023,7 @@
       </p:sp>
       <p:sp>
         <p:nvSpPr>
-          <p:cNvPr id="147" name="Google Shape;147;p24"/>
+          <p:cNvPr id="149" name="Google Shape;149;p24"/>
           <p:cNvSpPr txBox="1"/>
           <p:nvPr>
             <p:ph idx="1" type="body"/>
@@ -12069,7 +13131,7 @@
       </p:sp>
       <p:sp>
         <p:nvSpPr>
-          <p:cNvPr id="148" name="Google Shape;148;p24"/>
+          <p:cNvPr id="150" name="Google Shape;150;p24"/>
           <p:cNvSpPr txBox="1"/>
           <p:nvPr>
             <p:ph idx="12" type="sldNum"/>
@@ -12077,8 +13139,8 @@
         </p:nvSpPr>
         <p:spPr>
           <a:xfrm>
-            <a:off x="7315202" y="4416550"/>
-            <a:ext cx="1828800" cy="731400"/>
+            <a:off x="7315209" y="4229101"/>
+            <a:ext cx="1828800" cy="914400"/>
           </a:xfrm>
           <a:prstGeom prst="rect">
             <a:avLst/>
@@ -12116,33 +13178,25 @@
               <a:buNone/>
             </a:pPr>
             <a:r>
-              <a:rPr b="0" lang="en" sz="900" u="sng">
+              <a:rPr b="0" lang="en" sz="1000" u="sng">
                 <a:solidFill>
                   <a:schemeClr val="hlink"/>
                 </a:solidFill>
                 <a:hlinkClick r:id="rId3"/>
               </a:rPr>
-              <a:t>https://profriehle.com</a:t>
-            </a:r>
-            <a:r>
-              <a:rPr b="0" lang="en" sz="900">
-                <a:solidFill>
-                  <a:schemeClr val="dk2"/>
-                </a:solidFill>
-              </a:rPr>
+              <a:t>uni1.de/nyt</a:t>
+            </a:r>
+            <a:r>
+              <a:rPr b="0" lang="en" sz="1000"/>
               <a:t> </a:t>
             </a:r>
-            <a:endParaRPr>
-              <a:solidFill>
-                <a:schemeClr val="dk2"/>
-              </a:solidFill>
-            </a:endParaRPr>
+            <a:endParaRPr b="0" sz="1000"/>
           </a:p>
         </p:txBody>
       </p:sp>
       <p:sp>
         <p:nvSpPr>
-          <p:cNvPr id="149" name="Google Shape;149;p24"/>
+          <p:cNvPr id="151" name="Google Shape;151;p24"/>
           <p:cNvSpPr txBox="1"/>
           <p:nvPr>
             <p:ph idx="2" type="body"/>
@@ -12280,6 +13334,48 @@
               <a:cs typeface="Courier New"/>
               <a:sym typeface="Courier New"/>
             </a:endParaRPr>
+          </a:p>
+        </p:txBody>
+      </p:sp>
+      <p:sp>
+        <p:nvSpPr>
+          <p:cNvPr id="152" name="Google Shape;152;p24"/>
+          <p:cNvSpPr txBox="1"/>
+          <p:nvPr/>
+        </p:nvSpPr>
+        <p:spPr>
+          <a:xfrm>
+            <a:off x="0" y="4233672"/>
+            <a:ext cx="7315200" cy="914400"/>
+          </a:xfrm>
+          <a:prstGeom prst="rect">
+            <a:avLst/>
+          </a:prstGeom>
+          <a:noFill/>
+          <a:ln>
+            <a:noFill/>
+          </a:ln>
+        </p:spPr>
+        <p:txBody>
+          <a:bodyPr anchorCtr="0" anchor="b" bIns="91425" lIns="91425" spcFirstLastPara="1" rIns="91425" wrap="square" tIns="91425">
+            <a:noAutofit/>
+          </a:bodyPr>
+          <a:lstStyle/>
+          <a:p>
+            <a:pPr indent="0" lvl="0" marL="0" rtl="0" algn="l">
+              <a:spcBef>
+                <a:spcPts val="0"/>
+              </a:spcBef>
+              <a:spcAft>
+                <a:spcPts val="0"/>
+              </a:spcAft>
+              <a:buNone/>
+            </a:pPr>
+            <a:r>
+              <a:rPr lang="en"/>
+              <a:t>[1] Johnson, R.E. et al. (1993): How to get a paper accepted at OOPSLA.</a:t>
+            </a:r>
+            <a:endParaRPr/>
           </a:p>
         </p:txBody>
       </p:sp>
@@ -12296,7 +13392,7 @@
   <p:cSld>
     <p:spTree>
       <p:nvGrpSpPr>
-        <p:cNvPr id="153" name="Shape 153"/>
+        <p:cNvPr id="156" name="Shape 156"/>
         <p:cNvGrpSpPr/>
         <p:nvPr/>
       </p:nvGrpSpPr>
@@ -12310,7 +13406,7 @@
       </p:grpSpPr>
       <p:sp>
         <p:nvSpPr>
-          <p:cNvPr id="154" name="Google Shape;154;p25"/>
+          <p:cNvPr id="157" name="Google Shape;157;p25"/>
           <p:cNvSpPr txBox="1"/>
           <p:nvPr>
             <p:ph type="title"/>
@@ -12350,7 +13446,7 @@
       </p:sp>
       <p:sp>
         <p:nvSpPr>
-          <p:cNvPr id="155" name="Google Shape;155;p25"/>
+          <p:cNvPr id="158" name="Google Shape;158;p25"/>
           <p:cNvSpPr txBox="1"/>
           <p:nvPr>
             <p:ph idx="1" type="body"/>
@@ -12465,7 +13561,7 @@
       </p:sp>
       <p:sp>
         <p:nvSpPr>
-          <p:cNvPr id="156" name="Google Shape;156;p25"/>
+          <p:cNvPr id="159" name="Google Shape;159;p25"/>
           <p:cNvSpPr txBox="1"/>
           <p:nvPr>
             <p:ph idx="12" type="sldNum"/>
@@ -12473,8 +13569,8 @@
         </p:nvSpPr>
         <p:spPr>
           <a:xfrm>
-            <a:off x="7315202" y="4416550"/>
-            <a:ext cx="1828800" cy="731400"/>
+            <a:off x="7315209" y="4229101"/>
+            <a:ext cx="1828800" cy="914400"/>
           </a:xfrm>
           <a:prstGeom prst="rect">
             <a:avLst/>
@@ -12512,27 +13608,19 @@
               <a:buNone/>
             </a:pPr>
             <a:r>
-              <a:rPr b="0" lang="en" sz="900" u="sng">
+              <a:rPr b="0" lang="en" sz="1000" u="sng">
                 <a:solidFill>
                   <a:schemeClr val="hlink"/>
                 </a:solidFill>
                 <a:hlinkClick r:id="rId3"/>
               </a:rPr>
-              <a:t>https://profriehle.com</a:t>
-            </a:r>
-            <a:r>
-              <a:rPr b="0" lang="en" sz="900">
-                <a:solidFill>
-                  <a:schemeClr val="dk2"/>
-                </a:solidFill>
-              </a:rPr>
+              <a:t>uni1.de/nyt</a:t>
+            </a:r>
+            <a:r>
+              <a:rPr b="0" lang="en" sz="1000"/>
               <a:t> </a:t>
             </a:r>
-            <a:endParaRPr b="0" sz="900">
-              <a:solidFill>
-                <a:schemeClr val="dk2"/>
-              </a:solidFill>
-            </a:endParaRPr>
+            <a:endParaRPr b="0" sz="1000"/>
           </a:p>
         </p:txBody>
       </p:sp>
@@ -12549,7 +13637,7 @@
   <p:cSld>
     <p:spTree>
       <p:nvGrpSpPr>
-        <p:cNvPr id="160" name="Shape 160"/>
+        <p:cNvPr id="163" name="Shape 163"/>
         <p:cNvGrpSpPr/>
         <p:nvPr/>
       </p:nvGrpSpPr>
@@ -12563,7 +13651,7 @@
       </p:grpSpPr>
       <p:sp>
         <p:nvSpPr>
-          <p:cNvPr id="161" name="Google Shape;161;p26"/>
+          <p:cNvPr id="164" name="Google Shape;164;p26"/>
           <p:cNvSpPr txBox="1"/>
           <p:nvPr>
             <p:ph type="title"/>
@@ -12603,7 +13691,7 @@
       </p:sp>
       <p:sp>
         <p:nvSpPr>
-          <p:cNvPr id="162" name="Google Shape;162;p26"/>
+          <p:cNvPr id="165" name="Google Shape;165;p26"/>
           <p:cNvSpPr txBox="1"/>
           <p:nvPr>
             <p:ph idx="1" type="body"/>
@@ -12711,7 +13799,7 @@
       </p:sp>
       <p:sp>
         <p:nvSpPr>
-          <p:cNvPr id="163" name="Google Shape;163;p26"/>
+          <p:cNvPr id="166" name="Google Shape;166;p26"/>
           <p:cNvSpPr txBox="1"/>
           <p:nvPr>
             <p:ph idx="12" type="sldNum"/>
@@ -12719,8 +13807,8 @@
         </p:nvSpPr>
         <p:spPr>
           <a:xfrm>
-            <a:off x="7315202" y="4416550"/>
-            <a:ext cx="1828800" cy="731400"/>
+            <a:off x="7315209" y="4229101"/>
+            <a:ext cx="1828800" cy="914400"/>
           </a:xfrm>
           <a:prstGeom prst="rect">
             <a:avLst/>
@@ -12758,27 +13846,19 @@
               <a:buNone/>
             </a:pPr>
             <a:r>
-              <a:rPr b="0" lang="en" sz="900" u="sng">
+              <a:rPr b="0" lang="en" sz="1000" u="sng">
                 <a:solidFill>
                   <a:schemeClr val="hlink"/>
                 </a:solidFill>
                 <a:hlinkClick r:id="rId3"/>
               </a:rPr>
-              <a:t>https://profriehle.com</a:t>
-            </a:r>
-            <a:r>
-              <a:rPr b="0" lang="en" sz="900">
-                <a:solidFill>
-                  <a:schemeClr val="dk2"/>
-                </a:solidFill>
-              </a:rPr>
+              <a:t>uni1.de/nyt</a:t>
+            </a:r>
+            <a:r>
+              <a:rPr b="0" lang="en" sz="1000"/>
               <a:t> </a:t>
             </a:r>
-            <a:endParaRPr b="0" sz="900">
-              <a:solidFill>
-                <a:schemeClr val="dk2"/>
-              </a:solidFill>
-            </a:endParaRPr>
+            <a:endParaRPr b="0" sz="1000"/>
           </a:p>
         </p:txBody>
       </p:sp>
@@ -12795,7 +13875,7 @@
   <p:cSld>
     <p:spTree>
       <p:nvGrpSpPr>
-        <p:cNvPr id="41" name="Shape 41"/>
+        <p:cNvPr id="42" name="Shape 42"/>
         <p:cNvGrpSpPr/>
         <p:nvPr/>
       </p:nvGrpSpPr>
@@ -12809,7 +13889,7 @@
       </p:grpSpPr>
       <p:sp>
         <p:nvSpPr>
-          <p:cNvPr id="42" name="Google Shape;42;p9"/>
+          <p:cNvPr id="43" name="Google Shape;43;p9"/>
           <p:cNvSpPr txBox="1"/>
           <p:nvPr>
             <p:ph type="title"/>
@@ -12849,7 +13929,7 @@
       </p:sp>
       <p:sp>
         <p:nvSpPr>
-          <p:cNvPr id="43" name="Google Shape;43;p9"/>
+          <p:cNvPr id="44" name="Google Shape;44;p9"/>
           <p:cNvSpPr txBox="1"/>
           <p:nvPr>
             <p:ph idx="1" type="body"/>
@@ -12941,7 +14021,7 @@
       </p:sp>
       <p:sp>
         <p:nvSpPr>
-          <p:cNvPr id="44" name="Google Shape;44;p9"/>
+          <p:cNvPr id="45" name="Google Shape;45;p9"/>
           <p:cNvSpPr txBox="1"/>
           <p:nvPr>
             <p:ph idx="12" type="sldNum"/>
@@ -12949,8 +14029,8 @@
         </p:nvSpPr>
         <p:spPr>
           <a:xfrm>
-            <a:off x="7315202" y="4416550"/>
-            <a:ext cx="1828800" cy="731400"/>
+            <a:off x="7315209" y="4229101"/>
+            <a:ext cx="1828800" cy="914400"/>
           </a:xfrm>
           <a:prstGeom prst="rect">
             <a:avLst/>
@@ -12988,27 +14068,19 @@
               <a:buNone/>
             </a:pPr>
             <a:r>
-              <a:rPr b="0" lang="en" sz="900" u="sng">
+              <a:rPr b="0" lang="en" sz="1000" u="sng">
                 <a:solidFill>
                   <a:schemeClr val="hlink"/>
                 </a:solidFill>
                 <a:hlinkClick r:id="rId3"/>
               </a:rPr>
-              <a:t>https://profriehle.com</a:t>
-            </a:r>
-            <a:r>
-              <a:rPr b="0" lang="en" sz="900">
-                <a:solidFill>
-                  <a:schemeClr val="dk2"/>
-                </a:solidFill>
-              </a:rPr>
+              <a:t>uni1.de/nyt</a:t>
+            </a:r>
+            <a:r>
+              <a:rPr b="0" lang="en" sz="1000"/>
               <a:t> </a:t>
             </a:r>
-            <a:endParaRPr b="0" sz="900">
-              <a:solidFill>
-                <a:schemeClr val="dk2"/>
-              </a:solidFill>
-            </a:endParaRPr>
+            <a:endParaRPr b="0" sz="1000"/>
           </a:p>
         </p:txBody>
       </p:sp>
@@ -13025,7 +14097,7 @@
   <p:cSld>
     <p:spTree>
       <p:nvGrpSpPr>
-        <p:cNvPr id="167" name="Shape 167"/>
+        <p:cNvPr id="170" name="Shape 170"/>
         <p:cNvGrpSpPr/>
         <p:nvPr/>
       </p:nvGrpSpPr>
@@ -13039,7 +14111,7 @@
       </p:grpSpPr>
       <p:sp>
         <p:nvSpPr>
-          <p:cNvPr id="168" name="Google Shape;168;p27"/>
+          <p:cNvPr id="171" name="Google Shape;171;p27"/>
           <p:cNvSpPr txBox="1"/>
           <p:nvPr>
             <p:ph type="title"/>
@@ -13079,7 +14151,7 @@
       </p:sp>
       <p:sp>
         <p:nvSpPr>
-          <p:cNvPr id="169" name="Google Shape;169;p27"/>
+          <p:cNvPr id="172" name="Google Shape;172;p27"/>
           <p:cNvSpPr txBox="1"/>
           <p:nvPr>
             <p:ph idx="1" type="body"/>
@@ -13153,7 +14225,7 @@
       </p:sp>
       <p:sp>
         <p:nvSpPr>
-          <p:cNvPr id="170" name="Google Shape;170;p27"/>
+          <p:cNvPr id="173" name="Google Shape;173;p27"/>
           <p:cNvSpPr txBox="1"/>
           <p:nvPr>
             <p:ph idx="12" type="sldNum"/>
@@ -13161,8 +14233,8 @@
         </p:nvSpPr>
         <p:spPr>
           <a:xfrm>
-            <a:off x="7315202" y="4416550"/>
-            <a:ext cx="1828800" cy="731400"/>
+            <a:off x="7315209" y="4229101"/>
+            <a:ext cx="1828800" cy="914400"/>
           </a:xfrm>
           <a:prstGeom prst="rect">
             <a:avLst/>
@@ -13200,33 +14272,25 @@
               <a:buNone/>
             </a:pPr>
             <a:r>
-              <a:rPr b="0" lang="en" sz="900" u="sng">
+              <a:rPr b="0" lang="en" sz="1000" u="sng">
                 <a:solidFill>
                   <a:schemeClr val="hlink"/>
                 </a:solidFill>
                 <a:hlinkClick r:id="rId3"/>
               </a:rPr>
-              <a:t>https://profriehle.com</a:t>
-            </a:r>
-            <a:r>
-              <a:rPr b="0" lang="en" sz="900">
-                <a:solidFill>
-                  <a:schemeClr val="dk2"/>
-                </a:solidFill>
-              </a:rPr>
+              <a:t>uni1.de/nyt</a:t>
+            </a:r>
+            <a:r>
+              <a:rPr b="0" lang="en" sz="1000"/>
               <a:t> </a:t>
             </a:r>
-            <a:endParaRPr>
-              <a:solidFill>
-                <a:schemeClr val="dk2"/>
-              </a:solidFill>
-            </a:endParaRPr>
+            <a:endParaRPr b="0" sz="1000"/>
           </a:p>
         </p:txBody>
       </p:sp>
       <p:sp>
         <p:nvSpPr>
-          <p:cNvPr id="171" name="Google Shape;171;p27"/>
+          <p:cNvPr id="174" name="Google Shape;174;p27"/>
           <p:cNvSpPr txBox="1"/>
           <p:nvPr>
             <p:ph idx="2" type="body"/>
@@ -13379,7 +14443,7 @@
   <p:cSld>
     <p:spTree>
       <p:nvGrpSpPr>
-        <p:cNvPr id="175" name="Shape 175"/>
+        <p:cNvPr id="178" name="Shape 178"/>
         <p:cNvGrpSpPr/>
         <p:nvPr/>
       </p:nvGrpSpPr>
@@ -13393,7 +14457,7 @@
       </p:grpSpPr>
       <p:sp>
         <p:nvSpPr>
-          <p:cNvPr id="176" name="Google Shape;176;p28"/>
+          <p:cNvPr id="179" name="Google Shape;179;p28"/>
           <p:cNvSpPr txBox="1"/>
           <p:nvPr>
             <p:ph type="title"/>
@@ -13437,7 +14501,7 @@
       </p:sp>
       <p:sp>
         <p:nvSpPr>
-          <p:cNvPr id="177" name="Google Shape;177;p28"/>
+          <p:cNvPr id="180" name="Google Shape;180;p28"/>
           <p:cNvSpPr txBox="1"/>
           <p:nvPr>
             <p:ph idx="1" type="body"/>
@@ -13540,24 +14604,7 @@
             </a:pPr>
             <a:r>
               <a:rPr lang="en"/>
-              <a:t>Typically an ad-hoc literature survey</a:t>
-            </a:r>
-            <a:endParaRPr/>
-          </a:p>
-          <a:p>
-            <a:pPr indent="-342900" lvl="0" marL="457200" rtl="0" algn="l">
-              <a:spcBef>
-                <a:spcPts val="0"/>
-              </a:spcBef>
-              <a:spcAft>
-                <a:spcPts val="0"/>
-              </a:spcAft>
-              <a:buSzPts val="1800"/>
-              <a:buChar char="●"/>
-            </a:pPr>
-            <a:r>
-              <a:rPr lang="en"/>
-              <a:t>A structured literature review</a:t>
+              <a:t>Typically done ad-hoc</a:t>
             </a:r>
             <a:endParaRPr/>
           </a:p>
@@ -13580,7 +14627,7 @@
       </p:sp>
       <p:sp>
         <p:nvSpPr>
-          <p:cNvPr id="178" name="Google Shape;178;p28"/>
+          <p:cNvPr id="181" name="Google Shape;181;p28"/>
           <p:cNvSpPr txBox="1"/>
           <p:nvPr>
             <p:ph idx="12" type="sldNum"/>
@@ -13588,8 +14635,8 @@
         </p:nvSpPr>
         <p:spPr>
           <a:xfrm>
-            <a:off x="7315202" y="4416550"/>
-            <a:ext cx="1828800" cy="731400"/>
+            <a:off x="7315209" y="4229101"/>
+            <a:ext cx="1828800" cy="914400"/>
           </a:xfrm>
           <a:prstGeom prst="rect">
             <a:avLst/>
@@ -13627,27 +14674,19 @@
               <a:buNone/>
             </a:pPr>
             <a:r>
-              <a:rPr b="0" lang="en" sz="900" u="sng">
+              <a:rPr b="0" lang="en" sz="1000" u="sng">
                 <a:solidFill>
                   <a:schemeClr val="hlink"/>
                 </a:solidFill>
                 <a:hlinkClick r:id="rId3"/>
               </a:rPr>
-              <a:t>https://profriehle.com</a:t>
-            </a:r>
-            <a:r>
-              <a:rPr b="0" lang="en" sz="900">
-                <a:solidFill>
-                  <a:schemeClr val="dk2"/>
-                </a:solidFill>
-              </a:rPr>
+              <a:t>uni1.de/nyt</a:t>
+            </a:r>
+            <a:r>
+              <a:rPr b="0" lang="en" sz="1000"/>
               <a:t> </a:t>
             </a:r>
-            <a:endParaRPr b="0" sz="900">
-              <a:solidFill>
-                <a:schemeClr val="dk2"/>
-              </a:solidFill>
-            </a:endParaRPr>
+            <a:endParaRPr b="0" sz="1000"/>
           </a:p>
         </p:txBody>
       </p:sp>
@@ -13664,7 +14703,7 @@
   <p:cSld>
     <p:spTree>
       <p:nvGrpSpPr>
-        <p:cNvPr id="182" name="Shape 182"/>
+        <p:cNvPr id="185" name="Shape 185"/>
         <p:cNvGrpSpPr/>
         <p:nvPr/>
       </p:nvGrpSpPr>
@@ -13678,7 +14717,7 @@
       </p:grpSpPr>
       <p:sp>
         <p:nvSpPr>
-          <p:cNvPr id="183" name="Google Shape;183;p29"/>
+          <p:cNvPr id="186" name="Google Shape;186;p29"/>
           <p:cNvSpPr txBox="1"/>
           <p:nvPr>
             <p:ph type="title"/>
@@ -13718,7 +14757,7 @@
       </p:sp>
       <p:sp>
         <p:nvSpPr>
-          <p:cNvPr id="184" name="Google Shape;184;p29"/>
+          <p:cNvPr id="187" name="Google Shape;187;p29"/>
           <p:cNvSpPr txBox="1"/>
           <p:nvPr>
             <p:ph idx="1" type="body"/>
@@ -13808,7 +14847,7 @@
       </p:sp>
       <p:sp>
         <p:nvSpPr>
-          <p:cNvPr id="185" name="Google Shape;185;p29"/>
+          <p:cNvPr id="188" name="Google Shape;188;p29"/>
           <p:cNvSpPr txBox="1"/>
           <p:nvPr>
             <p:ph idx="12" type="sldNum"/>
@@ -13816,8 +14855,8 @@
         </p:nvSpPr>
         <p:spPr>
           <a:xfrm>
-            <a:off x="7315202" y="4416550"/>
-            <a:ext cx="1828800" cy="731400"/>
+            <a:off x="7315209" y="4229101"/>
+            <a:ext cx="1828800" cy="914400"/>
           </a:xfrm>
           <a:prstGeom prst="rect">
             <a:avLst/>
@@ -13855,27 +14894,19 @@
               <a:buNone/>
             </a:pPr>
             <a:r>
-              <a:rPr b="0" lang="en" sz="900" u="sng">
+              <a:rPr b="0" lang="en" sz="1000" u="sng">
                 <a:solidFill>
                   <a:schemeClr val="hlink"/>
                 </a:solidFill>
                 <a:hlinkClick r:id="rId3"/>
               </a:rPr>
-              <a:t>https://profriehle.com</a:t>
-            </a:r>
-            <a:r>
-              <a:rPr b="0" lang="en" sz="900">
-                <a:solidFill>
-                  <a:schemeClr val="dk2"/>
-                </a:solidFill>
-              </a:rPr>
+              <a:t>uni1.de/nyt</a:t>
+            </a:r>
+            <a:r>
+              <a:rPr b="0" lang="en" sz="1000"/>
               <a:t> </a:t>
             </a:r>
-            <a:endParaRPr b="0" sz="900">
-              <a:solidFill>
-                <a:schemeClr val="dk2"/>
-              </a:solidFill>
-            </a:endParaRPr>
+            <a:endParaRPr b="0" sz="1000"/>
           </a:p>
         </p:txBody>
       </p:sp>
@@ -13892,7 +14923,7 @@
   <p:cSld>
     <p:spTree>
       <p:nvGrpSpPr>
-        <p:cNvPr id="189" name="Shape 189"/>
+        <p:cNvPr id="192" name="Shape 192"/>
         <p:cNvGrpSpPr/>
         <p:nvPr/>
       </p:nvGrpSpPr>
@@ -13906,7 +14937,7 @@
       </p:grpSpPr>
       <p:sp>
         <p:nvSpPr>
-          <p:cNvPr id="190" name="Google Shape;190;p30"/>
+          <p:cNvPr id="193" name="Google Shape;193;p30"/>
           <p:cNvSpPr txBox="1"/>
           <p:nvPr>
             <p:ph type="title"/>
@@ -13946,7 +14977,7 @@
       </p:sp>
       <p:sp>
         <p:nvSpPr>
-          <p:cNvPr id="191" name="Google Shape;191;p30"/>
+          <p:cNvPr id="194" name="Google Shape;194;p30"/>
           <p:cNvSpPr txBox="1"/>
           <p:nvPr>
             <p:ph idx="1" type="body"/>
@@ -14167,7 +15198,7 @@
       </p:sp>
       <p:sp>
         <p:nvSpPr>
-          <p:cNvPr id="192" name="Google Shape;192;p30"/>
+          <p:cNvPr id="195" name="Google Shape;195;p30"/>
           <p:cNvSpPr txBox="1"/>
           <p:nvPr>
             <p:ph idx="12" type="sldNum"/>
@@ -14175,8 +15206,8 @@
         </p:nvSpPr>
         <p:spPr>
           <a:xfrm>
-            <a:off x="7315202" y="4416550"/>
-            <a:ext cx="1828800" cy="731400"/>
+            <a:off x="7315209" y="4229101"/>
+            <a:ext cx="1828800" cy="914400"/>
           </a:xfrm>
           <a:prstGeom prst="rect">
             <a:avLst/>
@@ -14214,27 +15245,19 @@
               <a:buNone/>
             </a:pPr>
             <a:r>
-              <a:rPr b="0" lang="en" sz="900" u="sng">
+              <a:rPr b="0" lang="en" sz="1000" u="sng">
                 <a:solidFill>
                   <a:schemeClr val="hlink"/>
                 </a:solidFill>
                 <a:hlinkClick r:id="rId3"/>
               </a:rPr>
-              <a:t>https://profriehle.com</a:t>
-            </a:r>
-            <a:r>
-              <a:rPr b="0" lang="en" sz="900">
-                <a:solidFill>
-                  <a:schemeClr val="dk2"/>
-                </a:solidFill>
-              </a:rPr>
+              <a:t>uni1.de/nyt</a:t>
+            </a:r>
+            <a:r>
+              <a:rPr b="0" lang="en" sz="1000"/>
               <a:t> </a:t>
             </a:r>
-            <a:endParaRPr b="0" sz="900">
-              <a:solidFill>
-                <a:schemeClr val="dk2"/>
-              </a:solidFill>
-            </a:endParaRPr>
+            <a:endParaRPr b="0" sz="1000"/>
           </a:p>
         </p:txBody>
       </p:sp>
@@ -14251,7 +15274,7 @@
   <p:cSld>
     <p:spTree>
       <p:nvGrpSpPr>
-        <p:cNvPr id="196" name="Shape 196"/>
+        <p:cNvPr id="199" name="Shape 199"/>
         <p:cNvGrpSpPr/>
         <p:nvPr/>
       </p:nvGrpSpPr>
@@ -14265,7 +15288,7 @@
       </p:grpSpPr>
       <p:sp>
         <p:nvSpPr>
-          <p:cNvPr id="197" name="Google Shape;197;p31"/>
+          <p:cNvPr id="200" name="Google Shape;200;p31"/>
           <p:cNvSpPr txBox="1"/>
           <p:nvPr>
             <p:ph type="title"/>
@@ -14305,7 +15328,7 @@
       </p:sp>
       <p:sp>
         <p:nvSpPr>
-          <p:cNvPr id="198" name="Google Shape;198;p31"/>
+          <p:cNvPr id="201" name="Google Shape;201;p31"/>
           <p:cNvSpPr txBox="1"/>
           <p:nvPr>
             <p:ph idx="1" type="body"/>
@@ -14413,7 +15436,7 @@
       </p:sp>
       <p:sp>
         <p:nvSpPr>
-          <p:cNvPr id="199" name="Google Shape;199;p31"/>
+          <p:cNvPr id="202" name="Google Shape;202;p31"/>
           <p:cNvSpPr txBox="1"/>
           <p:nvPr>
             <p:ph idx="12" type="sldNum"/>
@@ -14421,8 +15444,8 @@
         </p:nvSpPr>
         <p:spPr>
           <a:xfrm>
-            <a:off x="7315202" y="4416550"/>
-            <a:ext cx="1828800" cy="731400"/>
+            <a:off x="7315209" y="4229101"/>
+            <a:ext cx="1828800" cy="914400"/>
           </a:xfrm>
           <a:prstGeom prst="rect">
             <a:avLst/>
@@ -14460,27 +15483,19 @@
               <a:buNone/>
             </a:pPr>
             <a:r>
-              <a:rPr b="0" lang="en" sz="900" u="sng">
+              <a:rPr b="0" lang="en" sz="1000" u="sng">
                 <a:solidFill>
                   <a:schemeClr val="hlink"/>
                 </a:solidFill>
                 <a:hlinkClick r:id="rId3"/>
               </a:rPr>
-              <a:t>https://profriehle.com</a:t>
-            </a:r>
-            <a:r>
-              <a:rPr b="0" lang="en" sz="900">
-                <a:solidFill>
-                  <a:schemeClr val="dk2"/>
-                </a:solidFill>
-              </a:rPr>
+              <a:t>uni1.de/nyt</a:t>
+            </a:r>
+            <a:r>
+              <a:rPr b="0" lang="en" sz="1000"/>
               <a:t> </a:t>
             </a:r>
-            <a:endParaRPr b="0" sz="900">
-              <a:solidFill>
-                <a:schemeClr val="dk2"/>
-              </a:solidFill>
-            </a:endParaRPr>
+            <a:endParaRPr b="0" sz="1000"/>
           </a:p>
         </p:txBody>
       </p:sp>
@@ -14497,7 +15512,7 @@
   <p:cSld>
     <p:spTree>
       <p:nvGrpSpPr>
-        <p:cNvPr id="203" name="Shape 203"/>
+        <p:cNvPr id="206" name="Shape 206"/>
         <p:cNvGrpSpPr/>
         <p:nvPr/>
       </p:nvGrpSpPr>
@@ -14511,7 +15526,7 @@
       </p:grpSpPr>
       <p:sp>
         <p:nvSpPr>
-          <p:cNvPr id="204" name="Google Shape;204;p32"/>
+          <p:cNvPr id="207" name="Google Shape;207;p32"/>
           <p:cNvSpPr txBox="1"/>
           <p:nvPr>
             <p:ph type="title"/>
@@ -14551,7 +15566,7 @@
       </p:sp>
       <p:sp>
         <p:nvSpPr>
-          <p:cNvPr id="205" name="Google Shape;205;p32"/>
+          <p:cNvPr id="208" name="Google Shape;208;p32"/>
           <p:cNvSpPr txBox="1"/>
           <p:nvPr>
             <p:ph idx="1" type="body"/>
@@ -14691,7 +15706,7 @@
       </p:sp>
       <p:sp>
         <p:nvSpPr>
-          <p:cNvPr id="206" name="Google Shape;206;p32"/>
+          <p:cNvPr id="209" name="Google Shape;209;p32"/>
           <p:cNvSpPr txBox="1"/>
           <p:nvPr>
             <p:ph idx="12" type="sldNum"/>
@@ -14699,8 +15714,8 @@
         </p:nvSpPr>
         <p:spPr>
           <a:xfrm>
-            <a:off x="7315202" y="4416550"/>
-            <a:ext cx="1828800" cy="731400"/>
+            <a:off x="7315209" y="4229101"/>
+            <a:ext cx="1828800" cy="914400"/>
           </a:xfrm>
           <a:prstGeom prst="rect">
             <a:avLst/>
@@ -14738,27 +15753,19 @@
               <a:buNone/>
             </a:pPr>
             <a:r>
-              <a:rPr b="0" lang="en" sz="900" u="sng">
+              <a:rPr b="0" lang="en" sz="1000" u="sng">
                 <a:solidFill>
                   <a:schemeClr val="hlink"/>
                 </a:solidFill>
                 <a:hlinkClick r:id="rId3"/>
               </a:rPr>
-              <a:t>https://profriehle.com</a:t>
-            </a:r>
-            <a:r>
-              <a:rPr b="0" lang="en" sz="900">
-                <a:solidFill>
-                  <a:schemeClr val="dk2"/>
-                </a:solidFill>
-              </a:rPr>
+              <a:t>uni1.de/nyt</a:t>
+            </a:r>
+            <a:r>
+              <a:rPr b="0" lang="en" sz="1000"/>
               <a:t> </a:t>
             </a:r>
-            <a:endParaRPr b="0" sz="900">
-              <a:solidFill>
-                <a:schemeClr val="dk2"/>
-              </a:solidFill>
-            </a:endParaRPr>
+            <a:endParaRPr b="0" sz="1000"/>
           </a:p>
         </p:txBody>
       </p:sp>
@@ -14775,7 +15782,7 @@
   <p:cSld>
     <p:spTree>
       <p:nvGrpSpPr>
-        <p:cNvPr id="210" name="Shape 210"/>
+        <p:cNvPr id="213" name="Shape 213"/>
         <p:cNvGrpSpPr/>
         <p:nvPr/>
       </p:nvGrpSpPr>
@@ -14789,7 +15796,7 @@
       </p:grpSpPr>
       <p:sp>
         <p:nvSpPr>
-          <p:cNvPr id="211" name="Google Shape;211;p33"/>
+          <p:cNvPr id="214" name="Google Shape;214;p33"/>
           <p:cNvSpPr txBox="1"/>
           <p:nvPr>
             <p:ph type="title"/>
@@ -14829,7 +15836,7 @@
       </p:sp>
       <p:sp>
         <p:nvSpPr>
-          <p:cNvPr id="212" name="Google Shape;212;p33"/>
+          <p:cNvPr id="215" name="Google Shape;215;p33"/>
           <p:cNvSpPr txBox="1"/>
           <p:nvPr>
             <p:ph idx="1" type="body"/>
@@ -14912,7 +15919,7 @@
             </a:pPr>
             <a:r>
               <a:rPr lang="en"/>
-              <a:t>Discuss iterative process in own subsection</a:t>
+              <a:t>Discusses iterative process in own subsection</a:t>
             </a:r>
             <a:endParaRPr/>
           </a:p>
@@ -14920,7 +15927,7 @@
       </p:sp>
       <p:sp>
         <p:nvSpPr>
-          <p:cNvPr id="213" name="Google Shape;213;p33"/>
+          <p:cNvPr id="216" name="Google Shape;216;p33"/>
           <p:cNvSpPr txBox="1"/>
           <p:nvPr>
             <p:ph idx="12" type="sldNum"/>
@@ -14928,8 +15935,8 @@
         </p:nvSpPr>
         <p:spPr>
           <a:xfrm>
-            <a:off x="7315202" y="4416550"/>
-            <a:ext cx="1828800" cy="731400"/>
+            <a:off x="7315209" y="4229101"/>
+            <a:ext cx="1828800" cy="914400"/>
           </a:xfrm>
           <a:prstGeom prst="rect">
             <a:avLst/>
@@ -14967,27 +15974,19 @@
               <a:buNone/>
             </a:pPr>
             <a:r>
-              <a:rPr b="0" lang="en" sz="900" u="sng">
+              <a:rPr b="0" lang="en" sz="1000" u="sng">
                 <a:solidFill>
                   <a:schemeClr val="hlink"/>
                 </a:solidFill>
                 <a:hlinkClick r:id="rId3"/>
               </a:rPr>
-              <a:t>https://profriehle.com</a:t>
-            </a:r>
-            <a:r>
-              <a:rPr b="0" lang="en" sz="900">
-                <a:solidFill>
-                  <a:schemeClr val="dk2"/>
-                </a:solidFill>
-              </a:rPr>
+              <a:t>uni1.de/nyt</a:t>
+            </a:r>
+            <a:r>
+              <a:rPr b="0" lang="en" sz="1000"/>
               <a:t> </a:t>
             </a:r>
-            <a:endParaRPr b="0" sz="900">
-              <a:solidFill>
-                <a:schemeClr val="dk2"/>
-              </a:solidFill>
-            </a:endParaRPr>
+            <a:endParaRPr b="0" sz="1000"/>
           </a:p>
         </p:txBody>
       </p:sp>
@@ -15004,7 +16003,7 @@
   <p:cSld>
     <p:spTree>
       <p:nvGrpSpPr>
-        <p:cNvPr id="217" name="Shape 217"/>
+        <p:cNvPr id="220" name="Shape 220"/>
         <p:cNvGrpSpPr/>
         <p:nvPr/>
       </p:nvGrpSpPr>
@@ -15018,7 +16017,7 @@
       </p:grpSpPr>
       <p:sp>
         <p:nvSpPr>
-          <p:cNvPr id="218" name="Google Shape;218;p34"/>
+          <p:cNvPr id="221" name="Google Shape;221;p34"/>
           <p:cNvSpPr txBox="1"/>
           <p:nvPr>
             <p:ph type="title"/>
@@ -15058,7 +16057,7 @@
       </p:sp>
       <p:sp>
         <p:nvSpPr>
-          <p:cNvPr id="219" name="Google Shape;219;p34"/>
+          <p:cNvPr id="222" name="Google Shape;222;p34"/>
           <p:cNvSpPr txBox="1"/>
           <p:nvPr>
             <p:ph idx="12" type="sldNum"/>
@@ -15066,8 +16065,8 @@
         </p:nvSpPr>
         <p:spPr>
           <a:xfrm>
-            <a:off x="7315202" y="4416550"/>
-            <a:ext cx="1828800" cy="731400"/>
+            <a:off x="7315209" y="4229101"/>
+            <a:ext cx="1828800" cy="914400"/>
           </a:xfrm>
           <a:prstGeom prst="rect">
             <a:avLst/>
@@ -15105,33 +16104,25 @@
               <a:buNone/>
             </a:pPr>
             <a:r>
-              <a:rPr b="0" lang="en" sz="900" u="sng">
+              <a:rPr b="0" lang="en" sz="1000" u="sng">
                 <a:solidFill>
                   <a:schemeClr val="hlink"/>
                 </a:solidFill>
                 <a:hlinkClick r:id="rId3"/>
               </a:rPr>
-              <a:t>https://profriehle.com</a:t>
-            </a:r>
-            <a:r>
-              <a:rPr b="0" lang="en" sz="900">
-                <a:solidFill>
-                  <a:schemeClr val="dk2"/>
-                </a:solidFill>
-              </a:rPr>
+              <a:t>uni1.de/nyt</a:t>
+            </a:r>
+            <a:r>
+              <a:rPr b="0" lang="en" sz="1000"/>
               <a:t> </a:t>
             </a:r>
-            <a:endParaRPr b="0" sz="900">
-              <a:solidFill>
-                <a:schemeClr val="dk2"/>
-              </a:solidFill>
-            </a:endParaRPr>
+            <a:endParaRPr b="0" sz="1000"/>
           </a:p>
         </p:txBody>
       </p:sp>
       <p:sp>
         <p:nvSpPr>
-          <p:cNvPr id="220" name="Google Shape;220;p34"/>
+          <p:cNvPr id="223" name="Google Shape;223;p34"/>
           <p:cNvSpPr txBox="1"/>
           <p:nvPr>
             <p:ph idx="1" type="body"/>
@@ -15192,7 +16183,7 @@
           <a:p>
             <a:pPr indent="-317500" lvl="1" marL="914400" rtl="0" algn="l">
               <a:spcBef>
-                <a:spcPts val="1000"/>
+                <a:spcPts val="0"/>
               </a:spcBef>
               <a:spcAft>
                 <a:spcPts val="0"/>
@@ -15357,7 +16348,7 @@
   <p:cSld>
     <p:spTree>
       <p:nvGrpSpPr>
-        <p:cNvPr id="224" name="Shape 224"/>
+        <p:cNvPr id="227" name="Shape 227"/>
         <p:cNvGrpSpPr/>
         <p:nvPr/>
       </p:nvGrpSpPr>
@@ -15371,7 +16362,7 @@
       </p:grpSpPr>
       <p:sp>
         <p:nvSpPr>
-          <p:cNvPr id="225" name="Google Shape;225;p35"/>
+          <p:cNvPr id="228" name="Google Shape;228;p35"/>
           <p:cNvSpPr txBox="1"/>
           <p:nvPr>
             <p:ph type="title"/>
@@ -15411,7 +16402,7 @@
       </p:sp>
       <p:sp>
         <p:nvSpPr>
-          <p:cNvPr id="226" name="Google Shape;226;p35"/>
+          <p:cNvPr id="229" name="Google Shape;229;p35"/>
           <p:cNvSpPr txBox="1"/>
           <p:nvPr>
             <p:ph idx="1" type="body"/>
@@ -15522,7 +16513,7 @@
       </p:sp>
       <p:sp>
         <p:nvSpPr>
-          <p:cNvPr id="227" name="Google Shape;227;p35"/>
+          <p:cNvPr id="230" name="Google Shape;230;p35"/>
           <p:cNvSpPr txBox="1"/>
           <p:nvPr>
             <p:ph idx="12" type="sldNum"/>
@@ -15530,8 +16521,8 @@
         </p:nvSpPr>
         <p:spPr>
           <a:xfrm>
-            <a:off x="7315202" y="4416550"/>
-            <a:ext cx="1828800" cy="731400"/>
+            <a:off x="7315209" y="4229101"/>
+            <a:ext cx="1828800" cy="914400"/>
           </a:xfrm>
           <a:prstGeom prst="rect">
             <a:avLst/>
@@ -15569,27 +16560,19 @@
               <a:buNone/>
             </a:pPr>
             <a:r>
-              <a:rPr b="0" lang="en" sz="900" u="sng">
+              <a:rPr b="0" lang="en" sz="1000" u="sng">
                 <a:solidFill>
                   <a:schemeClr val="hlink"/>
                 </a:solidFill>
                 <a:hlinkClick r:id="rId3"/>
               </a:rPr>
-              <a:t>https://profriehle.com</a:t>
-            </a:r>
-            <a:r>
-              <a:rPr b="0" lang="en" sz="900">
-                <a:solidFill>
-                  <a:schemeClr val="dk2"/>
-                </a:solidFill>
-              </a:rPr>
+              <a:t>uni1.de/nyt</a:t>
+            </a:r>
+            <a:r>
+              <a:rPr b="0" lang="en" sz="1000"/>
               <a:t> </a:t>
             </a:r>
-            <a:endParaRPr b="0" sz="900">
-              <a:solidFill>
-                <a:schemeClr val="dk2"/>
-              </a:solidFill>
-            </a:endParaRPr>
+            <a:endParaRPr b="0" sz="1000"/>
           </a:p>
         </p:txBody>
       </p:sp>
@@ -15606,7 +16589,7 @@
   <p:cSld>
     <p:spTree>
       <p:nvGrpSpPr>
-        <p:cNvPr id="231" name="Shape 231"/>
+        <p:cNvPr id="234" name="Shape 234"/>
         <p:cNvGrpSpPr/>
         <p:nvPr/>
       </p:nvGrpSpPr>
@@ -15620,7 +16603,7 @@
       </p:grpSpPr>
       <p:sp>
         <p:nvSpPr>
-          <p:cNvPr id="232" name="Google Shape;232;p36"/>
+          <p:cNvPr id="235" name="Google Shape;235;p36"/>
           <p:cNvSpPr txBox="1"/>
           <p:nvPr>
             <p:ph type="title"/>
@@ -15660,7 +16643,7 @@
       </p:sp>
       <p:sp>
         <p:nvSpPr>
-          <p:cNvPr id="233" name="Google Shape;233;p36"/>
+          <p:cNvPr id="236" name="Google Shape;236;p36"/>
           <p:cNvSpPr txBox="1"/>
           <p:nvPr>
             <p:ph idx="1" type="body"/>
@@ -15765,7 +16748,7 @@
       </p:sp>
       <p:sp>
         <p:nvSpPr>
-          <p:cNvPr id="234" name="Google Shape;234;p36"/>
+          <p:cNvPr id="237" name="Google Shape;237;p36"/>
           <p:cNvSpPr txBox="1"/>
           <p:nvPr>
             <p:ph idx="12" type="sldNum"/>
@@ -15773,8 +16756,8 @@
         </p:nvSpPr>
         <p:spPr>
           <a:xfrm>
-            <a:off x="7315202" y="4416550"/>
-            <a:ext cx="1828800" cy="731400"/>
+            <a:off x="7315209" y="4229101"/>
+            <a:ext cx="1828800" cy="914400"/>
           </a:xfrm>
           <a:prstGeom prst="rect">
             <a:avLst/>
@@ -15812,27 +16795,19 @@
               <a:buNone/>
             </a:pPr>
             <a:r>
-              <a:rPr b="0" lang="en" sz="900" u="sng">
+              <a:rPr b="0" lang="en" sz="1000" u="sng">
                 <a:solidFill>
                   <a:schemeClr val="hlink"/>
                 </a:solidFill>
                 <a:hlinkClick r:id="rId3"/>
               </a:rPr>
-              <a:t>https://profriehle.com</a:t>
-            </a:r>
-            <a:r>
-              <a:rPr b="0" lang="en" sz="900">
-                <a:solidFill>
-                  <a:schemeClr val="dk2"/>
-                </a:solidFill>
-              </a:rPr>
+              <a:t>uni1.de/nyt</a:t>
+            </a:r>
+            <a:r>
+              <a:rPr b="0" lang="en" sz="1000"/>
               <a:t> </a:t>
             </a:r>
-            <a:endParaRPr b="0" sz="900">
-              <a:solidFill>
-                <a:schemeClr val="dk2"/>
-              </a:solidFill>
-            </a:endParaRPr>
+            <a:endParaRPr b="0" sz="1000"/>
           </a:p>
         </p:txBody>
       </p:sp>
@@ -15849,7 +16824,7 @@
   <p:cSld>
     <p:spTree>
       <p:nvGrpSpPr>
-        <p:cNvPr id="48" name="Shape 48"/>
+        <p:cNvPr id="49" name="Shape 49"/>
         <p:cNvGrpSpPr/>
         <p:nvPr/>
       </p:nvGrpSpPr>
@@ -15863,7 +16838,7 @@
       </p:grpSpPr>
       <p:sp>
         <p:nvSpPr>
-          <p:cNvPr id="49" name="Google Shape;49;p10"/>
+          <p:cNvPr id="50" name="Google Shape;50;p10"/>
           <p:cNvSpPr txBox="1"/>
           <p:nvPr>
             <p:ph type="title"/>
@@ -15914,7 +16889,7 @@
   <p:cSld>
     <p:spTree>
       <p:nvGrpSpPr>
-        <p:cNvPr id="238" name="Shape 238"/>
+        <p:cNvPr id="241" name="Shape 241"/>
         <p:cNvGrpSpPr/>
         <p:nvPr/>
       </p:nvGrpSpPr>
@@ -15928,7 +16903,7 @@
       </p:grpSpPr>
       <p:sp>
         <p:nvSpPr>
-          <p:cNvPr id="239" name="Google Shape;239;p37"/>
+          <p:cNvPr id="242" name="Google Shape;242;p37"/>
           <p:cNvSpPr txBox="1"/>
           <p:nvPr>
             <p:ph idx="1" type="body"/>
@@ -15960,9 +16935,13 @@
             </a:pPr>
             <a:r>
               <a:rPr lang="en"/>
-              <a:t>In qualitative research, also often called discussion and limitations</a:t>
-            </a:r>
-            <a:endParaRPr/>
+              <a:t>In qualitative research, usually called </a:t>
+            </a:r>
+            <a:r>
+              <a:rPr b="1" lang="en"/>
+              <a:t>limitations</a:t>
+            </a:r>
+            <a:endParaRPr b="1"/>
           </a:p>
           <a:p>
             <a:pPr indent="-342900" lvl="0" marL="457200" rtl="0" algn="l">
@@ -16034,7 +17013,7 @@
       </p:sp>
       <p:sp>
         <p:nvSpPr>
-          <p:cNvPr id="240" name="Google Shape;240;p37"/>
+          <p:cNvPr id="243" name="Google Shape;243;p37"/>
           <p:cNvSpPr txBox="1"/>
           <p:nvPr>
             <p:ph type="title"/>
@@ -16074,7 +17053,7 @@
       </p:sp>
       <p:sp>
         <p:nvSpPr>
-          <p:cNvPr id="241" name="Google Shape;241;p37"/>
+          <p:cNvPr id="244" name="Google Shape;244;p37"/>
           <p:cNvSpPr txBox="1"/>
           <p:nvPr>
             <p:ph idx="12" type="sldNum"/>
@@ -16082,8 +17061,8 @@
         </p:nvSpPr>
         <p:spPr>
           <a:xfrm>
-            <a:off x="7315202" y="4416550"/>
-            <a:ext cx="1828800" cy="731400"/>
+            <a:off x="7315209" y="4229101"/>
+            <a:ext cx="1828800" cy="914400"/>
           </a:xfrm>
           <a:prstGeom prst="rect">
             <a:avLst/>
@@ -16121,27 +17100,19 @@
               <a:buNone/>
             </a:pPr>
             <a:r>
-              <a:rPr b="0" lang="en" sz="900" u="sng">
+              <a:rPr b="0" lang="en" sz="1000" u="sng">
                 <a:solidFill>
                   <a:schemeClr val="hlink"/>
                 </a:solidFill>
                 <a:hlinkClick r:id="rId3"/>
               </a:rPr>
-              <a:t>https://profriehle.com</a:t>
-            </a:r>
-            <a:r>
-              <a:rPr b="0" lang="en" sz="900">
-                <a:solidFill>
-                  <a:schemeClr val="dk2"/>
-                </a:solidFill>
-              </a:rPr>
+              <a:t>uni1.de/nyt</a:t>
+            </a:r>
+            <a:r>
+              <a:rPr b="0" lang="en" sz="1000"/>
               <a:t> </a:t>
             </a:r>
-            <a:endParaRPr b="0" sz="900">
-              <a:solidFill>
-                <a:schemeClr val="dk2"/>
-              </a:solidFill>
-            </a:endParaRPr>
+            <a:endParaRPr b="0" sz="1000"/>
           </a:p>
         </p:txBody>
       </p:sp>
@@ -16158,7 +17129,7 @@
   <p:cSld>
     <p:spTree>
       <p:nvGrpSpPr>
-        <p:cNvPr id="245" name="Shape 245"/>
+        <p:cNvPr id="248" name="Shape 248"/>
         <p:cNvGrpSpPr/>
         <p:nvPr/>
       </p:nvGrpSpPr>
@@ -16172,7 +17143,7 @@
       </p:grpSpPr>
       <p:sp>
         <p:nvSpPr>
-          <p:cNvPr id="246" name="Google Shape;246;p38"/>
+          <p:cNvPr id="249" name="Google Shape;249;p38"/>
           <p:cNvSpPr txBox="1"/>
           <p:nvPr>
             <p:ph type="title"/>
@@ -16212,7 +17183,7 @@
       </p:sp>
       <p:sp>
         <p:nvSpPr>
-          <p:cNvPr id="247" name="Google Shape;247;p38"/>
+          <p:cNvPr id="250" name="Google Shape;250;p38"/>
           <p:cNvSpPr txBox="1"/>
           <p:nvPr>
             <p:ph idx="1" type="body"/>
@@ -16244,9 +17215,13 @@
             </a:pPr>
             <a:r>
               <a:rPr lang="en"/>
-              <a:t>In quantitative research, also often called threats to validity</a:t>
-            </a:r>
-            <a:endParaRPr/>
+              <a:t>In quantitative research, usually called </a:t>
+            </a:r>
+            <a:r>
+              <a:rPr b="1" lang="en"/>
+              <a:t>threats to validity</a:t>
+            </a:r>
+            <a:endParaRPr b="1"/>
           </a:p>
           <a:p>
             <a:pPr indent="-342900" lvl="0" marL="457200" rtl="0" algn="l">
@@ -16303,7 +17278,7 @@
       </p:sp>
       <p:sp>
         <p:nvSpPr>
-          <p:cNvPr id="248" name="Google Shape;248;p38"/>
+          <p:cNvPr id="251" name="Google Shape;251;p38"/>
           <p:cNvSpPr txBox="1"/>
           <p:nvPr>
             <p:ph idx="12" type="sldNum"/>
@@ -16311,8 +17286,8 @@
         </p:nvSpPr>
         <p:spPr>
           <a:xfrm>
-            <a:off x="7315202" y="4416550"/>
-            <a:ext cx="1828800" cy="731400"/>
+            <a:off x="7315209" y="4229101"/>
+            <a:ext cx="1828800" cy="914400"/>
           </a:xfrm>
           <a:prstGeom prst="rect">
             <a:avLst/>
@@ -16350,27 +17325,19 @@
               <a:buNone/>
             </a:pPr>
             <a:r>
-              <a:rPr b="0" lang="en" sz="900" u="sng">
+              <a:rPr b="0" lang="en" sz="1000" u="sng">
                 <a:solidFill>
                   <a:schemeClr val="hlink"/>
                 </a:solidFill>
                 <a:hlinkClick r:id="rId3"/>
               </a:rPr>
-              <a:t>https://profriehle.com</a:t>
-            </a:r>
-            <a:r>
-              <a:rPr b="0" lang="en" sz="900">
-                <a:solidFill>
-                  <a:schemeClr val="dk2"/>
-                </a:solidFill>
-              </a:rPr>
+              <a:t>uni1.de/nyt</a:t>
+            </a:r>
+            <a:r>
+              <a:rPr b="0" lang="en" sz="1000"/>
               <a:t> </a:t>
             </a:r>
-            <a:endParaRPr b="0" sz="900">
-              <a:solidFill>
-                <a:schemeClr val="dk2"/>
-              </a:solidFill>
-            </a:endParaRPr>
+            <a:endParaRPr b="0" sz="1000"/>
           </a:p>
         </p:txBody>
       </p:sp>
@@ -16387,7 +17354,7 @@
   <p:cSld>
     <p:spTree>
       <p:nvGrpSpPr>
-        <p:cNvPr id="252" name="Shape 252"/>
+        <p:cNvPr id="255" name="Shape 255"/>
         <p:cNvGrpSpPr/>
         <p:nvPr/>
       </p:nvGrpSpPr>
@@ -16401,7 +17368,7 @@
       </p:grpSpPr>
       <p:sp>
         <p:nvSpPr>
-          <p:cNvPr id="253" name="Google Shape;253;p39"/>
+          <p:cNvPr id="256" name="Google Shape;256;p39"/>
           <p:cNvSpPr txBox="1"/>
           <p:nvPr>
             <p:ph type="title"/>
@@ -16441,7 +17408,7 @@
       </p:sp>
       <p:sp>
         <p:nvSpPr>
-          <p:cNvPr id="254" name="Google Shape;254;p39"/>
+          <p:cNvPr id="257" name="Google Shape;257;p39"/>
           <p:cNvSpPr txBox="1"/>
           <p:nvPr>
             <p:ph idx="1" type="body"/>
@@ -16531,7 +17498,7 @@
       </p:sp>
       <p:sp>
         <p:nvSpPr>
-          <p:cNvPr id="255" name="Google Shape;255;p39"/>
+          <p:cNvPr id="258" name="Google Shape;258;p39"/>
           <p:cNvSpPr txBox="1"/>
           <p:nvPr>
             <p:ph idx="12" type="sldNum"/>
@@ -16539,8 +17506,8 @@
         </p:nvSpPr>
         <p:spPr>
           <a:xfrm>
-            <a:off x="7315202" y="4416550"/>
-            <a:ext cx="1828800" cy="731400"/>
+            <a:off x="7315209" y="4229101"/>
+            <a:ext cx="1828800" cy="914400"/>
           </a:xfrm>
           <a:prstGeom prst="rect">
             <a:avLst/>
@@ -16578,27 +17545,19 @@
               <a:buNone/>
             </a:pPr>
             <a:r>
-              <a:rPr b="0" lang="en" sz="900" u="sng">
+              <a:rPr b="0" lang="en" sz="1000" u="sng">
                 <a:solidFill>
                   <a:schemeClr val="hlink"/>
                 </a:solidFill>
                 <a:hlinkClick r:id="rId3"/>
               </a:rPr>
-              <a:t>https://profriehle.com</a:t>
-            </a:r>
-            <a:r>
-              <a:rPr b="0" lang="en" sz="900">
-                <a:solidFill>
-                  <a:schemeClr val="dk2"/>
-                </a:solidFill>
-              </a:rPr>
+              <a:t>uni1.de/nyt</a:t>
+            </a:r>
+            <a:r>
+              <a:rPr b="0" lang="en" sz="1000"/>
               <a:t> </a:t>
             </a:r>
-            <a:endParaRPr b="0" sz="900">
-              <a:solidFill>
-                <a:schemeClr val="dk2"/>
-              </a:solidFill>
-            </a:endParaRPr>
+            <a:endParaRPr b="0" sz="1000"/>
           </a:p>
         </p:txBody>
       </p:sp>
@@ -16615,7 +17574,7 @@
   <p:cSld>
     <p:spTree>
       <p:nvGrpSpPr>
-        <p:cNvPr id="259" name="Shape 259"/>
+        <p:cNvPr id="262" name="Shape 262"/>
         <p:cNvGrpSpPr/>
         <p:nvPr/>
       </p:nvGrpSpPr>
@@ -16629,7 +17588,7 @@
       </p:grpSpPr>
       <p:sp>
         <p:nvSpPr>
-          <p:cNvPr id="260" name="Google Shape;260;p40"/>
+          <p:cNvPr id="263" name="Google Shape;263;p40"/>
           <p:cNvSpPr txBox="1"/>
           <p:nvPr>
             <p:ph type="title"/>
@@ -16669,7 +17628,7 @@
       </p:sp>
       <p:sp>
         <p:nvSpPr>
-          <p:cNvPr id="261" name="Google Shape;261;p40"/>
+          <p:cNvPr id="264" name="Google Shape;264;p40"/>
           <p:cNvSpPr txBox="1"/>
           <p:nvPr>
             <p:ph idx="1" type="body"/>
@@ -16762,7 +17721,7 @@
       </p:sp>
       <p:sp>
         <p:nvSpPr>
-          <p:cNvPr id="262" name="Google Shape;262;p40"/>
+          <p:cNvPr id="265" name="Google Shape;265;p40"/>
           <p:cNvSpPr txBox="1"/>
           <p:nvPr>
             <p:ph idx="12" type="sldNum"/>
@@ -16770,8 +17729,8 @@
         </p:nvSpPr>
         <p:spPr>
           <a:xfrm>
-            <a:off x="7315202" y="4416550"/>
-            <a:ext cx="1828800" cy="731400"/>
+            <a:off x="7315209" y="4229101"/>
+            <a:ext cx="1828800" cy="914400"/>
           </a:xfrm>
           <a:prstGeom prst="rect">
             <a:avLst/>
@@ -16809,27 +17768,19 @@
               <a:buNone/>
             </a:pPr>
             <a:r>
-              <a:rPr b="0" lang="en" sz="900" u="sng">
+              <a:rPr b="0" lang="en" sz="1000" u="sng">
                 <a:solidFill>
                   <a:schemeClr val="hlink"/>
                 </a:solidFill>
                 <a:hlinkClick r:id="rId3"/>
               </a:rPr>
-              <a:t>https://profriehle.com</a:t>
-            </a:r>
-            <a:r>
-              <a:rPr b="0" lang="en" sz="900">
-                <a:solidFill>
-                  <a:schemeClr val="dk2"/>
-                </a:solidFill>
-              </a:rPr>
+              <a:t>uni1.de/nyt</a:t>
+            </a:r>
+            <a:r>
+              <a:rPr b="0" lang="en" sz="1000"/>
               <a:t> </a:t>
             </a:r>
-            <a:endParaRPr b="0" sz="900">
-              <a:solidFill>
-                <a:schemeClr val="dk2"/>
-              </a:solidFill>
-            </a:endParaRPr>
+            <a:endParaRPr b="0" sz="1000"/>
           </a:p>
         </p:txBody>
       </p:sp>
@@ -16846,7 +17797,7 @@
   <p:cSld>
     <p:spTree>
       <p:nvGrpSpPr>
-        <p:cNvPr id="266" name="Shape 266"/>
+        <p:cNvPr id="269" name="Shape 269"/>
         <p:cNvGrpSpPr/>
         <p:nvPr/>
       </p:nvGrpSpPr>
@@ -16860,7 +17811,7 @@
       </p:grpSpPr>
       <p:sp>
         <p:nvSpPr>
-          <p:cNvPr id="267" name="Google Shape;267;p41"/>
+          <p:cNvPr id="270" name="Google Shape;270;p41"/>
           <p:cNvSpPr txBox="1"/>
           <p:nvPr>
             <p:ph type="title"/>
@@ -16900,7 +17851,7 @@
       </p:sp>
       <p:sp>
         <p:nvSpPr>
-          <p:cNvPr id="268" name="Google Shape;268;p41"/>
+          <p:cNvPr id="271" name="Google Shape;271;p41"/>
           <p:cNvSpPr txBox="1"/>
           <p:nvPr>
             <p:ph idx="1" type="body"/>
@@ -16982,7 +17933,7 @@
             </a:pPr>
             <a:r>
               <a:rPr lang="en"/>
-              <a:t>Increasingly also</a:t>
+              <a:t>Increasingly, make contributions explicit</a:t>
             </a:r>
             <a:endParaRPr/>
           </a:p>
@@ -17024,7 +17975,7 @@
       </p:sp>
       <p:sp>
         <p:nvSpPr>
-          <p:cNvPr id="269" name="Google Shape;269;p41"/>
+          <p:cNvPr id="272" name="Google Shape;272;p41"/>
           <p:cNvSpPr txBox="1"/>
           <p:nvPr>
             <p:ph idx="12" type="sldNum"/>
@@ -17032,8 +17983,8 @@
         </p:nvSpPr>
         <p:spPr>
           <a:xfrm>
-            <a:off x="7315202" y="4416550"/>
-            <a:ext cx="1828800" cy="731400"/>
+            <a:off x="7315209" y="4229101"/>
+            <a:ext cx="1828800" cy="914400"/>
           </a:xfrm>
           <a:prstGeom prst="rect">
             <a:avLst/>
@@ -17071,27 +18022,19 @@
               <a:buNone/>
             </a:pPr>
             <a:r>
-              <a:rPr b="0" lang="en" sz="900" u="sng">
+              <a:rPr b="0" lang="en" sz="1000" u="sng">
                 <a:solidFill>
                   <a:schemeClr val="hlink"/>
                 </a:solidFill>
                 <a:hlinkClick r:id="rId3"/>
               </a:rPr>
-              <a:t>https://profriehle.com</a:t>
-            </a:r>
-            <a:r>
-              <a:rPr b="0" lang="en" sz="900">
-                <a:solidFill>
-                  <a:schemeClr val="dk2"/>
-                </a:solidFill>
-              </a:rPr>
+              <a:t>uni1.de/nyt</a:t>
+            </a:r>
+            <a:r>
+              <a:rPr b="0" lang="en" sz="1000"/>
               <a:t> </a:t>
             </a:r>
-            <a:endParaRPr b="0" sz="900">
-              <a:solidFill>
-                <a:schemeClr val="dk2"/>
-              </a:solidFill>
-            </a:endParaRPr>
+            <a:endParaRPr b="0" sz="1000"/>
           </a:p>
         </p:txBody>
       </p:sp>
@@ -17108,7 +18051,7 @@
   <p:cSld>
     <p:spTree>
       <p:nvGrpSpPr>
-        <p:cNvPr id="273" name="Shape 273"/>
+        <p:cNvPr id="276" name="Shape 276"/>
         <p:cNvGrpSpPr/>
         <p:nvPr/>
       </p:nvGrpSpPr>
@@ -17122,7 +18065,7 @@
       </p:grpSpPr>
       <p:sp>
         <p:nvSpPr>
-          <p:cNvPr id="274" name="Google Shape;274;p42"/>
+          <p:cNvPr id="277" name="Google Shape;277;p42"/>
           <p:cNvSpPr txBox="1"/>
           <p:nvPr>
             <p:ph type="title"/>
@@ -17162,7 +18105,7 @@
       </p:sp>
       <p:sp>
         <p:nvSpPr>
-          <p:cNvPr id="275" name="Google Shape;275;p42"/>
+          <p:cNvPr id="278" name="Google Shape;278;p42"/>
           <p:cNvSpPr txBox="1"/>
           <p:nvPr>
             <p:ph idx="1" type="body"/>
@@ -17300,7 +18243,7 @@
       </p:sp>
       <p:sp>
         <p:nvSpPr>
-          <p:cNvPr id="276" name="Google Shape;276;p42"/>
+          <p:cNvPr id="279" name="Google Shape;279;p42"/>
           <p:cNvSpPr txBox="1"/>
           <p:nvPr>
             <p:ph idx="12" type="sldNum"/>
@@ -17308,8 +18251,8 @@
         </p:nvSpPr>
         <p:spPr>
           <a:xfrm>
-            <a:off x="7315202" y="4416550"/>
-            <a:ext cx="1828800" cy="731400"/>
+            <a:off x="7315209" y="4229101"/>
+            <a:ext cx="1828800" cy="914400"/>
           </a:xfrm>
           <a:prstGeom prst="rect">
             <a:avLst/>
@@ -17347,27 +18290,19 @@
               <a:buNone/>
             </a:pPr>
             <a:r>
-              <a:rPr b="0" lang="en" sz="900" u="sng">
+              <a:rPr b="0" lang="en" sz="1000" u="sng">
                 <a:solidFill>
                   <a:schemeClr val="hlink"/>
                 </a:solidFill>
                 <a:hlinkClick r:id="rId3"/>
               </a:rPr>
-              <a:t>https://profriehle.com</a:t>
-            </a:r>
-            <a:r>
-              <a:rPr b="0" lang="en" sz="900">
-                <a:solidFill>
-                  <a:schemeClr val="dk2"/>
-                </a:solidFill>
-              </a:rPr>
+              <a:t>uni1.de/nyt</a:t>
+            </a:r>
+            <a:r>
+              <a:rPr b="0" lang="en" sz="1000"/>
               <a:t> </a:t>
             </a:r>
-            <a:endParaRPr b="0" sz="900">
-              <a:solidFill>
-                <a:schemeClr val="dk2"/>
-              </a:solidFill>
-            </a:endParaRPr>
+            <a:endParaRPr b="0" sz="1000"/>
           </a:p>
         </p:txBody>
       </p:sp>
@@ -17384,7 +18319,7 @@
   <p:cSld>
     <p:spTree>
       <p:nvGrpSpPr>
-        <p:cNvPr id="280" name="Shape 280"/>
+        <p:cNvPr id="283" name="Shape 283"/>
         <p:cNvGrpSpPr/>
         <p:nvPr/>
       </p:nvGrpSpPr>
@@ -17398,7 +18333,7 @@
       </p:grpSpPr>
       <p:sp>
         <p:nvSpPr>
-          <p:cNvPr id="281" name="Google Shape;281;p43"/>
+          <p:cNvPr id="284" name="Google Shape;284;p43"/>
           <p:cNvSpPr txBox="1"/>
           <p:nvPr>
             <p:ph type="title"/>
@@ -17438,7 +18373,7 @@
       </p:sp>
       <p:sp>
         <p:nvSpPr>
-          <p:cNvPr id="282" name="Google Shape;282;p43"/>
+          <p:cNvPr id="285" name="Google Shape;285;p43"/>
           <p:cNvSpPr txBox="1"/>
           <p:nvPr>
             <p:ph idx="1" type="body"/>
@@ -17474,7 +18409,7 @@
             </a:r>
             <a:r>
               <a:rPr lang="en"/>
-              <a:t>he main body of a paper short-hand references the references, for example:</a:t>
+              <a:t>he main body of a paper uses shorthand references, for example:</a:t>
             </a:r>
             <a:endParaRPr/>
           </a:p>
@@ -17577,7 +18512,7 @@
       </p:sp>
       <p:sp>
         <p:nvSpPr>
-          <p:cNvPr id="283" name="Google Shape;283;p43"/>
+          <p:cNvPr id="286" name="Google Shape;286;p43"/>
           <p:cNvSpPr txBox="1"/>
           <p:nvPr>
             <p:ph idx="12" type="sldNum"/>
@@ -17585,8 +18520,8 @@
         </p:nvSpPr>
         <p:spPr>
           <a:xfrm>
-            <a:off x="7315202" y="4416550"/>
-            <a:ext cx="1828800" cy="731400"/>
+            <a:off x="7315209" y="4229101"/>
+            <a:ext cx="1828800" cy="914400"/>
           </a:xfrm>
           <a:prstGeom prst="rect">
             <a:avLst/>
@@ -17624,27 +18559,19 @@
               <a:buNone/>
             </a:pPr>
             <a:r>
-              <a:rPr b="0" lang="en" sz="900" u="sng">
+              <a:rPr b="0" lang="en" sz="1000" u="sng">
                 <a:solidFill>
                   <a:schemeClr val="hlink"/>
                 </a:solidFill>
                 <a:hlinkClick r:id="rId3"/>
               </a:rPr>
-              <a:t>https://profriehle.com</a:t>
-            </a:r>
-            <a:r>
-              <a:rPr b="0" lang="en" sz="900">
-                <a:solidFill>
-                  <a:schemeClr val="dk2"/>
-                </a:solidFill>
-              </a:rPr>
+              <a:t>uni1.de/nyt</a:t>
+            </a:r>
+            <a:r>
+              <a:rPr b="0" lang="en" sz="1000"/>
               <a:t> </a:t>
             </a:r>
-            <a:endParaRPr b="0" sz="900">
-              <a:solidFill>
-                <a:schemeClr val="dk2"/>
-              </a:solidFill>
-            </a:endParaRPr>
+            <a:endParaRPr b="0" sz="1000"/>
           </a:p>
         </p:txBody>
       </p:sp>
@@ -17661,7 +18588,7 @@
   <p:cSld>
     <p:spTree>
       <p:nvGrpSpPr>
-        <p:cNvPr id="287" name="Shape 287"/>
+        <p:cNvPr id="290" name="Shape 290"/>
         <p:cNvGrpSpPr/>
         <p:nvPr/>
       </p:nvGrpSpPr>
@@ -17675,7 +18602,7 @@
       </p:grpSpPr>
       <p:sp>
         <p:nvSpPr>
-          <p:cNvPr id="288" name="Google Shape;288;p44"/>
+          <p:cNvPr id="291" name="Google Shape;291;p44"/>
           <p:cNvSpPr txBox="1"/>
           <p:nvPr>
             <p:ph type="title"/>
@@ -17715,7 +18642,7 @@
       </p:sp>
       <p:sp>
         <p:nvSpPr>
-          <p:cNvPr id="289" name="Google Shape;289;p44"/>
+          <p:cNvPr id="292" name="Google Shape;292;p44"/>
           <p:cNvSpPr txBox="1"/>
           <p:nvPr>
             <p:ph idx="12" type="sldNum"/>
@@ -17723,8 +18650,8 @@
         </p:nvSpPr>
         <p:spPr>
           <a:xfrm>
-            <a:off x="7315202" y="4416550"/>
-            <a:ext cx="1828800" cy="731400"/>
+            <a:off x="7315209" y="4229101"/>
+            <a:ext cx="1828800" cy="914400"/>
           </a:xfrm>
           <a:prstGeom prst="rect">
             <a:avLst/>
@@ -17762,33 +18689,25 @@
               <a:buNone/>
             </a:pPr>
             <a:r>
-              <a:rPr b="0" lang="en" sz="900" u="sng">
+              <a:rPr b="0" lang="en" sz="1000" u="sng">
                 <a:solidFill>
                   <a:schemeClr val="hlink"/>
                 </a:solidFill>
                 <a:hlinkClick r:id="rId3"/>
               </a:rPr>
-              <a:t>https://profriehle.com</a:t>
-            </a:r>
-            <a:r>
-              <a:rPr b="0" lang="en" sz="900">
-                <a:solidFill>
-                  <a:schemeClr val="dk2"/>
-                </a:solidFill>
-              </a:rPr>
+              <a:t>uni1.de/nyt</a:t>
+            </a:r>
+            <a:r>
+              <a:rPr b="0" lang="en" sz="1000"/>
               <a:t> </a:t>
             </a:r>
-            <a:endParaRPr b="0" sz="900">
-              <a:solidFill>
-                <a:schemeClr val="dk2"/>
-              </a:solidFill>
-            </a:endParaRPr>
+            <a:endParaRPr b="0" sz="1000"/>
           </a:p>
         </p:txBody>
       </p:sp>
       <p:graphicFrame>
         <p:nvGraphicFramePr>
-          <p:cNvPr id="290" name="Google Shape;290;p44"/>
+          <p:cNvPr id="293" name="Google Shape;293;p44"/>
           <p:cNvGraphicFramePr/>
           <p:nvPr/>
         </p:nvGraphicFramePr>
@@ -17801,7 +18720,7 @@
             <a:tbl>
               <a:tblPr>
                 <a:noFill/>
-                <a:tableStyleId>{D41D0E97-C47B-4501-B80B-81D78F5D7A8E}</a:tableStyleId>
+                <a:tableStyleId>{F65FECC6-762F-422A-9A9B-3D2458720008}</a:tableStyleId>
               </a:tblPr>
               <a:tblGrid>
                 <a:gridCol w="2022025"/>
@@ -18055,7 +18974,15 @@
                             <a:schemeClr val="dk1"/>
                           </a:solidFill>
                         </a:rPr>
-                        <a:t>Spector, A. Z. 1989. Achieving application requirements. In Distributed Systems, S. Mullender, Ed. ACM Press. ACM, New York, NY, 19-33. </a:t>
+                        <a:t>[27]	</a:t>
+                      </a:r>
+                      <a:r>
+                        <a:rPr lang="en">
+                          <a:solidFill>
+                            <a:schemeClr val="dk1"/>
+                          </a:solidFill>
+                        </a:rPr>
+                        <a:t>Spector, A. Z. (1989). Achieving application requirements. In Distributed Systems, S. Mullender, Ed. ACM Press. ACM, New York, NY, 19-33. </a:t>
                       </a:r>
                       <a:endParaRPr/>
                     </a:p>
@@ -18207,7 +19134,15 @@
                             <a:schemeClr val="dk1"/>
                           </a:solidFill>
                         </a:rPr>
-                        <a:t>Spector, A. Z. 1989. Achieving application requirements. In Distributed Systems, S. Mullender, Ed. ACM Press. ACM, New York, NY, 19-33. </a:t>
+                        <a:t>[Spe89]	</a:t>
+                      </a:r>
+                      <a:r>
+                        <a:rPr lang="en">
+                          <a:solidFill>
+                            <a:schemeClr val="dk1"/>
+                          </a:solidFill>
+                        </a:rPr>
+                        <a:t>Spector, A. Z. (1989). Achieving application requirements. In Distributed Systems, S. Mullender, Ed. ACM Press. ACM, New York, NY, 19-33. </a:t>
                       </a:r>
                       <a:endParaRPr/>
                     </a:p>
@@ -18284,7 +19219,7 @@
                             <a:schemeClr val="dk1"/>
                           </a:solidFill>
                         </a:rPr>
-                        <a:t>Spector, A. Z. (1989). </a:t>
+                        <a:t>Spector (1989)</a:t>
                       </a:r>
                       <a:endParaRPr/>
                     </a:p>
@@ -18359,6 +19294,14 @@
                             <a:schemeClr val="dk1"/>
                           </a:solidFill>
                         </a:rPr>
+                        <a:t>Spector, A. Z. (1989). </a:t>
+                      </a:r>
+                      <a:r>
+                        <a:rPr lang="en">
+                          <a:solidFill>
+                            <a:schemeClr val="dk1"/>
+                          </a:solidFill>
+                        </a:rPr>
                         <a:t>Achieving application requirements. In Distributed Systems, S. Mullender, Ed. ACM Press. ACM, New York, NY, 19-33. </a:t>
                       </a:r>
                       <a:endParaRPr/>
@@ -18424,7 +19367,7 @@
   <p:cSld>
     <p:spTree>
       <p:nvGrpSpPr>
-        <p:cNvPr id="294" name="Shape 294"/>
+        <p:cNvPr id="297" name="Shape 297"/>
         <p:cNvGrpSpPr/>
         <p:nvPr/>
       </p:nvGrpSpPr>
@@ -18438,7 +19381,7 @@
       </p:grpSpPr>
       <p:sp>
         <p:nvSpPr>
-          <p:cNvPr id="295" name="Google Shape;295;p45"/>
+          <p:cNvPr id="298" name="Google Shape;298;p45"/>
           <p:cNvSpPr txBox="1"/>
           <p:nvPr>
             <p:ph type="title"/>
@@ -18478,7 +19421,7 @@
       </p:sp>
       <p:sp>
         <p:nvSpPr>
-          <p:cNvPr id="296" name="Google Shape;296;p45"/>
+          <p:cNvPr id="299" name="Google Shape;299;p45"/>
           <p:cNvSpPr txBox="1"/>
           <p:nvPr>
             <p:ph idx="12" type="sldNum"/>
@@ -18486,8 +19429,8 @@
         </p:nvSpPr>
         <p:spPr>
           <a:xfrm>
-            <a:off x="7315202" y="4416550"/>
-            <a:ext cx="1828800" cy="731400"/>
+            <a:off x="7315209" y="4229101"/>
+            <a:ext cx="1828800" cy="914400"/>
           </a:xfrm>
           <a:prstGeom prst="rect">
             <a:avLst/>
@@ -18525,33 +19468,25 @@
               <a:buNone/>
             </a:pPr>
             <a:r>
-              <a:rPr b="0" lang="en" sz="900" u="sng">
+              <a:rPr b="0" lang="en" sz="1000" u="sng">
                 <a:solidFill>
                   <a:schemeClr val="hlink"/>
                 </a:solidFill>
                 <a:hlinkClick r:id="rId3"/>
               </a:rPr>
-              <a:t>https://profriehle.com</a:t>
-            </a:r>
-            <a:r>
-              <a:rPr b="0" lang="en" sz="900">
-                <a:solidFill>
-                  <a:schemeClr val="dk2"/>
-                </a:solidFill>
-              </a:rPr>
+              <a:t>uni1.de/nyt</a:t>
+            </a:r>
+            <a:r>
+              <a:rPr b="0" lang="en" sz="1000"/>
               <a:t> </a:t>
             </a:r>
-            <a:endParaRPr>
-              <a:solidFill>
-                <a:schemeClr val="dk2"/>
-              </a:solidFill>
-            </a:endParaRPr>
+            <a:endParaRPr b="0" sz="1000"/>
           </a:p>
         </p:txBody>
       </p:sp>
       <p:pic>
         <p:nvPicPr>
-          <p:cNvPr id="297" name="Google Shape;297;p45"/>
+          <p:cNvPr id="300" name="Google Shape;300;p45"/>
           <p:cNvPicPr preferRelativeResize="0"/>
           <p:nvPr/>
         </p:nvPicPr>
@@ -18590,7 +19525,7 @@
   <p:cSld>
     <p:spTree>
       <p:nvGrpSpPr>
-        <p:cNvPr id="301" name="Shape 301"/>
+        <p:cNvPr id="304" name="Shape 304"/>
         <p:cNvGrpSpPr/>
         <p:nvPr/>
       </p:nvGrpSpPr>
@@ -18604,7 +19539,7 @@
       </p:grpSpPr>
       <p:sp>
         <p:nvSpPr>
-          <p:cNvPr id="302" name="Google Shape;302;p46"/>
+          <p:cNvPr id="305" name="Google Shape;305;p46"/>
           <p:cNvSpPr txBox="1"/>
           <p:nvPr>
             <p:ph type="title"/>
@@ -18659,7 +19594,7 @@
   <p:cSld>
     <p:spTree>
       <p:nvGrpSpPr>
-        <p:cNvPr id="53" name="Shape 53"/>
+        <p:cNvPr id="54" name="Shape 54"/>
         <p:cNvGrpSpPr/>
         <p:nvPr/>
       </p:nvGrpSpPr>
@@ -18673,7 +19608,7 @@
       </p:grpSpPr>
       <p:sp>
         <p:nvSpPr>
-          <p:cNvPr id="54" name="Google Shape;54;p11"/>
+          <p:cNvPr id="55" name="Google Shape;55;p11"/>
           <p:cNvSpPr txBox="1"/>
           <p:nvPr>
             <p:ph type="title"/>
@@ -18713,7 +19648,7 @@
       </p:sp>
       <p:sp>
         <p:nvSpPr>
-          <p:cNvPr id="55" name="Google Shape;55;p11"/>
+          <p:cNvPr id="56" name="Google Shape;56;p11"/>
           <p:cNvSpPr txBox="1"/>
           <p:nvPr>
             <p:ph idx="1" type="body"/>
@@ -18843,7 +19778,7 @@
       </p:sp>
       <p:sp>
         <p:nvSpPr>
-          <p:cNvPr id="56" name="Google Shape;56;p11"/>
+          <p:cNvPr id="57" name="Google Shape;57;p11"/>
           <p:cNvSpPr txBox="1"/>
           <p:nvPr>
             <p:ph idx="12" type="sldNum"/>
@@ -18851,8 +19786,8 @@
         </p:nvSpPr>
         <p:spPr>
           <a:xfrm>
-            <a:off x="7315202" y="4416550"/>
-            <a:ext cx="1828800" cy="731400"/>
+            <a:off x="7315209" y="4229101"/>
+            <a:ext cx="1828800" cy="914400"/>
           </a:xfrm>
           <a:prstGeom prst="rect">
             <a:avLst/>
@@ -18890,27 +19825,19 @@
               <a:buNone/>
             </a:pPr>
             <a:r>
-              <a:rPr b="0" lang="en" sz="900" u="sng">
+              <a:rPr b="0" lang="en" sz="1000" u="sng">
                 <a:solidFill>
                   <a:schemeClr val="hlink"/>
                 </a:solidFill>
                 <a:hlinkClick r:id="rId3"/>
               </a:rPr>
-              <a:t>https://profriehle.com</a:t>
-            </a:r>
-            <a:r>
-              <a:rPr b="0" lang="en" sz="900">
-                <a:solidFill>
-                  <a:schemeClr val="dk2"/>
-                </a:solidFill>
-              </a:rPr>
+              <a:t>uni1.de/nyt</a:t>
+            </a:r>
+            <a:r>
+              <a:rPr b="0" lang="en" sz="1000"/>
               <a:t> </a:t>
             </a:r>
-            <a:endParaRPr b="0" sz="900">
-              <a:solidFill>
-                <a:schemeClr val="dk2"/>
-              </a:solidFill>
-            </a:endParaRPr>
+            <a:endParaRPr b="0" sz="1000"/>
           </a:p>
         </p:txBody>
       </p:sp>
@@ -18927,7 +19854,7 @@
   <p:cSld>
     <p:spTree>
       <p:nvGrpSpPr>
-        <p:cNvPr id="306" name="Shape 306"/>
+        <p:cNvPr id="309" name="Shape 309"/>
         <p:cNvGrpSpPr/>
         <p:nvPr/>
       </p:nvGrpSpPr>
@@ -18941,7 +19868,7 @@
       </p:grpSpPr>
       <p:sp>
         <p:nvSpPr>
-          <p:cNvPr id="307" name="Google Shape;307;p47"/>
+          <p:cNvPr id="310" name="Google Shape;310;p47"/>
           <p:cNvSpPr txBox="1"/>
           <p:nvPr>
             <p:ph type="title"/>
@@ -18981,7 +19908,7 @@
       </p:sp>
       <p:sp>
         <p:nvSpPr>
-          <p:cNvPr id="308" name="Google Shape;308;p47"/>
+          <p:cNvPr id="311" name="Google Shape;311;p47"/>
           <p:cNvSpPr txBox="1"/>
           <p:nvPr>
             <p:ph idx="1" type="body"/>
@@ -19087,7 +20014,7 @@
       </p:sp>
       <p:sp>
         <p:nvSpPr>
-          <p:cNvPr id="309" name="Google Shape;309;p47"/>
+          <p:cNvPr id="312" name="Google Shape;312;p47"/>
           <p:cNvSpPr txBox="1"/>
           <p:nvPr>
             <p:ph idx="12" type="sldNum"/>
@@ -19095,8 +20022,8 @@
         </p:nvSpPr>
         <p:spPr>
           <a:xfrm>
-            <a:off x="7315202" y="4416550"/>
-            <a:ext cx="1828800" cy="731400"/>
+            <a:off x="7315209" y="4229101"/>
+            <a:ext cx="1828800" cy="914400"/>
           </a:xfrm>
           <a:prstGeom prst="rect">
             <a:avLst/>
@@ -19134,27 +20061,19 @@
               <a:buNone/>
             </a:pPr>
             <a:r>
-              <a:rPr b="0" lang="en" sz="900" u="sng">
+              <a:rPr b="0" lang="en" sz="1000" u="sng">
                 <a:solidFill>
                   <a:schemeClr val="hlink"/>
                 </a:solidFill>
                 <a:hlinkClick r:id="rId3"/>
               </a:rPr>
-              <a:t>https://profriehle.com</a:t>
-            </a:r>
-            <a:r>
-              <a:rPr b="0" lang="en" sz="900">
-                <a:solidFill>
-                  <a:schemeClr val="dk2"/>
-                </a:solidFill>
-              </a:rPr>
+              <a:t>uni1.de/nyt</a:t>
+            </a:r>
+            <a:r>
+              <a:rPr b="0" lang="en" sz="1000"/>
               <a:t> </a:t>
             </a:r>
-            <a:endParaRPr b="0" sz="900">
-              <a:solidFill>
-                <a:schemeClr val="dk2"/>
-              </a:solidFill>
-            </a:endParaRPr>
+            <a:endParaRPr b="0" sz="1000"/>
           </a:p>
         </p:txBody>
       </p:sp>
@@ -19171,7 +20090,7 @@
   <p:cSld>
     <p:spTree>
       <p:nvGrpSpPr>
-        <p:cNvPr id="313" name="Shape 313"/>
+        <p:cNvPr id="316" name="Shape 316"/>
         <p:cNvGrpSpPr/>
         <p:nvPr/>
       </p:nvGrpSpPr>
@@ -19185,7 +20104,7 @@
       </p:grpSpPr>
       <p:sp>
         <p:nvSpPr>
-          <p:cNvPr id="314" name="Google Shape;314;p48"/>
+          <p:cNvPr id="317" name="Google Shape;317;p48"/>
           <p:cNvSpPr txBox="1"/>
           <p:nvPr>
             <p:ph type="title"/>
@@ -19225,7 +20144,7 @@
       </p:sp>
       <p:sp>
         <p:nvSpPr>
-          <p:cNvPr id="315" name="Google Shape;315;p48"/>
+          <p:cNvPr id="318" name="Google Shape;318;p48"/>
           <p:cNvSpPr txBox="1"/>
           <p:nvPr>
             <p:ph idx="1" type="body"/>
@@ -19299,7 +20218,7 @@
       </p:sp>
       <p:sp>
         <p:nvSpPr>
-          <p:cNvPr id="316" name="Google Shape;316;p48"/>
+          <p:cNvPr id="319" name="Google Shape;319;p48"/>
           <p:cNvSpPr txBox="1"/>
           <p:nvPr>
             <p:ph idx="12" type="sldNum"/>
@@ -19307,8 +20226,8 @@
         </p:nvSpPr>
         <p:spPr>
           <a:xfrm>
-            <a:off x="7315202" y="4416550"/>
-            <a:ext cx="1828800" cy="731400"/>
+            <a:off x="7315209" y="4229101"/>
+            <a:ext cx="1828800" cy="914400"/>
           </a:xfrm>
           <a:prstGeom prst="rect">
             <a:avLst/>
@@ -19346,27 +20265,19 @@
               <a:buNone/>
             </a:pPr>
             <a:r>
-              <a:rPr b="0" lang="en" sz="900" u="sng">
+              <a:rPr b="0" lang="en" sz="1000" u="sng">
                 <a:solidFill>
                   <a:schemeClr val="hlink"/>
                 </a:solidFill>
                 <a:hlinkClick r:id="rId3"/>
               </a:rPr>
-              <a:t>https://profriehle.com</a:t>
-            </a:r>
-            <a:r>
-              <a:rPr b="0" lang="en" sz="900">
-                <a:solidFill>
-                  <a:schemeClr val="dk2"/>
-                </a:solidFill>
-              </a:rPr>
+              <a:t>uni1.de/nyt</a:t>
+            </a:r>
+            <a:r>
+              <a:rPr b="0" lang="en" sz="1000"/>
               <a:t> </a:t>
             </a:r>
-            <a:endParaRPr b="0" sz="900">
-              <a:solidFill>
-                <a:schemeClr val="dk2"/>
-              </a:solidFill>
-            </a:endParaRPr>
+            <a:endParaRPr b="0" sz="1000"/>
           </a:p>
         </p:txBody>
       </p:sp>
@@ -19383,7 +20294,7 @@
   <p:cSld>
     <p:spTree>
       <p:nvGrpSpPr>
-        <p:cNvPr id="320" name="Shape 320"/>
+        <p:cNvPr id="323" name="Shape 323"/>
         <p:cNvGrpSpPr/>
         <p:nvPr/>
       </p:nvGrpSpPr>
@@ -19397,7 +20308,7 @@
       </p:grpSpPr>
       <p:sp>
         <p:nvSpPr>
-          <p:cNvPr id="321" name="Google Shape;321;p49"/>
+          <p:cNvPr id="324" name="Google Shape;324;p49"/>
           <p:cNvSpPr txBox="1"/>
           <p:nvPr>
             <p:ph type="title"/>
@@ -19437,7 +20348,7 @@
       </p:sp>
       <p:sp>
         <p:nvSpPr>
-          <p:cNvPr id="322" name="Google Shape;322;p49"/>
+          <p:cNvPr id="325" name="Google Shape;325;p49"/>
           <p:cNvSpPr txBox="1"/>
           <p:nvPr>
             <p:ph idx="1" type="body"/>
@@ -19463,21 +20374,106 @@
                 <a:spcPts val="0"/>
               </a:spcBef>
               <a:spcAft>
+                <a:spcPts val="0"/>
+              </a:spcAft>
+              <a:buNone/>
+            </a:pPr>
+            <a:r>
+              <a:rPr lang="en"/>
+              <a:t>A design science thesis is a research thesis using a design </a:t>
+            </a:r>
+            <a:r>
+              <a:rPr lang="en"/>
+              <a:t>science structure</a:t>
+            </a:r>
+            <a:r>
+              <a:rPr lang="en"/>
+              <a:t> </a:t>
+            </a:r>
+            <a:endParaRPr/>
+          </a:p>
+          <a:p>
+            <a:pPr indent="-342900" lvl="0" marL="457200" rtl="0" algn="l">
+              <a:spcBef>
                 <a:spcPts val="1200"/>
-              </a:spcAft>
-              <a:buNone/>
-            </a:pPr>
-            <a:r>
-              <a:rPr lang="en"/>
-              <a:t>A design science thesis is a research thesis using a design </a:t>
-            </a:r>
-            <a:r>
-              <a:rPr lang="en"/>
-              <a:t>science structure</a:t>
-            </a:r>
-            <a:r>
-              <a:rPr lang="en"/>
-              <a:t> </a:t>
+              </a:spcBef>
+              <a:spcAft>
+                <a:spcPts val="0"/>
+              </a:spcAft>
+              <a:buSzPts val="1800"/>
+              <a:buAutoNum type="arabicPeriod"/>
+            </a:pPr>
+            <a:r>
+              <a:rPr lang="en"/>
+              <a:t>Problem identification</a:t>
+            </a:r>
+            <a:endParaRPr/>
+          </a:p>
+          <a:p>
+            <a:pPr indent="-342900" lvl="0" marL="457200" rtl="0" algn="l">
+              <a:spcBef>
+                <a:spcPts val="0"/>
+              </a:spcBef>
+              <a:spcAft>
+                <a:spcPts val="0"/>
+              </a:spcAft>
+              <a:buSzPts val="1800"/>
+              <a:buAutoNum type="arabicPeriod"/>
+            </a:pPr>
+            <a:r>
+              <a:rPr lang="en"/>
+              <a:t>Objective definition</a:t>
+            </a:r>
+            <a:endParaRPr/>
+          </a:p>
+          <a:p>
+            <a:pPr indent="-342900" lvl="0" marL="457200" rtl="0" algn="l">
+              <a:spcBef>
+                <a:spcPts val="0"/>
+              </a:spcBef>
+              <a:spcAft>
+                <a:spcPts val="0"/>
+              </a:spcAft>
+              <a:buSzPts val="1800"/>
+              <a:buAutoNum type="arabicPeriod"/>
+            </a:pPr>
+            <a:r>
+              <a:rPr lang="en"/>
+              <a:t>Solution design</a:t>
+            </a:r>
+            <a:endParaRPr/>
+          </a:p>
+          <a:p>
+            <a:pPr indent="-342900" lvl="0" marL="457200" rtl="0" algn="l">
+              <a:spcBef>
+                <a:spcPts val="0"/>
+              </a:spcBef>
+              <a:spcAft>
+                <a:spcPts val="0"/>
+              </a:spcAft>
+              <a:buSzPts val="1800"/>
+              <a:buAutoNum type="arabicPeriod"/>
+            </a:pPr>
+            <a:r>
+              <a:rPr lang="en"/>
+              <a:t>Demonstration</a:t>
+            </a:r>
+            <a:endParaRPr/>
+          </a:p>
+          <a:p>
+            <a:pPr indent="-342900" lvl="0" marL="457200" rtl="0" algn="l">
+              <a:spcBef>
+                <a:spcPts val="0"/>
+              </a:spcBef>
+              <a:spcAft>
+                <a:spcPts val="0"/>
+              </a:spcAft>
+              <a:buSzPts val="1800"/>
+              <a:buAutoNum type="arabicPeriod"/>
+            </a:pPr>
+            <a:r>
+              <a:rPr lang="en"/>
+              <a:t>Evaluation</a:t>
             </a:r>
             <a:endParaRPr/>
           </a:p>
@@ -19485,7 +20481,7 @@
       </p:sp>
       <p:sp>
         <p:nvSpPr>
-          <p:cNvPr id="323" name="Google Shape;323;p49"/>
+          <p:cNvPr id="326" name="Google Shape;326;p49"/>
           <p:cNvSpPr txBox="1"/>
           <p:nvPr>
             <p:ph idx="12" type="sldNum"/>
@@ -19493,8 +20489,8 @@
         </p:nvSpPr>
         <p:spPr>
           <a:xfrm>
-            <a:off x="7315202" y="4416550"/>
-            <a:ext cx="1828800" cy="731400"/>
+            <a:off x="7315209" y="4229101"/>
+            <a:ext cx="1828800" cy="914400"/>
           </a:xfrm>
           <a:prstGeom prst="rect">
             <a:avLst/>
@@ -19532,27 +20528,19 @@
               <a:buNone/>
             </a:pPr>
             <a:r>
-              <a:rPr b="0" lang="en" sz="900" u="sng">
+              <a:rPr b="0" lang="en" sz="1000" u="sng">
                 <a:solidFill>
                   <a:schemeClr val="hlink"/>
                 </a:solidFill>
                 <a:hlinkClick r:id="rId3"/>
               </a:rPr>
-              <a:t>https://profriehle.com</a:t>
-            </a:r>
-            <a:r>
-              <a:rPr b="0" lang="en" sz="900">
-                <a:solidFill>
-                  <a:schemeClr val="dk2"/>
-                </a:solidFill>
-              </a:rPr>
+              <a:t>uni1.de/nyt</a:t>
+            </a:r>
+            <a:r>
+              <a:rPr b="0" lang="en" sz="1000"/>
               <a:t> </a:t>
             </a:r>
-            <a:endParaRPr b="0" sz="900">
-              <a:solidFill>
-                <a:schemeClr val="dk2"/>
-              </a:solidFill>
-            </a:endParaRPr>
+            <a:endParaRPr b="0" sz="1000"/>
           </a:p>
         </p:txBody>
       </p:sp>
@@ -19569,7 +20557,7 @@
   <p:cSld>
     <p:spTree>
       <p:nvGrpSpPr>
-        <p:cNvPr id="327" name="Shape 327"/>
+        <p:cNvPr id="330" name="Shape 330"/>
         <p:cNvGrpSpPr/>
         <p:nvPr/>
       </p:nvGrpSpPr>
@@ -19583,7 +20571,7 @@
       </p:grpSpPr>
       <p:sp>
         <p:nvSpPr>
-          <p:cNvPr id="328" name="Google Shape;328;p50"/>
+          <p:cNvPr id="331" name="Google Shape;331;p50"/>
           <p:cNvSpPr txBox="1"/>
           <p:nvPr>
             <p:ph type="title"/>
@@ -19623,7 +20611,7 @@
       </p:sp>
       <p:sp>
         <p:nvSpPr>
-          <p:cNvPr id="329" name="Google Shape;329;p50"/>
+          <p:cNvPr id="332" name="Google Shape;332;p50"/>
           <p:cNvSpPr txBox="1"/>
           <p:nvPr>
             <p:ph idx="1" type="body"/>
@@ -19747,7 +20735,7 @@
       </p:sp>
       <p:sp>
         <p:nvSpPr>
-          <p:cNvPr id="330" name="Google Shape;330;p50"/>
+          <p:cNvPr id="333" name="Google Shape;333;p50"/>
           <p:cNvSpPr txBox="1"/>
           <p:nvPr>
             <p:ph idx="12" type="sldNum"/>
@@ -19755,8 +20743,8 @@
         </p:nvSpPr>
         <p:spPr>
           <a:xfrm>
-            <a:off x="7315202" y="4416550"/>
-            <a:ext cx="1828800" cy="731400"/>
+            <a:off x="7315209" y="4229101"/>
+            <a:ext cx="1828800" cy="914400"/>
           </a:xfrm>
           <a:prstGeom prst="rect">
             <a:avLst/>
@@ -19794,27 +20782,19 @@
               <a:buNone/>
             </a:pPr>
             <a:r>
-              <a:rPr b="0" lang="en" sz="900" u="sng">
+              <a:rPr b="0" lang="en" sz="1000" u="sng">
                 <a:solidFill>
                   <a:schemeClr val="hlink"/>
                 </a:solidFill>
                 <a:hlinkClick r:id="rId3"/>
               </a:rPr>
-              <a:t>https://profriehle.com</a:t>
-            </a:r>
-            <a:r>
-              <a:rPr b="0" lang="en" sz="900">
-                <a:solidFill>
-                  <a:schemeClr val="dk2"/>
-                </a:solidFill>
-              </a:rPr>
+              <a:t>uni1.de/nyt</a:t>
+            </a:r>
+            <a:r>
+              <a:rPr b="0" lang="en" sz="1000"/>
               <a:t> </a:t>
             </a:r>
-            <a:endParaRPr b="0" sz="900">
-              <a:solidFill>
-                <a:schemeClr val="dk2"/>
-              </a:solidFill>
-            </a:endParaRPr>
+            <a:endParaRPr b="0" sz="1000"/>
           </a:p>
         </p:txBody>
       </p:sp>
@@ -19831,7 +20811,7 @@
   <p:cSld>
     <p:spTree>
       <p:nvGrpSpPr>
-        <p:cNvPr id="334" name="Shape 334"/>
+        <p:cNvPr id="337" name="Shape 337"/>
         <p:cNvGrpSpPr/>
         <p:nvPr/>
       </p:nvGrpSpPr>
@@ -19845,7 +20825,7 @@
       </p:grpSpPr>
       <p:sp>
         <p:nvSpPr>
-          <p:cNvPr id="335" name="Google Shape;335;p51"/>
+          <p:cNvPr id="338" name="Google Shape;338;p51"/>
           <p:cNvSpPr txBox="1"/>
           <p:nvPr>
             <p:ph type="title"/>
@@ -19885,7 +20865,7 @@
       </p:sp>
       <p:sp>
         <p:nvSpPr>
-          <p:cNvPr id="336" name="Google Shape;336;p51"/>
+          <p:cNvPr id="339" name="Google Shape;339;p51"/>
           <p:cNvSpPr txBox="1"/>
           <p:nvPr>
             <p:ph idx="1" type="body"/>
@@ -19983,7 +20963,7 @@
             </a:pPr>
             <a:r>
               <a:rPr lang="en"/>
-              <a:t>You demonstrated ability to separate process from results is a plus</a:t>
+              <a:t>Demonstrated ability to separate process from results is a plus</a:t>
             </a:r>
             <a:endParaRPr/>
           </a:p>
@@ -20008,7 +20988,7 @@
       </p:sp>
       <p:sp>
         <p:nvSpPr>
-          <p:cNvPr id="337" name="Google Shape;337;p51"/>
+          <p:cNvPr id="340" name="Google Shape;340;p51"/>
           <p:cNvSpPr txBox="1"/>
           <p:nvPr>
             <p:ph idx="12" type="sldNum"/>
@@ -20016,8 +20996,8 @@
         </p:nvSpPr>
         <p:spPr>
           <a:xfrm>
-            <a:off x="7315202" y="4416550"/>
-            <a:ext cx="1828800" cy="731400"/>
+            <a:off x="7315209" y="4229101"/>
+            <a:ext cx="1828800" cy="914400"/>
           </a:xfrm>
           <a:prstGeom prst="rect">
             <a:avLst/>
@@ -20055,27 +21035,19 @@
               <a:buNone/>
             </a:pPr>
             <a:r>
-              <a:rPr b="0" lang="en" sz="900" u="sng">
+              <a:rPr b="0" lang="en" sz="1000" u="sng">
                 <a:solidFill>
                   <a:schemeClr val="hlink"/>
                 </a:solidFill>
                 <a:hlinkClick r:id="rId3"/>
               </a:rPr>
-              <a:t>https://profriehle.com</a:t>
-            </a:r>
-            <a:r>
-              <a:rPr b="0" lang="en" sz="900">
-                <a:solidFill>
-                  <a:schemeClr val="dk2"/>
-                </a:solidFill>
-              </a:rPr>
+              <a:t>uni1.de/nyt</a:t>
+            </a:r>
+            <a:r>
+              <a:rPr b="0" lang="en" sz="1000"/>
               <a:t> </a:t>
             </a:r>
-            <a:endParaRPr b="0" sz="900">
-              <a:solidFill>
-                <a:schemeClr val="dk2"/>
-              </a:solidFill>
-            </a:endParaRPr>
+            <a:endParaRPr b="0" sz="1000"/>
           </a:p>
         </p:txBody>
       </p:sp>
@@ -20092,7 +21064,7 @@
   <p:cSld>
     <p:spTree>
       <p:nvGrpSpPr>
-        <p:cNvPr id="341" name="Shape 341"/>
+        <p:cNvPr id="344" name="Shape 344"/>
         <p:cNvGrpSpPr/>
         <p:nvPr/>
       </p:nvGrpSpPr>
@@ -20106,7 +21078,7 @@
       </p:grpSpPr>
       <p:sp>
         <p:nvSpPr>
-          <p:cNvPr id="342" name="Google Shape;342;p52"/>
+          <p:cNvPr id="345" name="Google Shape;345;p52"/>
           <p:cNvSpPr txBox="1"/>
           <p:nvPr>
             <p:ph type="title"/>
@@ -20161,7 +21133,7 @@
   <p:cSld>
     <p:spTree>
       <p:nvGrpSpPr>
-        <p:cNvPr id="346" name="Shape 346"/>
+        <p:cNvPr id="349" name="Shape 349"/>
         <p:cNvGrpSpPr/>
         <p:nvPr/>
       </p:nvGrpSpPr>
@@ -20175,7 +21147,7 @@
       </p:grpSpPr>
       <p:sp>
         <p:nvSpPr>
-          <p:cNvPr id="347" name="Google Shape;347;p53"/>
+          <p:cNvPr id="350" name="Google Shape;350;p53"/>
           <p:cNvSpPr txBox="1"/>
           <p:nvPr>
             <p:ph idx="1" type="body"/>
@@ -20240,7 +21212,7 @@
             </a:pPr>
             <a:r>
               <a:rPr lang="en"/>
-              <a:t>All writing is specific</a:t>
+              <a:t>All good writing is specific</a:t>
             </a:r>
             <a:endParaRPr/>
           </a:p>
@@ -20279,23 +21251,6 @@
             <a:endParaRPr/>
           </a:p>
           <a:p>
-            <a:pPr indent="-342900" lvl="0" marL="457200" rtl="0" algn="l">
-              <a:spcBef>
-                <a:spcPts val="1000"/>
-              </a:spcBef>
-              <a:spcAft>
-                <a:spcPts val="0"/>
-              </a:spcAft>
-              <a:buSzPts val="1800"/>
-              <a:buChar char="●"/>
-            </a:pPr>
-            <a:r>
-              <a:rPr lang="en"/>
-              <a:t>Use passive voice</a:t>
-            </a:r>
-            <a:endParaRPr/>
-          </a:p>
-          <a:p>
             <a:pPr indent="-317500" lvl="1" marL="914400" rtl="0" algn="l">
               <a:spcBef>
                 <a:spcPts val="0"/>
@@ -20331,7 +21286,7 @@
       </p:sp>
       <p:sp>
         <p:nvSpPr>
-          <p:cNvPr id="348" name="Google Shape;348;p53"/>
+          <p:cNvPr id="351" name="Google Shape;351;p53"/>
           <p:cNvSpPr txBox="1"/>
           <p:nvPr>
             <p:ph type="title"/>
@@ -20371,7 +21326,7 @@
       </p:sp>
       <p:sp>
         <p:nvSpPr>
-          <p:cNvPr id="349" name="Google Shape;349;p53"/>
+          <p:cNvPr id="352" name="Google Shape;352;p53"/>
           <p:cNvSpPr txBox="1"/>
           <p:nvPr>
             <p:ph idx="12" type="sldNum"/>
@@ -20379,8 +21334,8 @@
         </p:nvSpPr>
         <p:spPr>
           <a:xfrm>
-            <a:off x="7315202" y="4416550"/>
-            <a:ext cx="1828800" cy="731400"/>
+            <a:off x="7315209" y="4229101"/>
+            <a:ext cx="1828800" cy="914400"/>
           </a:xfrm>
           <a:prstGeom prst="rect">
             <a:avLst/>
@@ -20418,27 +21373,19 @@
               <a:buNone/>
             </a:pPr>
             <a:r>
-              <a:rPr b="0" lang="en" sz="900" u="sng">
+              <a:rPr b="0" lang="en" sz="1000" u="sng">
                 <a:solidFill>
                   <a:schemeClr val="hlink"/>
                 </a:solidFill>
                 <a:hlinkClick r:id="rId3"/>
               </a:rPr>
-              <a:t>https://profriehle.com</a:t>
-            </a:r>
-            <a:r>
-              <a:rPr b="0" lang="en" sz="900">
-                <a:solidFill>
-                  <a:schemeClr val="dk2"/>
-                </a:solidFill>
-              </a:rPr>
+              <a:t>uni1.de/nyt</a:t>
+            </a:r>
+            <a:r>
+              <a:rPr b="0" lang="en" sz="1000"/>
               <a:t> </a:t>
             </a:r>
-            <a:endParaRPr b="0" sz="900">
-              <a:solidFill>
-                <a:schemeClr val="dk2"/>
-              </a:solidFill>
-            </a:endParaRPr>
+            <a:endParaRPr b="0" sz="1000"/>
           </a:p>
         </p:txBody>
       </p:sp>
@@ -20455,7 +21402,7 @@
   <p:cSld>
     <p:spTree>
       <p:nvGrpSpPr>
-        <p:cNvPr id="353" name="Shape 353"/>
+        <p:cNvPr id="356" name="Shape 356"/>
         <p:cNvGrpSpPr/>
         <p:nvPr/>
       </p:nvGrpSpPr>
@@ -20469,7 +21416,7 @@
       </p:grpSpPr>
       <p:sp>
         <p:nvSpPr>
-          <p:cNvPr id="354" name="Google Shape;354;p54"/>
+          <p:cNvPr id="357" name="Google Shape;357;p54"/>
           <p:cNvSpPr txBox="1"/>
           <p:nvPr>
             <p:ph type="title"/>
@@ -20509,7 +21456,7 @@
       </p:sp>
       <p:sp>
         <p:nvSpPr>
-          <p:cNvPr id="355" name="Google Shape;355;p54"/>
+          <p:cNvPr id="358" name="Google Shape;358;p54"/>
           <p:cNvSpPr txBox="1"/>
           <p:nvPr>
             <p:ph idx="1" type="body"/>
@@ -20650,7 +21597,7 @@
       </p:sp>
       <p:sp>
         <p:nvSpPr>
-          <p:cNvPr id="356" name="Google Shape;356;p54"/>
+          <p:cNvPr id="359" name="Google Shape;359;p54"/>
           <p:cNvSpPr txBox="1"/>
           <p:nvPr>
             <p:ph idx="12" type="sldNum"/>
@@ -20658,8 +21605,8 @@
         </p:nvSpPr>
         <p:spPr>
           <a:xfrm>
-            <a:off x="7315202" y="4416550"/>
-            <a:ext cx="1828800" cy="731400"/>
+            <a:off x="7315209" y="4229101"/>
+            <a:ext cx="1828800" cy="914400"/>
           </a:xfrm>
           <a:prstGeom prst="rect">
             <a:avLst/>
@@ -20697,33 +21644,25 @@
               <a:buNone/>
             </a:pPr>
             <a:r>
-              <a:rPr b="0" lang="en" sz="900" u="sng">
+              <a:rPr b="0" lang="en" sz="1000" u="sng">
                 <a:solidFill>
                   <a:schemeClr val="hlink"/>
                 </a:solidFill>
                 <a:hlinkClick r:id="rId3"/>
               </a:rPr>
-              <a:t>https://profriehle.com</a:t>
-            </a:r>
-            <a:r>
-              <a:rPr b="0" lang="en" sz="900">
-                <a:solidFill>
-                  <a:schemeClr val="dk2"/>
-                </a:solidFill>
-              </a:rPr>
+              <a:t>uni1.de/nyt</a:t>
+            </a:r>
+            <a:r>
+              <a:rPr b="0" lang="en" sz="1000"/>
               <a:t> </a:t>
             </a:r>
-            <a:endParaRPr b="0" sz="900">
-              <a:solidFill>
-                <a:schemeClr val="dk2"/>
-              </a:solidFill>
-            </a:endParaRPr>
+            <a:endParaRPr b="0" sz="1000"/>
           </a:p>
         </p:txBody>
       </p:sp>
       <p:sp>
         <p:nvSpPr>
-          <p:cNvPr id="357" name="Google Shape;357;p54"/>
+          <p:cNvPr id="360" name="Google Shape;360;p54"/>
           <p:cNvSpPr txBox="1"/>
           <p:nvPr/>
         </p:nvSpPr>
@@ -20757,7 +21696,7 @@
             </a:pPr>
             <a:r>
               <a:rPr lang="en"/>
-              <a:t>[1] Strunk &amp; White (1918). Elements of Style. Penguin.</a:t>
+              <a:t>[1] Strunk &amp; White (1918): Elements of Style.</a:t>
             </a:r>
             <a:endParaRPr/>
           </a:p>
@@ -20776,7 +21715,7 @@
   <p:cSld>
     <p:spTree>
       <p:nvGrpSpPr>
-        <p:cNvPr id="361" name="Shape 361"/>
+        <p:cNvPr id="364" name="Shape 364"/>
         <p:cNvGrpSpPr/>
         <p:nvPr/>
       </p:nvGrpSpPr>
@@ -20790,7 +21729,7 @@
       </p:grpSpPr>
       <p:sp>
         <p:nvSpPr>
-          <p:cNvPr id="362" name="Google Shape;362;p55"/>
+          <p:cNvPr id="365" name="Google Shape;365;p55"/>
           <p:cNvSpPr txBox="1"/>
           <p:nvPr>
             <p:ph type="title"/>
@@ -20830,7 +21769,7 @@
       </p:sp>
       <p:sp>
         <p:nvSpPr>
-          <p:cNvPr id="363" name="Google Shape;363;p55"/>
+          <p:cNvPr id="366" name="Google Shape;366;p55"/>
           <p:cNvSpPr txBox="1"/>
           <p:nvPr>
             <p:ph idx="1" type="body"/>
@@ -20920,7 +21859,7 @@
       </p:sp>
       <p:sp>
         <p:nvSpPr>
-          <p:cNvPr id="364" name="Google Shape;364;p55"/>
+          <p:cNvPr id="367" name="Google Shape;367;p55"/>
           <p:cNvSpPr txBox="1"/>
           <p:nvPr>
             <p:ph idx="12" type="sldNum"/>
@@ -20928,8 +21867,8 @@
         </p:nvSpPr>
         <p:spPr>
           <a:xfrm>
-            <a:off x="7315202" y="4416550"/>
-            <a:ext cx="1828800" cy="731400"/>
+            <a:off x="7315209" y="4229101"/>
+            <a:ext cx="1828800" cy="914400"/>
           </a:xfrm>
           <a:prstGeom prst="rect">
             <a:avLst/>
@@ -20967,27 +21906,19 @@
               <a:buNone/>
             </a:pPr>
             <a:r>
-              <a:rPr b="0" lang="en" sz="900" u="sng">
+              <a:rPr b="0" lang="en" sz="1000" u="sng">
                 <a:solidFill>
                   <a:schemeClr val="hlink"/>
                 </a:solidFill>
                 <a:hlinkClick r:id="rId3"/>
               </a:rPr>
-              <a:t>https://profriehle.com</a:t>
-            </a:r>
-            <a:r>
-              <a:rPr b="0" lang="en" sz="900">
-                <a:solidFill>
-                  <a:schemeClr val="dk2"/>
-                </a:solidFill>
-              </a:rPr>
+              <a:t>uni1.de/nyt</a:t>
+            </a:r>
+            <a:r>
+              <a:rPr b="0" lang="en" sz="1000"/>
               <a:t> </a:t>
             </a:r>
-            <a:endParaRPr b="0" sz="900">
-              <a:solidFill>
-                <a:schemeClr val="dk2"/>
-              </a:solidFill>
-            </a:endParaRPr>
+            <a:endParaRPr b="0" sz="1000"/>
           </a:p>
         </p:txBody>
       </p:sp>
@@ -21004,7 +21935,7 @@
   <p:cSld>
     <p:spTree>
       <p:nvGrpSpPr>
-        <p:cNvPr id="368" name="Shape 368"/>
+        <p:cNvPr id="371" name="Shape 371"/>
         <p:cNvGrpSpPr/>
         <p:nvPr/>
       </p:nvGrpSpPr>
@@ -21018,7 +21949,7 @@
       </p:grpSpPr>
       <p:sp>
         <p:nvSpPr>
-          <p:cNvPr id="369" name="Google Shape;369;p56"/>
+          <p:cNvPr id="372" name="Google Shape;372;p56"/>
           <p:cNvSpPr txBox="1"/>
           <p:nvPr>
             <p:ph type="title"/>
@@ -21058,7 +21989,7 @@
       </p:sp>
       <p:sp>
         <p:nvSpPr>
-          <p:cNvPr id="370" name="Google Shape;370;p56"/>
+          <p:cNvPr id="373" name="Google Shape;373;p56"/>
           <p:cNvSpPr txBox="1"/>
           <p:nvPr>
             <p:ph idx="1" type="body"/>
@@ -21115,14 +22046,7 @@
             </a:r>
             <a:r>
               <a:rPr lang="en"/>
-              <a:t> 3</a:t>
-            </a:r>
-            <a:br>
-              <a:rPr lang="en"/>
-            </a:br>
-            <a:r>
-              <a:rPr lang="en"/>
-              <a:t>in this experiment</a:t>
+              <a:t> 3 in this experiment</a:t>
             </a:r>
             <a:br>
               <a:rPr lang="en"/>
@@ -21162,11 +22086,8 @@
             </a:pPr>
             <a:r>
               <a:rPr lang="en"/>
-              <a:t>“It is suggested to remove any dependency on prerequisite 3</a:t>
-            </a:r>
-            <a:br>
-              <a:rPr lang="en"/>
-            </a:br>
+              <a:t>“It is suggested to remove any dependency on prerequisite 3 </a:t>
+            </a:r>
             <a:r>
               <a:rPr lang="en" strike="sngStrike"/>
               <a:t>in this experiment</a:t>
@@ -21199,7 +22120,7 @@
       </p:sp>
       <p:sp>
         <p:nvSpPr>
-          <p:cNvPr id="371" name="Google Shape;371;p56"/>
+          <p:cNvPr id="374" name="Google Shape;374;p56"/>
           <p:cNvSpPr txBox="1"/>
           <p:nvPr>
             <p:ph idx="12" type="sldNum"/>
@@ -21207,8 +22128,8 @@
         </p:nvSpPr>
         <p:spPr>
           <a:xfrm>
-            <a:off x="7315202" y="4416550"/>
-            <a:ext cx="1828800" cy="731400"/>
+            <a:off x="7315209" y="4229101"/>
+            <a:ext cx="1828800" cy="914400"/>
           </a:xfrm>
           <a:prstGeom prst="rect">
             <a:avLst/>
@@ -21246,27 +22167,19 @@
               <a:buNone/>
             </a:pPr>
             <a:r>
-              <a:rPr b="0" lang="en" sz="900" u="sng">
+              <a:rPr b="0" lang="en" sz="1000" u="sng">
                 <a:solidFill>
                   <a:schemeClr val="hlink"/>
                 </a:solidFill>
                 <a:hlinkClick r:id="rId3"/>
               </a:rPr>
-              <a:t>https://profriehle.com</a:t>
-            </a:r>
-            <a:r>
-              <a:rPr b="0" lang="en" sz="900">
-                <a:solidFill>
-                  <a:schemeClr val="dk2"/>
-                </a:solidFill>
-              </a:rPr>
+              <a:t>uni1.de/nyt</a:t>
+            </a:r>
+            <a:r>
+              <a:rPr b="0" lang="en" sz="1000"/>
               <a:t> </a:t>
             </a:r>
-            <a:endParaRPr b="0" sz="900">
-              <a:solidFill>
-                <a:schemeClr val="dk2"/>
-              </a:solidFill>
-            </a:endParaRPr>
+            <a:endParaRPr b="0" sz="1000"/>
           </a:p>
         </p:txBody>
       </p:sp>
@@ -21283,7 +22196,7 @@
   <p:cSld>
     <p:spTree>
       <p:nvGrpSpPr>
-        <p:cNvPr id="60" name="Shape 60"/>
+        <p:cNvPr id="61" name="Shape 61"/>
         <p:cNvGrpSpPr/>
         <p:nvPr/>
       </p:nvGrpSpPr>
@@ -21297,7 +22210,7 @@
       </p:grpSpPr>
       <p:sp>
         <p:nvSpPr>
-          <p:cNvPr id="61" name="Google Shape;61;p12"/>
+          <p:cNvPr id="62" name="Google Shape;62;p12"/>
           <p:cNvSpPr txBox="1"/>
           <p:nvPr>
             <p:ph type="title"/>
@@ -21337,7 +22250,7 @@
       </p:sp>
       <p:sp>
         <p:nvSpPr>
-          <p:cNvPr id="62" name="Google Shape;62;p12"/>
+          <p:cNvPr id="63" name="Google Shape;63;p12"/>
           <p:cNvSpPr txBox="1"/>
           <p:nvPr>
             <p:ph idx="1" type="body"/>
@@ -21465,7 +22378,7 @@
       </p:sp>
       <p:sp>
         <p:nvSpPr>
-          <p:cNvPr id="63" name="Google Shape;63;p12"/>
+          <p:cNvPr id="64" name="Google Shape;64;p12"/>
           <p:cNvSpPr txBox="1"/>
           <p:nvPr>
             <p:ph idx="12" type="sldNum"/>
@@ -21473,8 +22386,8 @@
         </p:nvSpPr>
         <p:spPr>
           <a:xfrm>
-            <a:off x="7315202" y="4416550"/>
-            <a:ext cx="1828800" cy="731400"/>
+            <a:off x="7315209" y="4229101"/>
+            <a:ext cx="1828800" cy="914400"/>
           </a:xfrm>
           <a:prstGeom prst="rect">
             <a:avLst/>
@@ -21512,27 +22425,19 @@
               <a:buNone/>
             </a:pPr>
             <a:r>
-              <a:rPr b="0" lang="en" sz="900" u="sng">
+              <a:rPr b="0" lang="en" sz="1000" u="sng">
                 <a:solidFill>
                   <a:schemeClr val="hlink"/>
                 </a:solidFill>
                 <a:hlinkClick r:id="rId3"/>
               </a:rPr>
-              <a:t>https://profriehle.com</a:t>
-            </a:r>
-            <a:r>
-              <a:rPr b="0" lang="en" sz="900">
-                <a:solidFill>
-                  <a:schemeClr val="dk2"/>
-                </a:solidFill>
-              </a:rPr>
+              <a:t>uni1.de/nyt</a:t>
+            </a:r>
+            <a:r>
+              <a:rPr b="0" lang="en" sz="1000"/>
               <a:t> </a:t>
             </a:r>
-            <a:endParaRPr b="0" sz="900">
-              <a:solidFill>
-                <a:schemeClr val="dk2"/>
-              </a:solidFill>
-            </a:endParaRPr>
+            <a:endParaRPr b="0" sz="1000"/>
           </a:p>
         </p:txBody>
       </p:sp>
@@ -21549,7 +22454,7 @@
   <p:cSld>
     <p:spTree>
       <p:nvGrpSpPr>
-        <p:cNvPr id="375" name="Shape 375"/>
+        <p:cNvPr id="378" name="Shape 378"/>
         <p:cNvGrpSpPr/>
         <p:nvPr/>
       </p:nvGrpSpPr>
@@ -21563,7 +22468,7 @@
       </p:grpSpPr>
       <p:sp>
         <p:nvSpPr>
-          <p:cNvPr id="376" name="Google Shape;376;p57"/>
+          <p:cNvPr id="379" name="Google Shape;379;p57"/>
           <p:cNvSpPr txBox="1"/>
           <p:nvPr>
             <p:ph type="title"/>
@@ -21607,7 +22512,7 @@
       </p:sp>
       <p:sp>
         <p:nvSpPr>
-          <p:cNvPr id="377" name="Google Shape;377;p57"/>
+          <p:cNvPr id="380" name="Google Shape;380;p57"/>
           <p:cNvSpPr txBox="1"/>
           <p:nvPr>
             <p:ph idx="1" type="body"/>
@@ -21719,7 +22624,7 @@
       </p:sp>
       <p:sp>
         <p:nvSpPr>
-          <p:cNvPr id="378" name="Google Shape;378;p57"/>
+          <p:cNvPr id="381" name="Google Shape;381;p57"/>
           <p:cNvSpPr txBox="1"/>
           <p:nvPr>
             <p:ph idx="12" type="sldNum"/>
@@ -21727,8 +22632,8 @@
         </p:nvSpPr>
         <p:spPr>
           <a:xfrm>
-            <a:off x="7315202" y="4416550"/>
-            <a:ext cx="1828800" cy="731400"/>
+            <a:off x="7315209" y="4229101"/>
+            <a:ext cx="1828800" cy="914400"/>
           </a:xfrm>
           <a:prstGeom prst="rect">
             <a:avLst/>
@@ -21766,27 +22671,19 @@
               <a:buNone/>
             </a:pPr>
             <a:r>
-              <a:rPr b="0" lang="en" sz="900" u="sng">
+              <a:rPr b="0" lang="en" sz="1000" u="sng">
                 <a:solidFill>
                   <a:schemeClr val="hlink"/>
                 </a:solidFill>
                 <a:hlinkClick r:id="rId3"/>
               </a:rPr>
-              <a:t>https://profriehle.com</a:t>
-            </a:r>
-            <a:r>
-              <a:rPr b="0" lang="en" sz="900">
-                <a:solidFill>
-                  <a:schemeClr val="dk2"/>
-                </a:solidFill>
-              </a:rPr>
+              <a:t>uni1.de/nyt</a:t>
+            </a:r>
+            <a:r>
+              <a:rPr b="0" lang="en" sz="1000"/>
               <a:t> </a:t>
             </a:r>
-            <a:endParaRPr b="0" sz="900">
-              <a:solidFill>
-                <a:schemeClr val="dk2"/>
-              </a:solidFill>
-            </a:endParaRPr>
+            <a:endParaRPr b="0" sz="1000"/>
           </a:p>
         </p:txBody>
       </p:sp>
@@ -21803,7 +22700,7 @@
   <p:cSld>
     <p:spTree>
       <p:nvGrpSpPr>
-        <p:cNvPr id="382" name="Shape 382"/>
+        <p:cNvPr id="385" name="Shape 385"/>
         <p:cNvGrpSpPr/>
         <p:nvPr/>
       </p:nvGrpSpPr>
@@ -21817,7 +22714,7 @@
       </p:grpSpPr>
       <p:sp>
         <p:nvSpPr>
-          <p:cNvPr id="383" name="Google Shape;383;p58"/>
+          <p:cNvPr id="386" name="Google Shape;386;p58"/>
           <p:cNvSpPr txBox="1"/>
           <p:nvPr>
             <p:ph type="title"/>
@@ -21861,7 +22758,7 @@
       </p:sp>
       <p:sp>
         <p:nvSpPr>
-          <p:cNvPr id="384" name="Google Shape;384;p58"/>
+          <p:cNvPr id="387" name="Google Shape;387;p58"/>
           <p:cNvSpPr txBox="1"/>
           <p:nvPr>
             <p:ph idx="1" type="body"/>
@@ -21966,7 +22863,7 @@
       </p:sp>
       <p:sp>
         <p:nvSpPr>
-          <p:cNvPr id="385" name="Google Shape;385;p58"/>
+          <p:cNvPr id="388" name="Google Shape;388;p58"/>
           <p:cNvSpPr txBox="1"/>
           <p:nvPr>
             <p:ph idx="12" type="sldNum"/>
@@ -21974,8 +22871,8 @@
         </p:nvSpPr>
         <p:spPr>
           <a:xfrm>
-            <a:off x="7315202" y="4416550"/>
-            <a:ext cx="1828800" cy="731400"/>
+            <a:off x="7315209" y="4229101"/>
+            <a:ext cx="1828800" cy="914400"/>
           </a:xfrm>
           <a:prstGeom prst="rect">
             <a:avLst/>
@@ -22013,27 +22910,19 @@
               <a:buNone/>
             </a:pPr>
             <a:r>
-              <a:rPr b="0" lang="en" sz="900" u="sng">
+              <a:rPr b="0" lang="en" sz="1000" u="sng">
                 <a:solidFill>
                   <a:schemeClr val="hlink"/>
                 </a:solidFill>
                 <a:hlinkClick r:id="rId3"/>
               </a:rPr>
-              <a:t>https://profriehle.com</a:t>
-            </a:r>
-            <a:r>
-              <a:rPr b="0" lang="en" sz="900">
-                <a:solidFill>
-                  <a:schemeClr val="dk2"/>
-                </a:solidFill>
-              </a:rPr>
+              <a:t>uni1.de/nyt</a:t>
+            </a:r>
+            <a:r>
+              <a:rPr b="0" lang="en" sz="1000"/>
               <a:t> </a:t>
             </a:r>
-            <a:endParaRPr b="0" sz="900">
-              <a:solidFill>
-                <a:schemeClr val="dk2"/>
-              </a:solidFill>
-            </a:endParaRPr>
+            <a:endParaRPr b="0" sz="1000"/>
           </a:p>
         </p:txBody>
       </p:sp>
@@ -22050,7 +22939,7 @@
   <p:cSld>
     <p:spTree>
       <p:nvGrpSpPr>
-        <p:cNvPr id="389" name="Shape 389"/>
+        <p:cNvPr id="392" name="Shape 392"/>
         <p:cNvGrpSpPr/>
         <p:nvPr/>
       </p:nvGrpSpPr>
@@ -22064,7 +22953,7 @@
       </p:grpSpPr>
       <p:sp>
         <p:nvSpPr>
-          <p:cNvPr id="390" name="Google Shape;390;p59"/>
+          <p:cNvPr id="393" name="Google Shape;393;p59"/>
           <p:cNvSpPr txBox="1"/>
           <p:nvPr>
             <p:ph type="title"/>
@@ -22104,7 +22993,7 @@
       </p:sp>
       <p:sp>
         <p:nvSpPr>
-          <p:cNvPr id="391" name="Google Shape;391;p59"/>
+          <p:cNvPr id="394" name="Google Shape;394;p59"/>
           <p:cNvSpPr txBox="1"/>
           <p:nvPr>
             <p:ph idx="1" type="body"/>
@@ -22194,7 +23083,7 @@
       </p:sp>
       <p:sp>
         <p:nvSpPr>
-          <p:cNvPr id="392" name="Google Shape;392;p59"/>
+          <p:cNvPr id="395" name="Google Shape;395;p59"/>
           <p:cNvSpPr txBox="1"/>
           <p:nvPr>
             <p:ph idx="12" type="sldNum"/>
@@ -22202,8 +23091,8 @@
         </p:nvSpPr>
         <p:spPr>
           <a:xfrm>
-            <a:off x="7315202" y="4416550"/>
-            <a:ext cx="1828800" cy="731400"/>
+            <a:off x="7315209" y="4229101"/>
+            <a:ext cx="1828800" cy="914400"/>
           </a:xfrm>
           <a:prstGeom prst="rect">
             <a:avLst/>
@@ -22241,27 +23130,19 @@
               <a:buNone/>
             </a:pPr>
             <a:r>
-              <a:rPr b="0" lang="en" sz="900" u="sng">
+              <a:rPr b="0" lang="en" sz="1000" u="sng">
                 <a:solidFill>
                   <a:schemeClr val="hlink"/>
                 </a:solidFill>
                 <a:hlinkClick r:id="rId3"/>
               </a:rPr>
-              <a:t>https://profriehle.com</a:t>
-            </a:r>
-            <a:r>
-              <a:rPr b="0" lang="en" sz="900">
-                <a:solidFill>
-                  <a:schemeClr val="dk2"/>
-                </a:solidFill>
-              </a:rPr>
+              <a:t>uni1.de/nyt</a:t>
+            </a:r>
+            <a:r>
+              <a:rPr b="0" lang="en" sz="1000"/>
               <a:t> </a:t>
             </a:r>
-            <a:endParaRPr b="0" sz="900">
-              <a:solidFill>
-                <a:schemeClr val="dk2"/>
-              </a:solidFill>
-            </a:endParaRPr>
+            <a:endParaRPr b="0" sz="1000"/>
           </a:p>
         </p:txBody>
       </p:sp>
@@ -22278,7 +23159,7 @@
   <p:cSld>
     <p:spTree>
       <p:nvGrpSpPr>
-        <p:cNvPr id="396" name="Shape 396"/>
+        <p:cNvPr id="399" name="Shape 399"/>
         <p:cNvGrpSpPr/>
         <p:nvPr/>
       </p:nvGrpSpPr>
@@ -22292,7 +23173,7 @@
       </p:grpSpPr>
       <p:sp>
         <p:nvSpPr>
-          <p:cNvPr id="397" name="Google Shape;397;p60"/>
+          <p:cNvPr id="400" name="Google Shape;400;p60"/>
           <p:cNvSpPr txBox="1"/>
           <p:nvPr>
             <p:ph type="title"/>
@@ -22332,7 +23213,7 @@
       </p:sp>
       <p:sp>
         <p:nvSpPr>
-          <p:cNvPr id="398" name="Google Shape;398;p60"/>
+          <p:cNvPr id="401" name="Google Shape;401;p60"/>
           <p:cNvSpPr txBox="1"/>
           <p:nvPr>
             <p:ph idx="1" type="body"/>
@@ -22437,7 +23318,7 @@
       </p:sp>
       <p:sp>
         <p:nvSpPr>
-          <p:cNvPr id="399" name="Google Shape;399;p60"/>
+          <p:cNvPr id="402" name="Google Shape;402;p60"/>
           <p:cNvSpPr txBox="1"/>
           <p:nvPr>
             <p:ph idx="12" type="sldNum"/>
@@ -22445,8 +23326,8 @@
         </p:nvSpPr>
         <p:spPr>
           <a:xfrm>
-            <a:off x="7315202" y="4416550"/>
-            <a:ext cx="1828800" cy="731400"/>
+            <a:off x="7315209" y="4229101"/>
+            <a:ext cx="1828800" cy="914400"/>
           </a:xfrm>
           <a:prstGeom prst="rect">
             <a:avLst/>
@@ -22484,27 +23365,19 @@
               <a:buNone/>
             </a:pPr>
             <a:r>
-              <a:rPr b="0" lang="en" sz="900" u="sng">
+              <a:rPr b="0" lang="en" sz="1000" u="sng">
                 <a:solidFill>
                   <a:schemeClr val="hlink"/>
                 </a:solidFill>
                 <a:hlinkClick r:id="rId3"/>
               </a:rPr>
-              <a:t>https://profriehle.com</a:t>
-            </a:r>
-            <a:r>
-              <a:rPr b="0" lang="en" sz="900">
-                <a:solidFill>
-                  <a:schemeClr val="dk2"/>
-                </a:solidFill>
-              </a:rPr>
+              <a:t>uni1.de/nyt</a:t>
+            </a:r>
+            <a:r>
+              <a:rPr b="0" lang="en" sz="1000"/>
               <a:t> </a:t>
             </a:r>
-            <a:endParaRPr b="0" sz="900">
-              <a:solidFill>
-                <a:schemeClr val="dk2"/>
-              </a:solidFill>
-            </a:endParaRPr>
+            <a:endParaRPr b="0" sz="1000"/>
           </a:p>
         </p:txBody>
       </p:sp>
@@ -22521,7 +23394,7 @@
   <p:cSld>
     <p:spTree>
       <p:nvGrpSpPr>
-        <p:cNvPr id="403" name="Shape 403"/>
+        <p:cNvPr id="406" name="Shape 406"/>
         <p:cNvGrpSpPr/>
         <p:nvPr/>
       </p:nvGrpSpPr>
@@ -22535,7 +23408,7 @@
       </p:grpSpPr>
       <p:sp>
         <p:nvSpPr>
-          <p:cNvPr id="404" name="Google Shape;404;p61"/>
+          <p:cNvPr id="407" name="Google Shape;407;p61"/>
           <p:cNvSpPr txBox="1"/>
           <p:nvPr/>
         </p:nvSpPr>
@@ -22590,7 +23463,7 @@
       </p:sp>
       <p:sp>
         <p:nvSpPr>
-          <p:cNvPr id="405" name="Google Shape;405;p61"/>
+          <p:cNvPr id="408" name="Google Shape;408;p61"/>
           <p:cNvSpPr txBox="1"/>
           <p:nvPr>
             <p:ph type="title"/>
@@ -22630,7 +23503,7 @@
       </p:sp>
       <p:sp>
         <p:nvSpPr>
-          <p:cNvPr id="406" name="Google Shape;406;p61"/>
+          <p:cNvPr id="409" name="Google Shape;409;p61"/>
           <p:cNvSpPr txBox="1"/>
           <p:nvPr>
             <p:ph idx="12" type="sldNum"/>
@@ -22638,8 +23511,8 @@
         </p:nvSpPr>
         <p:spPr>
           <a:xfrm>
-            <a:off x="7315202" y="4416550"/>
-            <a:ext cx="1828800" cy="731400"/>
+            <a:off x="7315209" y="4229101"/>
+            <a:ext cx="1828800" cy="914400"/>
           </a:xfrm>
           <a:prstGeom prst="rect">
             <a:avLst/>
@@ -22677,33 +23550,25 @@
               <a:buNone/>
             </a:pPr>
             <a:r>
-              <a:rPr b="0" lang="en" sz="900" u="sng">
+              <a:rPr b="0" lang="en" sz="1000" u="sng">
                 <a:solidFill>
                   <a:schemeClr val="hlink"/>
                 </a:solidFill>
                 <a:hlinkClick r:id="rId4"/>
               </a:rPr>
-              <a:t>https://profriehle.com</a:t>
-            </a:r>
-            <a:r>
-              <a:rPr b="0" lang="en" sz="900">
-                <a:solidFill>
-                  <a:schemeClr val="dk2"/>
-                </a:solidFill>
-              </a:rPr>
+              <a:t>uni1.de/nyt</a:t>
+            </a:r>
+            <a:r>
+              <a:rPr b="0" lang="en" sz="1000"/>
               <a:t> </a:t>
             </a:r>
-            <a:endParaRPr b="0" sz="900">
-              <a:solidFill>
-                <a:schemeClr val="dk2"/>
-              </a:solidFill>
-            </a:endParaRPr>
+            <a:endParaRPr b="0" sz="1000"/>
           </a:p>
         </p:txBody>
       </p:sp>
       <p:sp>
         <p:nvSpPr>
-          <p:cNvPr id="407" name="Google Shape;407;p61"/>
+          <p:cNvPr id="410" name="Google Shape;410;p61"/>
           <p:cNvSpPr txBox="1"/>
           <p:nvPr>
             <p:ph idx="1" type="body"/>
@@ -22754,7 +23619,7 @@
   <p:cSld>
     <p:spTree>
       <p:nvGrpSpPr>
-        <p:cNvPr id="411" name="Shape 411"/>
+        <p:cNvPr id="414" name="Shape 414"/>
         <p:cNvGrpSpPr/>
         <p:nvPr/>
       </p:nvGrpSpPr>
@@ -22768,7 +23633,7 @@
       </p:grpSpPr>
       <p:sp>
         <p:nvSpPr>
-          <p:cNvPr id="412" name="Google Shape;412;p62"/>
+          <p:cNvPr id="415" name="Google Shape;415;p62"/>
           <p:cNvSpPr txBox="1"/>
           <p:nvPr>
             <p:ph type="title"/>
@@ -22808,7 +23673,7 @@
       </p:sp>
       <p:sp>
         <p:nvSpPr>
-          <p:cNvPr id="413" name="Google Shape;413;p62"/>
+          <p:cNvPr id="416" name="Google Shape;416;p62"/>
           <p:cNvSpPr txBox="1"/>
           <p:nvPr>
             <p:ph idx="1" type="body"/>
@@ -22900,7 +23765,7 @@
       </p:sp>
       <p:sp>
         <p:nvSpPr>
-          <p:cNvPr id="414" name="Google Shape;414;p62"/>
+          <p:cNvPr id="417" name="Google Shape;417;p62"/>
           <p:cNvSpPr txBox="1"/>
           <p:nvPr>
             <p:ph idx="12" type="sldNum"/>
@@ -22908,8 +23773,8 @@
         </p:nvSpPr>
         <p:spPr>
           <a:xfrm>
-            <a:off x="7315202" y="4416550"/>
-            <a:ext cx="1828800" cy="731400"/>
+            <a:off x="7315209" y="4229101"/>
+            <a:ext cx="1828800" cy="914400"/>
           </a:xfrm>
           <a:prstGeom prst="rect">
             <a:avLst/>
@@ -22947,27 +23812,19 @@
               <a:buNone/>
             </a:pPr>
             <a:r>
-              <a:rPr b="0" lang="en" sz="900" u="sng">
+              <a:rPr b="0" lang="en" sz="1000" u="sng">
                 <a:solidFill>
                   <a:schemeClr val="hlink"/>
                 </a:solidFill>
                 <a:hlinkClick r:id="rId3"/>
               </a:rPr>
-              <a:t>https://profriehle.com</a:t>
-            </a:r>
-            <a:r>
-              <a:rPr b="0" lang="en" sz="900">
-                <a:solidFill>
-                  <a:schemeClr val="dk2"/>
-                </a:solidFill>
-              </a:rPr>
+              <a:t>uni1.de/nyt</a:t>
+            </a:r>
+            <a:r>
+              <a:rPr b="0" lang="en" sz="1000"/>
               <a:t> </a:t>
             </a:r>
-            <a:endParaRPr b="0" sz="900">
-              <a:solidFill>
-                <a:schemeClr val="dk2"/>
-              </a:solidFill>
-            </a:endParaRPr>
+            <a:endParaRPr b="0" sz="1000"/>
           </a:p>
         </p:txBody>
       </p:sp>
@@ -22984,7 +23841,7 @@
   <p:cSld>
     <p:spTree>
       <p:nvGrpSpPr>
-        <p:cNvPr id="418" name="Shape 418"/>
+        <p:cNvPr id="421" name="Shape 421"/>
         <p:cNvGrpSpPr/>
         <p:nvPr/>
       </p:nvGrpSpPr>
@@ -22998,7 +23855,7 @@
       </p:grpSpPr>
       <p:sp>
         <p:nvSpPr>
-          <p:cNvPr id="419" name="Google Shape;419;p63"/>
+          <p:cNvPr id="422" name="Google Shape;422;p63"/>
           <p:cNvSpPr txBox="1"/>
           <p:nvPr>
             <p:ph type="ctrTitle"/>
@@ -23038,7 +23895,7 @@
       </p:sp>
       <p:sp>
         <p:nvSpPr>
-          <p:cNvPr id="420" name="Google Shape;420;p63"/>
+          <p:cNvPr id="423" name="Google Shape;423;p63"/>
           <p:cNvSpPr txBox="1"/>
           <p:nvPr>
             <p:ph idx="1" type="subTitle"/>
@@ -23168,7 +24025,7 @@
   <p:cSld>
     <p:spTree>
       <p:nvGrpSpPr>
-        <p:cNvPr id="424" name="Shape 424"/>
+        <p:cNvPr id="427" name="Shape 427"/>
         <p:cNvGrpSpPr/>
         <p:nvPr/>
       </p:nvGrpSpPr>
@@ -23182,7 +24039,7 @@
       </p:grpSpPr>
       <p:sp>
         <p:nvSpPr>
-          <p:cNvPr id="425" name="Google Shape;425;p64"/>
+          <p:cNvPr id="428" name="Google Shape;428;p64"/>
           <p:cNvSpPr txBox="1"/>
           <p:nvPr>
             <p:ph type="title"/>
@@ -23222,7 +24079,7 @@
       </p:sp>
       <p:sp>
         <p:nvSpPr>
-          <p:cNvPr id="426" name="Google Shape;426;p64"/>
+          <p:cNvPr id="429" name="Google Shape;429;p64"/>
           <p:cNvSpPr txBox="1"/>
           <p:nvPr>
             <p:ph idx="12" type="sldNum"/>
@@ -23230,8 +24087,8 @@
         </p:nvSpPr>
         <p:spPr>
           <a:xfrm>
-            <a:off x="7315202" y="4416550"/>
-            <a:ext cx="1828800" cy="731400"/>
+            <a:off x="7315209" y="4229101"/>
+            <a:ext cx="1828800" cy="914400"/>
           </a:xfrm>
           <a:prstGeom prst="rect">
             <a:avLst/>
@@ -23295,7 +24152,7 @@
       </p:sp>
       <p:sp>
         <p:nvSpPr>
-          <p:cNvPr id="427" name="Google Shape;427;p64"/>
+          <p:cNvPr id="430" name="Google Shape;430;p64"/>
           <p:cNvSpPr txBox="1"/>
           <p:nvPr>
             <p:ph idx="1" type="body"/>
@@ -23390,7 +24247,7 @@
             </a:pPr>
             <a:r>
               <a:rPr lang="en"/>
-              <a:t>© 2012-2023 Dirk Riehle, some rights reserved</a:t>
+              <a:t>© 2012, 2023, 2024 Dirk Riehle, some rights reserved</a:t>
             </a:r>
             <a:endParaRPr/>
           </a:p>
@@ -23424,7 +24281,7 @@
   <p:cSld>
     <p:spTree>
       <p:nvGrpSpPr>
-        <p:cNvPr id="67" name="Shape 67"/>
+        <p:cNvPr id="68" name="Shape 68"/>
         <p:cNvGrpSpPr/>
         <p:nvPr/>
       </p:nvGrpSpPr>
@@ -23438,7 +24295,7 @@
       </p:grpSpPr>
       <p:sp>
         <p:nvSpPr>
-          <p:cNvPr id="68" name="Google Shape;68;p13"/>
+          <p:cNvPr id="69" name="Google Shape;69;p13"/>
           <p:cNvSpPr txBox="1"/>
           <p:nvPr>
             <p:ph type="title"/>
@@ -23489,7 +24346,7 @@
   <p:cSld>
     <p:spTree>
       <p:nvGrpSpPr>
-        <p:cNvPr id="72" name="Shape 72"/>
+        <p:cNvPr id="73" name="Shape 73"/>
         <p:cNvGrpSpPr/>
         <p:nvPr/>
       </p:nvGrpSpPr>
@@ -23503,7 +24360,7 @@
       </p:grpSpPr>
       <p:sp>
         <p:nvSpPr>
-          <p:cNvPr id="73" name="Google Shape;73;p14"/>
+          <p:cNvPr id="74" name="Google Shape;74;p14"/>
           <p:cNvSpPr txBox="1"/>
           <p:nvPr>
             <p:ph type="title"/>
@@ -23543,7 +24400,7 @@
       </p:sp>
       <p:sp>
         <p:nvSpPr>
-          <p:cNvPr id="74" name="Google Shape;74;p14"/>
+          <p:cNvPr id="75" name="Google Shape;75;p14"/>
           <p:cNvSpPr txBox="1"/>
           <p:nvPr>
             <p:ph idx="12" type="sldNum"/>
@@ -23551,8 +24408,8 @@
         </p:nvSpPr>
         <p:spPr>
           <a:xfrm>
-            <a:off x="7315202" y="4416550"/>
-            <a:ext cx="1828800" cy="731400"/>
+            <a:off x="7315209" y="4229101"/>
+            <a:ext cx="1828800" cy="914400"/>
           </a:xfrm>
           <a:prstGeom prst="rect">
             <a:avLst/>
@@ -23590,33 +24447,25 @@
               <a:buNone/>
             </a:pPr>
             <a:r>
-              <a:rPr b="0" lang="en" sz="900" u="sng">
+              <a:rPr b="0" lang="en" sz="1000" u="sng">
                 <a:solidFill>
                   <a:schemeClr val="hlink"/>
                 </a:solidFill>
                 <a:hlinkClick r:id="rId3"/>
               </a:rPr>
-              <a:t>https://profriehle.com</a:t>
-            </a:r>
-            <a:r>
-              <a:rPr b="0" lang="en" sz="900">
-                <a:solidFill>
-                  <a:schemeClr val="dk2"/>
-                </a:solidFill>
-              </a:rPr>
+              <a:t>uni1.de/nyt</a:t>
+            </a:r>
+            <a:r>
+              <a:rPr b="0" lang="en" sz="1000"/>
               <a:t> </a:t>
             </a:r>
-            <a:endParaRPr>
-              <a:solidFill>
-                <a:schemeClr val="dk2"/>
-              </a:solidFill>
-            </a:endParaRPr>
+            <a:endParaRPr b="0" sz="1000"/>
           </a:p>
         </p:txBody>
       </p:sp>
       <p:pic>
         <p:nvPicPr>
-          <p:cNvPr id="75" name="Google Shape;75;p14"/>
+          <p:cNvPr id="76" name="Google Shape;76;p14"/>
           <p:cNvPicPr preferRelativeResize="0"/>
           <p:nvPr/>
         </p:nvPicPr>
@@ -23655,7 +24504,7 @@
   <p:cSld>
     <p:spTree>
       <p:nvGrpSpPr>
-        <p:cNvPr id="79" name="Shape 79"/>
+        <p:cNvPr id="80" name="Shape 80"/>
         <p:cNvGrpSpPr/>
         <p:nvPr/>
       </p:nvGrpSpPr>
@@ -23669,7 +24518,7 @@
       </p:grpSpPr>
       <p:sp>
         <p:nvSpPr>
-          <p:cNvPr id="80" name="Google Shape;80;p15"/>
+          <p:cNvPr id="81" name="Google Shape;81;p15"/>
           <p:cNvSpPr txBox="1"/>
           <p:nvPr>
             <p:ph type="title"/>
@@ -23709,7 +24558,7 @@
       </p:sp>
       <p:sp>
         <p:nvSpPr>
-          <p:cNvPr id="81" name="Google Shape;81;p15"/>
+          <p:cNvPr id="82" name="Google Shape;82;p15"/>
           <p:cNvSpPr txBox="1"/>
           <p:nvPr>
             <p:ph idx="1" type="body"/>
@@ -23833,7 +24682,7 @@
       </p:sp>
       <p:sp>
         <p:nvSpPr>
-          <p:cNvPr id="82" name="Google Shape;82;p15"/>
+          <p:cNvPr id="83" name="Google Shape;83;p15"/>
           <p:cNvSpPr txBox="1"/>
           <p:nvPr>
             <p:ph idx="12" type="sldNum"/>
@@ -23841,8 +24690,8 @@
         </p:nvSpPr>
         <p:spPr>
           <a:xfrm>
-            <a:off x="7315202" y="4416550"/>
-            <a:ext cx="1828800" cy="731400"/>
+            <a:off x="7315209" y="4229101"/>
+            <a:ext cx="1828800" cy="914400"/>
           </a:xfrm>
           <a:prstGeom prst="rect">
             <a:avLst/>
@@ -23880,27 +24729,19 @@
               <a:buNone/>
             </a:pPr>
             <a:r>
-              <a:rPr b="0" lang="en" sz="900" u="sng">
+              <a:rPr b="0" lang="en" sz="1000" u="sng">
                 <a:solidFill>
                   <a:schemeClr val="hlink"/>
                 </a:solidFill>
                 <a:hlinkClick r:id="rId3"/>
               </a:rPr>
-              <a:t>https://profriehle.com</a:t>
-            </a:r>
-            <a:r>
-              <a:rPr b="0" lang="en" sz="900">
-                <a:solidFill>
-                  <a:schemeClr val="dk2"/>
-                </a:solidFill>
-              </a:rPr>
+              <a:t>uni1.de/nyt</a:t>
+            </a:r>
+            <a:r>
+              <a:rPr b="0" lang="en" sz="1000"/>
               <a:t> </a:t>
             </a:r>
-            <a:endParaRPr b="0" sz="900">
-              <a:solidFill>
-                <a:schemeClr val="dk2"/>
-              </a:solidFill>
-            </a:endParaRPr>
+            <a:endParaRPr b="0" sz="1000"/>
           </a:p>
         </p:txBody>
       </p:sp>
@@ -23917,7 +24758,7 @@
   <p:cSld>
     <p:spTree>
       <p:nvGrpSpPr>
-        <p:cNvPr id="86" name="Shape 86"/>
+        <p:cNvPr id="87" name="Shape 87"/>
         <p:cNvGrpSpPr/>
         <p:nvPr/>
       </p:nvGrpSpPr>
@@ -23931,7 +24772,7 @@
       </p:grpSpPr>
       <p:sp>
         <p:nvSpPr>
-          <p:cNvPr id="87" name="Google Shape;87;p16"/>
+          <p:cNvPr id="88" name="Google Shape;88;p16"/>
           <p:cNvSpPr txBox="1"/>
           <p:nvPr>
             <p:ph type="title"/>
@@ -23971,7 +24812,7 @@
       </p:sp>
       <p:sp>
         <p:nvSpPr>
-          <p:cNvPr id="88" name="Google Shape;88;p16"/>
+          <p:cNvPr id="89" name="Google Shape;89;p16"/>
           <p:cNvSpPr txBox="1"/>
           <p:nvPr>
             <p:ph idx="1" type="body"/>
@@ -24094,7 +24935,7 @@
       </p:sp>
       <p:sp>
         <p:nvSpPr>
-          <p:cNvPr id="89" name="Google Shape;89;p16"/>
+          <p:cNvPr id="90" name="Google Shape;90;p16"/>
           <p:cNvSpPr txBox="1"/>
           <p:nvPr>
             <p:ph idx="12" type="sldNum"/>
@@ -24102,8 +24943,8 @@
         </p:nvSpPr>
         <p:spPr>
           <a:xfrm>
-            <a:off x="7315202" y="4416550"/>
-            <a:ext cx="1828800" cy="731400"/>
+            <a:off x="7315209" y="4229101"/>
+            <a:ext cx="1828800" cy="914400"/>
           </a:xfrm>
           <a:prstGeom prst="rect">
             <a:avLst/>
@@ -24141,27 +24982,19 @@
               <a:buNone/>
             </a:pPr>
             <a:r>
-              <a:rPr b="0" lang="en" sz="900" u="sng">
+              <a:rPr b="0" lang="en" sz="1000" u="sng">
                 <a:solidFill>
                   <a:schemeClr val="hlink"/>
                 </a:solidFill>
                 <a:hlinkClick r:id="rId3"/>
               </a:rPr>
-              <a:t>https://profriehle.com</a:t>
-            </a:r>
-            <a:r>
-              <a:rPr b="0" lang="en" sz="900">
-                <a:solidFill>
-                  <a:schemeClr val="dk2"/>
-                </a:solidFill>
-              </a:rPr>
+              <a:t>uni1.de/nyt</a:t>
+            </a:r>
+            <a:r>
+              <a:rPr b="0" lang="en" sz="1000"/>
               <a:t> </a:t>
             </a:r>
-            <a:endParaRPr b="0" sz="900">
-              <a:solidFill>
-                <a:schemeClr val="dk2"/>
-              </a:solidFill>
-            </a:endParaRPr>
+            <a:endParaRPr b="0" sz="1000"/>
           </a:p>
         </p:txBody>
       </p:sp>
@@ -24174,6 +25007,285 @@
 </file>
 
 <file path=ppt/theme/theme1.xml><?xml version="1.0" encoding="utf-8"?>
+<a:theme xmlns:a="http://schemas.openxmlformats.org/drawingml/2006/main" xmlns:r="http://schemas.openxmlformats.org/officeDocument/2006/relationships">
+  <a:themeElements>
+    <a:clrScheme name="Default">
+      <a:dk1>
+        <a:srgbClr val="000000"/>
+      </a:dk1>
+      <a:lt1>
+        <a:srgbClr val="FFFFFF"/>
+      </a:lt1>
+      <a:dk2>
+        <a:srgbClr val="158158"/>
+      </a:dk2>
+      <a:lt2>
+        <a:srgbClr val="F3F3F3"/>
+      </a:lt2>
+      <a:accent1>
+        <a:srgbClr val="058DC7"/>
+      </a:accent1>
+      <a:accent2>
+        <a:srgbClr val="50B432"/>
+      </a:accent2>
+      <a:accent3>
+        <a:srgbClr val="ED561B"/>
+      </a:accent3>
+      <a:accent4>
+        <a:srgbClr val="EDEF00"/>
+      </a:accent4>
+      <a:accent5>
+        <a:srgbClr val="24CBE5"/>
+      </a:accent5>
+      <a:accent6>
+        <a:srgbClr val="64E572"/>
+      </a:accent6>
+      <a:hlink>
+        <a:srgbClr val="2200CC"/>
+      </a:hlink>
+      <a:folHlink>
+        <a:srgbClr val="551A8B"/>
+      </a:folHlink>
+    </a:clrScheme>
+    <a:fontScheme name="Office">
+      <a:majorFont>
+        <a:latin typeface="Arial"/>
+        <a:ea typeface=""/>
+        <a:cs typeface=""/>
+        <a:font script="Jpan" typeface="ＭＳ Ｐゴシック"/>
+        <a:font script="Hang" typeface="맑은 고딕"/>
+        <a:font script="Hans" typeface="宋体"/>
+        <a:font script="Hant" typeface="新細明體"/>
+        <a:font script="Arab" typeface="Times New Roman"/>
+        <a:font script="Hebr" typeface="Times New Roman"/>
+        <a:font script="Thai" typeface="Angsana New"/>
+        <a:font script="Ethi" typeface="Nyala"/>
+        <a:font script="Beng" typeface="Vrinda"/>
+        <a:font script="Gujr" typeface="Shruti"/>
+        <a:font script="Khmr" typeface="MoolBoran"/>
+        <a:font script="Knda" typeface="Tunga"/>
+        <a:font script="Guru" typeface="Raavi"/>
+        <a:font script="Cans" typeface="Euphemia"/>
+        <a:font script="Cher" typeface="Plantagenet Cherokee"/>
+        <a:font script="Yiii" typeface="Microsoft Yi Baiti"/>
+        <a:font script="Tibt" typeface="Microsoft Himalaya"/>
+        <a:font script="Thaa" typeface="MV Boli"/>
+        <a:font script="Deva" typeface="Mangal"/>
+        <a:font script="Telu" typeface="Gautami"/>
+        <a:font script="Taml" typeface="Latha"/>
+        <a:font script="Syrc" typeface="Estrangelo Edessa"/>
+        <a:font script="Orya" typeface="Kalinga"/>
+        <a:font script="Mlym" typeface="Kartika"/>
+        <a:font script="Laoo" typeface="DokChampa"/>
+        <a:font script="Sinh" typeface="Iskoola Pota"/>
+        <a:font script="Mong" typeface="Mongolian Baiti"/>
+        <a:font script="Viet" typeface="Times New Roman"/>
+        <a:font script="Uigh" typeface="Microsoft Uighur"/>
+        <a:font script="Geor" typeface="Sylfaen"/>
+      </a:majorFont>
+      <a:minorFont>
+        <a:latin typeface="Arial"/>
+        <a:ea typeface=""/>
+        <a:cs typeface=""/>
+        <a:font script="Jpan" typeface="ＭＳ Ｐゴシック"/>
+        <a:font script="Hang" typeface="맑은 고딕"/>
+        <a:font script="Hans" typeface="宋体"/>
+        <a:font script="Hant" typeface="新細明體"/>
+        <a:font script="Arab" typeface="Arial"/>
+        <a:font script="Hebr" typeface="Arial"/>
+        <a:font script="Thai" typeface="Cordia New"/>
+        <a:font script="Ethi" typeface="Nyala"/>
+        <a:font script="Beng" typeface="Vrinda"/>
+        <a:font script="Gujr" typeface="Shruti"/>
+        <a:font script="Khmr" typeface="DaunPenh"/>
+        <a:font script="Knda" typeface="Tunga"/>
+        <a:font script="Guru" typeface="Raavi"/>
+        <a:font script="Cans" typeface="Euphemia"/>
+        <a:font script="Cher" typeface="Plantagenet Cherokee"/>
+        <a:font script="Yiii" typeface="Microsoft Yi Baiti"/>
+        <a:font script="Tibt" typeface="Microsoft Himalaya"/>
+        <a:font script="Thaa" typeface="MV Boli"/>
+        <a:font script="Deva" typeface="Mangal"/>
+        <a:font script="Telu" typeface="Gautami"/>
+        <a:font script="Taml" typeface="Latha"/>
+        <a:font script="Syrc" typeface="Estrangelo Edessa"/>
+        <a:font script="Orya" typeface="Kalinga"/>
+        <a:font script="Mlym" typeface="Kartika"/>
+        <a:font script="Laoo" typeface="DokChampa"/>
+        <a:font script="Sinh" typeface="Iskoola Pota"/>
+        <a:font script="Mong" typeface="Mongolian Baiti"/>
+        <a:font script="Viet" typeface="Arial"/>
+        <a:font script="Uigh" typeface="Microsoft Uighur"/>
+        <a:font script="Geor" typeface="Sylfaen"/>
+      </a:minorFont>
+    </a:fontScheme>
+    <a:fmtScheme name="Office">
+      <a:fillStyleLst>
+        <a:solidFill>
+          <a:schemeClr val="phClr"/>
+        </a:solidFill>
+        <a:gradFill rotWithShape="1">
+          <a:gsLst>
+            <a:gs pos="0">
+              <a:schemeClr val="phClr">
+                <a:tint val="50000"/>
+                <a:satMod val="300000"/>
+              </a:schemeClr>
+            </a:gs>
+            <a:gs pos="35000">
+              <a:schemeClr val="phClr">
+                <a:tint val="37000"/>
+                <a:satMod val="300000"/>
+              </a:schemeClr>
+            </a:gs>
+            <a:gs pos="100000">
+              <a:schemeClr val="phClr">
+                <a:tint val="15000"/>
+                <a:satMod val="350000"/>
+              </a:schemeClr>
+            </a:gs>
+          </a:gsLst>
+          <a:lin ang="16200000" scaled="1"/>
+        </a:gradFill>
+        <a:gradFill rotWithShape="1">
+          <a:gsLst>
+            <a:gs pos="0">
+              <a:schemeClr val="phClr">
+                <a:tint val="100000"/>
+                <a:shade val="100000"/>
+                <a:satMod val="130000"/>
+              </a:schemeClr>
+            </a:gs>
+            <a:gs pos="100000">
+              <a:schemeClr val="phClr">
+                <a:tint val="50000"/>
+                <a:shade val="100000"/>
+                <a:satMod val="350000"/>
+              </a:schemeClr>
+            </a:gs>
+          </a:gsLst>
+          <a:lin ang="16200000" scaled="0"/>
+        </a:gradFill>
+      </a:fillStyleLst>
+      <a:lnStyleLst>
+        <a:ln w="9525" cap="flat" cmpd="sng" algn="ctr">
+          <a:solidFill>
+            <a:schemeClr val="phClr">
+              <a:shade val="95000"/>
+              <a:satMod val="105000"/>
+            </a:schemeClr>
+          </a:solidFill>
+          <a:prstDash val="solid"/>
+        </a:ln>
+        <a:ln w="25400" cap="flat" cmpd="sng" algn="ctr">
+          <a:solidFill>
+            <a:schemeClr val="phClr"/>
+          </a:solidFill>
+          <a:prstDash val="solid"/>
+        </a:ln>
+        <a:ln w="38100" cap="flat" cmpd="sng" algn="ctr">
+          <a:solidFill>
+            <a:schemeClr val="phClr"/>
+          </a:solidFill>
+          <a:prstDash val="solid"/>
+        </a:ln>
+      </a:lnStyleLst>
+      <a:effectStyleLst>
+        <a:effectStyle>
+          <a:effectLst>
+            <a:outerShdw blurRad="40000" dist="20000" dir="5400000" rotWithShape="0">
+              <a:srgbClr val="000000">
+                <a:alpha val="38000"/>
+              </a:srgbClr>
+            </a:outerShdw>
+          </a:effectLst>
+        </a:effectStyle>
+        <a:effectStyle>
+          <a:effectLst>
+            <a:outerShdw blurRad="40000" dist="23000" dir="5400000" rotWithShape="0">
+              <a:srgbClr val="000000">
+                <a:alpha val="35000"/>
+              </a:srgbClr>
+            </a:outerShdw>
+          </a:effectLst>
+        </a:effectStyle>
+        <a:effectStyle>
+          <a:effectLst>
+            <a:outerShdw blurRad="40000" dist="23000" dir="5400000" rotWithShape="0">
+              <a:srgbClr val="000000">
+                <a:alpha val="35000"/>
+              </a:srgbClr>
+            </a:outerShdw>
+          </a:effectLst>
+          <a:scene3d>
+            <a:camera prst="orthographicFront">
+              <a:rot lat="0" lon="0" rev="0"/>
+            </a:camera>
+            <a:lightRig rig="threePt" dir="t">
+              <a:rot lat="0" lon="0" rev="1200000"/>
+            </a:lightRig>
+          </a:scene3d>
+          <a:sp3d>
+            <a:bevelT w="63500" h="25400"/>
+          </a:sp3d>
+        </a:effectStyle>
+      </a:effectStyleLst>
+      <a:bgFillStyleLst>
+        <a:solidFill>
+          <a:schemeClr val="phClr"/>
+        </a:solidFill>
+        <a:gradFill rotWithShape="1">
+          <a:gsLst>
+            <a:gs pos="0">
+              <a:schemeClr val="phClr">
+                <a:tint val="40000"/>
+                <a:satMod val="350000"/>
+              </a:schemeClr>
+            </a:gs>
+            <a:gs pos="40000">
+              <a:schemeClr val="phClr">
+                <a:tint val="45000"/>
+                <a:shade val="99000"/>
+                <a:satMod val="350000"/>
+              </a:schemeClr>
+            </a:gs>
+            <a:gs pos="100000">
+              <a:schemeClr val="phClr">
+                <a:shade val="20000"/>
+                <a:satMod val="255000"/>
+              </a:schemeClr>
+            </a:gs>
+          </a:gsLst>
+          <a:path path="circle">
+            <a:fillToRect l="50000" t="-80000" r="50000" b="180000"/>
+          </a:path>
+        </a:gradFill>
+        <a:gradFill rotWithShape="1">
+          <a:gsLst>
+            <a:gs pos="0">
+              <a:schemeClr val="phClr">
+                <a:tint val="80000"/>
+                <a:satMod val="300000"/>
+              </a:schemeClr>
+            </a:gs>
+            <a:gs pos="100000">
+              <a:schemeClr val="phClr">
+                <a:shade val="30000"/>
+                <a:satMod val="200000"/>
+              </a:schemeClr>
+            </a:gs>
+          </a:gsLst>
+          <a:path path="circle">
+            <a:fillToRect l="50000" t="50000" r="50000" b="50000"/>
+          </a:path>
+        </a:gradFill>
+      </a:bgFillStyleLst>
+    </a:fmtScheme>
+  </a:themeElements>
+</a:theme>
+</file>
+
+<file path=ppt/theme/theme2.xml><?xml version="1.0" encoding="utf-8"?>
 <a:theme xmlns:a="http://schemas.openxmlformats.org/drawingml/2006/main" xmlns:r="http://schemas.openxmlformats.org/officeDocument/2006/relationships" name="NYT Slides Template">
   <a:themeElements>
     <a:clrScheme name="Simple Light">
@@ -24450,283 +25562,4 @@
     </a:fmtScheme>
   </a:themeElements>
 </a:theme>
-</file>
-
-<file path=ppt/theme/theme2.xml><?xml version="1.0" encoding="utf-8"?>
-<a:theme xmlns:a="http://schemas.openxmlformats.org/drawingml/2006/main" xmlns:r="http://schemas.openxmlformats.org/officeDocument/2006/relationships">
-  <a:themeElements>
-    <a:clrScheme name="Default">
-      <a:dk1>
-        <a:srgbClr val="000000"/>
-      </a:dk1>
-      <a:lt1>
-        <a:srgbClr val="FFFFFF"/>
-      </a:lt1>
-      <a:dk2>
-        <a:srgbClr val="158158"/>
-      </a:dk2>
-      <a:lt2>
-        <a:srgbClr val="F3F3F3"/>
-      </a:lt2>
-      <a:accent1>
-        <a:srgbClr val="058DC7"/>
-      </a:accent1>
-      <a:accent2>
-        <a:srgbClr val="50B432"/>
-      </a:accent2>
-      <a:accent3>
-        <a:srgbClr val="ED561B"/>
-      </a:accent3>
-      <a:accent4>
-        <a:srgbClr val="EDEF00"/>
-      </a:accent4>
-      <a:accent5>
-        <a:srgbClr val="24CBE5"/>
-      </a:accent5>
-      <a:accent6>
-        <a:srgbClr val="64E572"/>
-      </a:accent6>
-      <a:hlink>
-        <a:srgbClr val="2200CC"/>
-      </a:hlink>
-      <a:folHlink>
-        <a:srgbClr val="551A8B"/>
-      </a:folHlink>
-    </a:clrScheme>
-    <a:fontScheme name="Office">
-      <a:majorFont>
-        <a:latin typeface="Arial"/>
-        <a:ea typeface=""/>
-        <a:cs typeface=""/>
-        <a:font script="Jpan" typeface="ＭＳ Ｐゴシック"/>
-        <a:font script="Hang" typeface="맑은 고딕"/>
-        <a:font script="Hans" typeface="宋体"/>
-        <a:font script="Hant" typeface="新細明體"/>
-        <a:font script="Arab" typeface="Times New Roman"/>
-        <a:font script="Hebr" typeface="Times New Roman"/>
-        <a:font script="Thai" typeface="Angsana New"/>
-        <a:font script="Ethi" typeface="Nyala"/>
-        <a:font script="Beng" typeface="Vrinda"/>
-        <a:font script="Gujr" typeface="Shruti"/>
-        <a:font script="Khmr" typeface="MoolBoran"/>
-        <a:font script="Knda" typeface="Tunga"/>
-        <a:font script="Guru" typeface="Raavi"/>
-        <a:font script="Cans" typeface="Euphemia"/>
-        <a:font script="Cher" typeface="Plantagenet Cherokee"/>
-        <a:font script="Yiii" typeface="Microsoft Yi Baiti"/>
-        <a:font script="Tibt" typeface="Microsoft Himalaya"/>
-        <a:font script="Thaa" typeface="MV Boli"/>
-        <a:font script="Deva" typeface="Mangal"/>
-        <a:font script="Telu" typeface="Gautami"/>
-        <a:font script="Taml" typeface="Latha"/>
-        <a:font script="Syrc" typeface="Estrangelo Edessa"/>
-        <a:font script="Orya" typeface="Kalinga"/>
-        <a:font script="Mlym" typeface="Kartika"/>
-        <a:font script="Laoo" typeface="DokChampa"/>
-        <a:font script="Sinh" typeface="Iskoola Pota"/>
-        <a:font script="Mong" typeface="Mongolian Baiti"/>
-        <a:font script="Viet" typeface="Times New Roman"/>
-        <a:font script="Uigh" typeface="Microsoft Uighur"/>
-        <a:font script="Geor" typeface="Sylfaen"/>
-      </a:majorFont>
-      <a:minorFont>
-        <a:latin typeface="Arial"/>
-        <a:ea typeface=""/>
-        <a:cs typeface=""/>
-        <a:font script="Jpan" typeface="ＭＳ Ｐゴシック"/>
-        <a:font script="Hang" typeface="맑은 고딕"/>
-        <a:font script="Hans" typeface="宋体"/>
-        <a:font script="Hant" typeface="新細明體"/>
-        <a:font script="Arab" typeface="Arial"/>
-        <a:font script="Hebr" typeface="Arial"/>
-        <a:font script="Thai" typeface="Cordia New"/>
-        <a:font script="Ethi" typeface="Nyala"/>
-        <a:font script="Beng" typeface="Vrinda"/>
-        <a:font script="Gujr" typeface="Shruti"/>
-        <a:font script="Khmr" typeface="DaunPenh"/>
-        <a:font script="Knda" typeface="Tunga"/>
-        <a:font script="Guru" typeface="Raavi"/>
-        <a:font script="Cans" typeface="Euphemia"/>
-        <a:font script="Cher" typeface="Plantagenet Cherokee"/>
-        <a:font script="Yiii" typeface="Microsoft Yi Baiti"/>
-        <a:font script="Tibt" typeface="Microsoft Himalaya"/>
-        <a:font script="Thaa" typeface="MV Boli"/>
-        <a:font script="Deva" typeface="Mangal"/>
-        <a:font script="Telu" typeface="Gautami"/>
-        <a:font script="Taml" typeface="Latha"/>
-        <a:font script="Syrc" typeface="Estrangelo Edessa"/>
-        <a:font script="Orya" typeface="Kalinga"/>
-        <a:font script="Mlym" typeface="Kartika"/>
-        <a:font script="Laoo" typeface="DokChampa"/>
-        <a:font script="Sinh" typeface="Iskoola Pota"/>
-        <a:font script="Mong" typeface="Mongolian Baiti"/>
-        <a:font script="Viet" typeface="Arial"/>
-        <a:font script="Uigh" typeface="Microsoft Uighur"/>
-        <a:font script="Geor" typeface="Sylfaen"/>
-      </a:minorFont>
-    </a:fontScheme>
-    <a:fmtScheme name="Office">
-      <a:fillStyleLst>
-        <a:solidFill>
-          <a:schemeClr val="phClr"/>
-        </a:solidFill>
-        <a:gradFill rotWithShape="1">
-          <a:gsLst>
-            <a:gs pos="0">
-              <a:schemeClr val="phClr">
-                <a:tint val="50000"/>
-                <a:satMod val="300000"/>
-              </a:schemeClr>
-            </a:gs>
-            <a:gs pos="35000">
-              <a:schemeClr val="phClr">
-                <a:tint val="37000"/>
-                <a:satMod val="300000"/>
-              </a:schemeClr>
-            </a:gs>
-            <a:gs pos="100000">
-              <a:schemeClr val="phClr">
-                <a:tint val="15000"/>
-                <a:satMod val="350000"/>
-              </a:schemeClr>
-            </a:gs>
-          </a:gsLst>
-          <a:lin ang="16200000" scaled="1"/>
-        </a:gradFill>
-        <a:gradFill rotWithShape="1">
-          <a:gsLst>
-            <a:gs pos="0">
-              <a:schemeClr val="phClr">
-                <a:tint val="100000"/>
-                <a:shade val="100000"/>
-                <a:satMod val="130000"/>
-              </a:schemeClr>
-            </a:gs>
-            <a:gs pos="100000">
-              <a:schemeClr val="phClr">
-                <a:tint val="50000"/>
-                <a:shade val="100000"/>
-                <a:satMod val="350000"/>
-              </a:schemeClr>
-            </a:gs>
-          </a:gsLst>
-          <a:lin ang="16200000" scaled="0"/>
-        </a:gradFill>
-      </a:fillStyleLst>
-      <a:lnStyleLst>
-        <a:ln w="9525" cap="flat" cmpd="sng" algn="ctr">
-          <a:solidFill>
-            <a:schemeClr val="phClr">
-              <a:shade val="95000"/>
-              <a:satMod val="105000"/>
-            </a:schemeClr>
-          </a:solidFill>
-          <a:prstDash val="solid"/>
-        </a:ln>
-        <a:ln w="25400" cap="flat" cmpd="sng" algn="ctr">
-          <a:solidFill>
-            <a:schemeClr val="phClr"/>
-          </a:solidFill>
-          <a:prstDash val="solid"/>
-        </a:ln>
-        <a:ln w="38100" cap="flat" cmpd="sng" algn="ctr">
-          <a:solidFill>
-            <a:schemeClr val="phClr"/>
-          </a:solidFill>
-          <a:prstDash val="solid"/>
-        </a:ln>
-      </a:lnStyleLst>
-      <a:effectStyleLst>
-        <a:effectStyle>
-          <a:effectLst>
-            <a:outerShdw blurRad="40000" dist="20000" dir="5400000" rotWithShape="0">
-              <a:srgbClr val="000000">
-                <a:alpha val="38000"/>
-              </a:srgbClr>
-            </a:outerShdw>
-          </a:effectLst>
-        </a:effectStyle>
-        <a:effectStyle>
-          <a:effectLst>
-            <a:outerShdw blurRad="40000" dist="23000" dir="5400000" rotWithShape="0">
-              <a:srgbClr val="000000">
-                <a:alpha val="35000"/>
-              </a:srgbClr>
-            </a:outerShdw>
-          </a:effectLst>
-        </a:effectStyle>
-        <a:effectStyle>
-          <a:effectLst>
-            <a:outerShdw blurRad="40000" dist="23000" dir="5400000" rotWithShape="0">
-              <a:srgbClr val="000000">
-                <a:alpha val="35000"/>
-              </a:srgbClr>
-            </a:outerShdw>
-          </a:effectLst>
-          <a:scene3d>
-            <a:camera prst="orthographicFront">
-              <a:rot lat="0" lon="0" rev="0"/>
-            </a:camera>
-            <a:lightRig rig="threePt" dir="t">
-              <a:rot lat="0" lon="0" rev="1200000"/>
-            </a:lightRig>
-          </a:scene3d>
-          <a:sp3d>
-            <a:bevelT w="63500" h="25400"/>
-          </a:sp3d>
-        </a:effectStyle>
-      </a:effectStyleLst>
-      <a:bgFillStyleLst>
-        <a:solidFill>
-          <a:schemeClr val="phClr"/>
-        </a:solidFill>
-        <a:gradFill rotWithShape="1">
-          <a:gsLst>
-            <a:gs pos="0">
-              <a:schemeClr val="phClr">
-                <a:tint val="40000"/>
-                <a:satMod val="350000"/>
-              </a:schemeClr>
-            </a:gs>
-            <a:gs pos="40000">
-              <a:schemeClr val="phClr">
-                <a:tint val="45000"/>
-                <a:shade val="99000"/>
-                <a:satMod val="350000"/>
-              </a:schemeClr>
-            </a:gs>
-            <a:gs pos="100000">
-              <a:schemeClr val="phClr">
-                <a:shade val="20000"/>
-                <a:satMod val="255000"/>
-              </a:schemeClr>
-            </a:gs>
-          </a:gsLst>
-          <a:path path="circle">
-            <a:fillToRect l="50000" t="-80000" r="50000" b="180000"/>
-          </a:path>
-        </a:gradFill>
-        <a:gradFill rotWithShape="1">
-          <a:gsLst>
-            <a:gs pos="0">
-              <a:schemeClr val="phClr">
-                <a:tint val="80000"/>
-                <a:satMod val="300000"/>
-              </a:schemeClr>
-            </a:gs>
-            <a:gs pos="100000">
-              <a:schemeClr val="phClr">
-                <a:shade val="30000"/>
-                <a:satMod val="200000"/>
-              </a:schemeClr>
-            </a:gs>
-          </a:gsLst>
-          <a:path path="circle">
-            <a:fillToRect l="50000" t="50000" r="50000" b="50000"/>
-          </a:path>
-        </a:gradFill>
-      </a:bgFillStyleLst>
-    </a:fmtScheme>
-  </a:themeElements>
-</a:theme>
 </file>